--- a/doc/최종발표 자료/마이 리틀 팜 최종 발표 자료.pptx
+++ b/doc/최종발표 자료/마이 리틀 팜 최종 발표 자료.pptx
@@ -13,13 +13,13 @@
     <p:sldId id="306" r:id="rId4"/>
     <p:sldId id="310" r:id="rId5"/>
     <p:sldId id="311" r:id="rId6"/>
-    <p:sldId id="312" r:id="rId7"/>
-    <p:sldId id="317" r:id="rId8"/>
-    <p:sldId id="318" r:id="rId9"/>
+    <p:sldId id="321" r:id="rId7"/>
+    <p:sldId id="312" r:id="rId8"/>
+    <p:sldId id="317" r:id="rId9"/>
     <p:sldId id="319" r:id="rId10"/>
     <p:sldId id="320" r:id="rId11"/>
-    <p:sldId id="314" r:id="rId12"/>
-    <p:sldId id="316" r:id="rId13"/>
+    <p:sldId id="318" r:id="rId12"/>
+    <p:sldId id="314" r:id="rId13"/>
     <p:sldId id="315" r:id="rId14"/>
   </p:sldIdLst>
   <p:sldSz cx="9144000" cy="5143500" type="screen16x9"/>
@@ -929,7 +929,7 @@
     </p:spTree>
     <p:extLst>
       <p:ext uri="{BB962C8B-B14F-4D97-AF65-F5344CB8AC3E}">
-        <p14:creationId xmlns:p14="http://schemas.microsoft.com/office/powerpoint/2010/main" val="2651568102"/>
+        <p14:creationId xmlns:p14="http://schemas.microsoft.com/office/powerpoint/2010/main" val="2294893233"/>
       </p:ext>
     </p:extLst>
   </p:cSld>
@@ -1038,7 +1038,7 @@
     </p:spTree>
     <p:extLst>
       <p:ext uri="{BB962C8B-B14F-4D97-AF65-F5344CB8AC3E}">
-        <p14:creationId xmlns:p14="http://schemas.microsoft.com/office/powerpoint/2010/main" val="97591963"/>
+        <p14:creationId xmlns:p14="http://schemas.microsoft.com/office/powerpoint/2010/main" val="2651568102"/>
       </p:ext>
     </p:extLst>
   </p:cSld>
@@ -1583,7 +1583,7 @@
     </p:spTree>
     <p:extLst>
       <p:ext uri="{BB962C8B-B14F-4D97-AF65-F5344CB8AC3E}">
-        <p14:creationId xmlns:p14="http://schemas.microsoft.com/office/powerpoint/2010/main" val="3920467087"/>
+        <p14:creationId xmlns:p14="http://schemas.microsoft.com/office/powerpoint/2010/main" val="1561641001"/>
       </p:ext>
     </p:extLst>
   </p:cSld>
@@ -1692,7 +1692,7 @@
     </p:spTree>
     <p:extLst>
       <p:ext uri="{BB962C8B-B14F-4D97-AF65-F5344CB8AC3E}">
-        <p14:creationId xmlns:p14="http://schemas.microsoft.com/office/powerpoint/2010/main" val="694806749"/>
+        <p14:creationId xmlns:p14="http://schemas.microsoft.com/office/powerpoint/2010/main" val="3920467087"/>
       </p:ext>
     </p:extLst>
   </p:cSld>
@@ -1801,7 +1801,7 @@
     </p:spTree>
     <p:extLst>
       <p:ext uri="{BB962C8B-B14F-4D97-AF65-F5344CB8AC3E}">
-        <p14:creationId xmlns:p14="http://schemas.microsoft.com/office/powerpoint/2010/main" val="2294893233"/>
+        <p14:creationId xmlns:p14="http://schemas.microsoft.com/office/powerpoint/2010/main" val="694806749"/>
       </p:ext>
     </p:extLst>
   </p:cSld>
@@ -2241,13 +2241,6 @@
   <p:clrMapOvr>
     <a:masterClrMapping/>
   </p:clrMapOvr>
-  <p:timing>
-    <p:tnLst>
-      <p:par>
-        <p:cTn id="1" dur="indefinite" restart="never" nodeType="tmRoot"/>
-      </p:par>
-    </p:tnLst>
-  </p:timing>
 </p:sldLayout>
 </file>
 
@@ -3875,13 +3868,6 @@
   <p:clrMapOvr>
     <a:masterClrMapping/>
   </p:clrMapOvr>
-  <p:timing>
-    <p:tnLst>
-      <p:par>
-        <p:cTn id="1" dur="indefinite" restart="never" nodeType="tmRoot"/>
-      </p:par>
-    </p:tnLst>
-  </p:timing>
 </p:sldLayout>
 </file>
 
@@ -5479,13 +5465,6 @@
     <p:sldLayoutId id="2147483677" r:id="rId7"/>
     <p:sldLayoutId id="2147483678" r:id="rId8"/>
   </p:sldLayoutIdLst>
-  <p:timing>
-    <p:tnLst>
-      <p:par>
-        <p:cTn id="1" dur="indefinite" restart="never" nodeType="tmRoot"/>
-      </p:par>
-    </p:tnLst>
-  </p:timing>
   <p:hf sldNum="0" hdr="0" ftr="0" dt="0"/>
   <p:txStyles>
     <p:titleStyle>
@@ -6234,7 +6213,7 @@
               <a:buNone/>
             </a:pPr>
             <a:r>
-              <a:rPr lang="es" dirty="0" smtClean="0">
+              <a:rPr lang="es" dirty="0">
                 <a:solidFill>
                   <a:schemeClr val="dk1"/>
                 </a:solidFill>
@@ -6246,7 +6225,7 @@
               <a:t>10</a:t>
             </a:r>
             <a:r>
-              <a:rPr lang="ko-KR" altLang="en-US" dirty="0" smtClean="0">
+              <a:rPr lang="ko-KR" altLang="en-US" dirty="0">
                 <a:solidFill>
                   <a:schemeClr val="dk1"/>
                 </a:solidFill>
@@ -6258,7 +6237,7 @@
               <a:t>조 </a:t>
             </a:r>
             <a:r>
-              <a:rPr lang="ko-KR" altLang="en-US" sz="1200" dirty="0" err="1" smtClean="0">
+              <a:rPr lang="ko-KR" altLang="en-US" sz="1200" dirty="0" err="1">
                 <a:solidFill>
                   <a:schemeClr val="dk1"/>
                 </a:solidFill>
@@ -6270,7 +6249,7 @@
               <a:t>김범헌</a:t>
             </a:r>
             <a:r>
-              <a:rPr lang="ko-KR" altLang="en-US" sz="1200" dirty="0" smtClean="0">
+              <a:rPr lang="ko-KR" altLang="en-US" sz="1200" dirty="0">
                 <a:solidFill>
                   <a:schemeClr val="dk1"/>
                 </a:solidFill>
@@ -6282,7 +6261,7 @@
               <a:t> 장민 </a:t>
             </a:r>
             <a:r>
-              <a:rPr lang="ko-KR" altLang="en-US" sz="1200" dirty="0" err="1" smtClean="0">
+              <a:rPr lang="ko-KR" altLang="en-US" sz="1200" dirty="0" err="1">
                 <a:solidFill>
                   <a:schemeClr val="dk1"/>
                 </a:solidFill>
@@ -6294,7 +6273,7 @@
               <a:t>진세광</a:t>
             </a:r>
             <a:r>
-              <a:rPr lang="ko-KR" altLang="en-US" sz="1200" dirty="0" smtClean="0">
+              <a:rPr lang="ko-KR" altLang="en-US" sz="1200" dirty="0">
                 <a:solidFill>
                   <a:schemeClr val="dk1"/>
                 </a:solidFill>
@@ -6306,7 +6285,7 @@
               <a:t> 조주현 </a:t>
             </a:r>
             <a:r>
-              <a:rPr lang="ko-KR" altLang="en-US" sz="1200" dirty="0" err="1" smtClean="0">
+              <a:rPr lang="ko-KR" altLang="en-US" sz="1200" dirty="0" err="1">
                 <a:solidFill>
                   <a:schemeClr val="dk1"/>
                 </a:solidFill>
@@ -6345,18 +6324,13 @@
           <a:lstStyle/>
           <a:p>
             <a:r>
-              <a:rPr lang="ko-KR" altLang="en-US" dirty="0" smtClean="0">
+              <a:rPr lang="ko-KR" altLang="en-US" dirty="0">
                 <a:latin typeface="나눔스퀘어라운드 Bold" panose="020B0600000101010101" pitchFamily="50" charset="-127"/>
                 <a:ea typeface="나눔스퀘어라운드 Bold" panose="020B0600000101010101" pitchFamily="50" charset="-127"/>
                 <a:cs typeface="KoPubWorld돋움체 Bold" panose="00000800000000000000" pitchFamily="2" charset="-127"/>
               </a:rPr>
               <a:t>마이 리틀 팜</a:t>
             </a:r>
-            <a:endParaRPr lang="ko-KR" altLang="en-US" dirty="0">
-              <a:latin typeface="나눔스퀘어라운드 Bold" panose="020B0600000101010101" pitchFamily="50" charset="-127"/>
-              <a:ea typeface="나눔스퀘어라운드 Bold" panose="020B0600000101010101" pitchFamily="50" charset="-127"/>
-              <a:cs typeface="KoPubWorld돋움체 Bold" panose="00000800000000000000" pitchFamily="2" charset="-127"/>
-            </a:endParaRPr>
           </a:p>
         </p:txBody>
       </p:sp>
@@ -6365,13 +6339,6 @@
   <p:clrMapOvr>
     <a:masterClrMapping/>
   </p:clrMapOvr>
-  <p:timing>
-    <p:tnLst>
-      <p:par>
-        <p:cTn id="1" dur="indefinite" restart="never" nodeType="tmRoot"/>
-      </p:par>
-    </p:tnLst>
-  </p:timing>
 </p:sld>
 </file>
 
@@ -6421,7 +6388,7 @@
               <a:buSzPts val="1800"/>
             </a:pPr>
             <a:r>
-              <a:rPr lang="ko-KR" altLang="en-US" sz="2400" dirty="0" smtClean="0">
+              <a:rPr lang="ko-KR" altLang="en-US" sz="2400" dirty="0">
                 <a:latin typeface="나눔스퀘어라운드 ExtraBold" panose="020B0600000101010101" pitchFamily="50" charset="-127"/>
                 <a:ea typeface="나눔스퀘어라운드 ExtraBold" panose="020B0600000101010101" pitchFamily="50" charset="-127"/>
                 <a:sym typeface="Arial"/>
@@ -6429,7 +6396,7 @@
               <a:t>개발 내용 </a:t>
             </a:r>
             <a:r>
-              <a:rPr lang="en-US" altLang="ko-KR" sz="2400" dirty="0" smtClean="0">
+              <a:rPr lang="en-US" altLang="ko-KR" sz="2400" dirty="0">
                 <a:latin typeface="나눔스퀘어라운드 ExtraBold" panose="020B0600000101010101" pitchFamily="50" charset="-127"/>
                 <a:ea typeface="나눔스퀘어라운드 ExtraBold" panose="020B0600000101010101" pitchFamily="50" charset="-127"/>
                 <a:sym typeface="Arial"/>
@@ -6437,7 +6404,7 @@
               <a:t>–</a:t>
             </a:r>
             <a:r>
-              <a:rPr lang="en-US" altLang="ko-KR" sz="1800" dirty="0" smtClean="0">
+              <a:rPr lang="en-US" altLang="ko-KR" sz="1800" dirty="0">
                 <a:latin typeface="나눔스퀘어라운드 ExtraBold" panose="020B0600000101010101" pitchFamily="50" charset="-127"/>
                 <a:ea typeface="나눔스퀘어라운드 ExtraBold" panose="020B0600000101010101" pitchFamily="50" charset="-127"/>
                 <a:sym typeface="Arial"/>
@@ -6445,12 +6412,12 @@
               <a:t> </a:t>
             </a:r>
             <a:r>
-              <a:rPr lang="ko-KR" altLang="en-US" sz="1800" dirty="0" smtClean="0">
+              <a:rPr lang="ko-KR" altLang="en-US" sz="1800" dirty="0">
                 <a:latin typeface="나눔스퀘어라운드 ExtraBold" panose="020B0600000101010101" pitchFamily="50" charset="-127"/>
                 <a:ea typeface="나눔스퀘어라운드 ExtraBold" panose="020B0600000101010101" pitchFamily="50" charset="-127"/>
                 <a:sym typeface="Arial"/>
               </a:rPr>
-              <a:t>각종 이벤트</a:t>
+              <a:t>아이템</a:t>
             </a:r>
             <a:endParaRPr sz="1800" dirty="0">
               <a:latin typeface="나눔스퀘어라운드 ExtraBold" panose="020B0600000101010101" pitchFamily="50" charset="-127"/>
@@ -6470,8 +6437,8 @@
         </p:nvSpPr>
         <p:spPr>
           <a:xfrm>
-            <a:off x="1059180" y="373380"/>
-            <a:ext cx="7033260" cy="4289837"/>
+            <a:off x="4970155" y="3236971"/>
+            <a:ext cx="3543530" cy="855492"/>
           </a:xfrm>
           <a:prstGeom prst="rect">
             <a:avLst/>
@@ -6731,11 +6698,11 @@
           <a:p>
             <a:pPr>
               <a:lnSpc>
-                <a:spcPct val="200000"/>
+                <a:spcPct val="150000"/>
               </a:lnSpc>
             </a:pPr>
             <a:r>
-              <a:rPr lang="ko-KR" altLang="en-US" sz="1600" dirty="0">
+              <a:rPr lang="en-US" altLang="ko-KR" sz="1400" dirty="0" err="1">
                 <a:solidFill>
                   <a:schemeClr val="dk1"/>
                 </a:solidFill>
@@ -6744,10 +6711,10 @@
                 <a:cs typeface="Ubuntu"/>
                 <a:sym typeface="Ubuntu"/>
               </a:rPr>
-              <a:t>고단한 회사 생활을 하던 주인공 흰둥이는 항상 평화롭고 여유로운 생활을 갈망한다</a:t>
+              <a:t>ItemData</a:t>
             </a:r>
             <a:r>
-              <a:rPr lang="en-US" altLang="ko-KR" sz="1600" dirty="0">
+              <a:rPr lang="ko-KR" altLang="en-US" sz="1400" dirty="0">
                 <a:solidFill>
                   <a:schemeClr val="dk1"/>
                 </a:solidFill>
@@ -6756,108 +6723,10 @@
                 <a:cs typeface="Ubuntu"/>
                 <a:sym typeface="Ubuntu"/>
               </a:rPr>
-              <a:t>. </a:t>
-            </a:r>
-          </a:p>
-          <a:p>
-            <a:pPr>
-              <a:lnSpc>
-                <a:spcPct val="200000"/>
-              </a:lnSpc>
-            </a:pPr>
-            <a:r>
-              <a:rPr lang="ko-KR" altLang="en-US" sz="1600" dirty="0">
-                <a:solidFill>
-                  <a:schemeClr val="dk1"/>
-                </a:solidFill>
-                <a:latin typeface="나눔스퀘어라운드 Regular" panose="020B0600000101010101" pitchFamily="50" charset="-127"/>
-                <a:ea typeface="나눔스퀘어라운드 Regular" panose="020B0600000101010101" pitchFamily="50" charset="-127"/>
-                <a:cs typeface="Ubuntu"/>
-                <a:sym typeface="Ubuntu"/>
-              </a:rPr>
-              <a:t>흰둥이는 오랜 고민 끝에 귀농을 결심하고</a:t>
+              <a:t>로 아이템 정보를 입력하고 원하는 모듈을  선택하여 아이템 사용 시 기능을 부여할 수 있다</a:t>
             </a:r>
             <a:r>
-              <a:rPr lang="en-US" altLang="ko-KR" sz="1600" dirty="0">
-                <a:solidFill>
-                  <a:schemeClr val="dk1"/>
-                </a:solidFill>
-                <a:latin typeface="나눔스퀘어라운드 Regular" panose="020B0600000101010101" pitchFamily="50" charset="-127"/>
-                <a:ea typeface="나눔스퀘어라운드 Regular" panose="020B0600000101010101" pitchFamily="50" charset="-127"/>
-                <a:cs typeface="Ubuntu"/>
-                <a:sym typeface="Ubuntu"/>
-              </a:rPr>
-              <a:t>, </a:t>
-            </a:r>
-            <a:r>
-              <a:rPr lang="ko-KR" altLang="en-US" sz="1600" dirty="0">
-                <a:solidFill>
-                  <a:schemeClr val="dk1"/>
-                </a:solidFill>
-                <a:latin typeface="나눔스퀘어라운드 Regular" panose="020B0600000101010101" pitchFamily="50" charset="-127"/>
-                <a:ea typeface="나눔스퀘어라운드 Regular" panose="020B0600000101010101" pitchFamily="50" charset="-127"/>
-                <a:cs typeface="Ubuntu"/>
-                <a:sym typeface="Ubuntu"/>
-              </a:rPr>
-              <a:t>모은 돈으로 시골 작은 땅을 매입하였다</a:t>
-            </a:r>
-            <a:r>
-              <a:rPr lang="en-US" altLang="ko-KR" sz="1600" dirty="0">
-                <a:solidFill>
-                  <a:schemeClr val="dk1"/>
-                </a:solidFill>
-                <a:latin typeface="나눔스퀘어라운드 Regular" panose="020B0600000101010101" pitchFamily="50" charset="-127"/>
-                <a:ea typeface="나눔스퀘어라운드 Regular" panose="020B0600000101010101" pitchFamily="50" charset="-127"/>
-                <a:cs typeface="Ubuntu"/>
-                <a:sym typeface="Ubuntu"/>
-              </a:rPr>
-              <a:t>,</a:t>
-            </a:r>
-          </a:p>
-          <a:p>
-            <a:pPr>
-              <a:lnSpc>
-                <a:spcPct val="200000"/>
-              </a:lnSpc>
-            </a:pPr>
-            <a:r>
-              <a:rPr lang="ko-KR" altLang="en-US" sz="1600" dirty="0">
-                <a:solidFill>
-                  <a:schemeClr val="dk1"/>
-                </a:solidFill>
-                <a:latin typeface="나눔스퀘어라운드 Regular" panose="020B0600000101010101" pitchFamily="50" charset="-127"/>
-                <a:ea typeface="나눔스퀘어라운드 Regular" panose="020B0600000101010101" pitchFamily="50" charset="-127"/>
-                <a:cs typeface="Ubuntu"/>
-                <a:sym typeface="Ubuntu"/>
-              </a:rPr>
-              <a:t>간단한 이사 준비를 마친 흰둥이는 도시를 떠났고</a:t>
-            </a:r>
-            <a:r>
-              <a:rPr lang="en-US" altLang="ko-KR" sz="1600" dirty="0">
-                <a:solidFill>
-                  <a:schemeClr val="dk1"/>
-                </a:solidFill>
-                <a:latin typeface="나눔스퀘어라운드 Regular" panose="020B0600000101010101" pitchFamily="50" charset="-127"/>
-                <a:ea typeface="나눔스퀘어라운드 Regular" panose="020B0600000101010101" pitchFamily="50" charset="-127"/>
-                <a:cs typeface="Ubuntu"/>
-                <a:sym typeface="Ubuntu"/>
-              </a:rPr>
-              <a:t>, </a:t>
-            </a:r>
-            <a:r>
-              <a:rPr lang="ko-KR" altLang="en-US" sz="1600" dirty="0">
-                <a:solidFill>
-                  <a:schemeClr val="dk1"/>
-                </a:solidFill>
-                <a:latin typeface="나눔스퀘어라운드 Regular" panose="020B0600000101010101" pitchFamily="50" charset="-127"/>
-                <a:ea typeface="나눔스퀘어라운드 Regular" panose="020B0600000101010101" pitchFamily="50" charset="-127"/>
-                <a:cs typeface="Ubuntu"/>
-                <a:sym typeface="Ubuntu"/>
-              </a:rPr>
-              <a:t>이렇게 흰둥이의 새로운 생활이 시작되었다</a:t>
-            </a:r>
-            <a:r>
-              <a:rPr lang="en-US" altLang="ko-KR" sz="1600" dirty="0">
+              <a:rPr lang="en-US" altLang="ko-KR" sz="1400" dirty="0">
                 <a:solidFill>
                   <a:schemeClr val="dk1"/>
                 </a:solidFill>
@@ -6868,7 +6737,216 @@
               </a:rPr>
               <a:t>.</a:t>
             </a:r>
-            <a:endParaRPr lang="en-US" altLang="ko-KR" sz="1600" dirty="0" smtClean="0">
+          </a:p>
+        </p:txBody>
+      </p:sp>
+      <p:pic>
+        <p:nvPicPr>
+          <p:cNvPr id="2" name="그림 1">
+            <a:extLst>
+              <a:ext uri="{FF2B5EF4-FFF2-40B4-BE49-F238E27FC236}">
+                <a16:creationId xmlns:a16="http://schemas.microsoft.com/office/drawing/2014/main" id="{810D90A1-A949-4E56-AD24-299A3D43ADC6}"/>
+              </a:ext>
+            </a:extLst>
+          </p:cNvPr>
+          <p:cNvPicPr>
+            <a:picLocks noChangeAspect="1"/>
+          </p:cNvPicPr>
+          <p:nvPr/>
+        </p:nvPicPr>
+        <p:blipFill>
+          <a:blip r:embed="rId3"/>
+          <a:stretch>
+            <a:fillRect/>
+          </a:stretch>
+        </p:blipFill>
+        <p:spPr>
+          <a:xfrm>
+            <a:off x="635303" y="1441944"/>
+            <a:ext cx="1461807" cy="3023381"/>
+          </a:xfrm>
+          <a:prstGeom prst="rect">
+            <a:avLst/>
+          </a:prstGeom>
+        </p:spPr>
+      </p:pic>
+      <p:pic>
+        <p:nvPicPr>
+          <p:cNvPr id="6" name="그림 5" descr="녹색, 모니터, 화면, 시계이(가) 표시된 사진&#10;&#10;자동 생성된 설명">
+            <a:extLst>
+              <a:ext uri="{FF2B5EF4-FFF2-40B4-BE49-F238E27FC236}">
+                <a16:creationId xmlns:a16="http://schemas.microsoft.com/office/drawing/2014/main" id="{7028805F-8A10-4778-A2AD-CC0DB97B6070}"/>
+              </a:ext>
+            </a:extLst>
+          </p:cNvPr>
+          <p:cNvPicPr>
+            <a:picLocks noChangeAspect="1"/>
+          </p:cNvPicPr>
+          <p:nvPr/>
+        </p:nvPicPr>
+        <p:blipFill>
+          <a:blip r:embed="rId4"/>
+          <a:stretch>
+            <a:fillRect/>
+          </a:stretch>
+        </p:blipFill>
+        <p:spPr>
+          <a:xfrm>
+            <a:off x="5951520" y="2117278"/>
+            <a:ext cx="819150" cy="762000"/>
+          </a:xfrm>
+          <a:prstGeom prst="rect">
+            <a:avLst/>
+          </a:prstGeom>
+        </p:spPr>
+      </p:pic>
+      <p:pic>
+        <p:nvPicPr>
+          <p:cNvPr id="8" name="그림 7" descr="개체, 시계, 녹색이(가) 표시된 사진&#10;&#10;자동 생성된 설명">
+            <a:extLst>
+              <a:ext uri="{FF2B5EF4-FFF2-40B4-BE49-F238E27FC236}">
+                <a16:creationId xmlns:a16="http://schemas.microsoft.com/office/drawing/2014/main" id="{0BA3EB53-5017-444F-A6F0-6608B4CAC11C}"/>
+              </a:ext>
+            </a:extLst>
+          </p:cNvPr>
+          <p:cNvPicPr>
+            <a:picLocks noChangeAspect="1"/>
+          </p:cNvPicPr>
+          <p:nvPr/>
+        </p:nvPicPr>
+        <p:blipFill>
+          <a:blip r:embed="rId5"/>
+          <a:stretch>
+            <a:fillRect/>
+          </a:stretch>
+        </p:blipFill>
+        <p:spPr>
+          <a:xfrm>
+            <a:off x="6923143" y="2117278"/>
+            <a:ext cx="819150" cy="762000"/>
+          </a:xfrm>
+          <a:prstGeom prst="rect">
+            <a:avLst/>
+          </a:prstGeom>
+        </p:spPr>
+      </p:pic>
+      <p:sp>
+        <p:nvSpPr>
+          <p:cNvPr id="9" name="직사각형 8">
+            <a:extLst>
+              <a:ext uri="{FF2B5EF4-FFF2-40B4-BE49-F238E27FC236}">
+                <a16:creationId xmlns:a16="http://schemas.microsoft.com/office/drawing/2014/main" id="{CB275789-AC9C-4AC3-B9BF-A5D0C8AD107F}"/>
+              </a:ext>
+            </a:extLst>
+          </p:cNvPr>
+          <p:cNvSpPr/>
+          <p:nvPr/>
+        </p:nvSpPr>
+        <p:spPr>
+          <a:xfrm>
+            <a:off x="2122559" y="2021404"/>
+            <a:ext cx="1514901" cy="1038554"/>
+          </a:xfrm>
+          <a:prstGeom prst="rect">
+            <a:avLst/>
+          </a:prstGeom>
+        </p:spPr>
+        <p:txBody>
+          <a:bodyPr wrap="square">
+            <a:spAutoFit/>
+          </a:bodyPr>
+          <a:lstStyle/>
+          <a:p>
+            <a:pPr>
+              <a:lnSpc>
+                <a:spcPct val="150000"/>
+              </a:lnSpc>
+            </a:pPr>
+            <a:r>
+              <a:rPr lang="ko-KR" altLang="en-US" sz="1050" dirty="0">
+                <a:solidFill>
+                  <a:schemeClr val="dk1"/>
+                </a:solidFill>
+                <a:latin typeface="나눔스퀘어라운드 Regular" panose="020B0600000101010101" pitchFamily="50" charset="-127"/>
+                <a:ea typeface="나눔스퀘어라운드 Regular" panose="020B0600000101010101" pitchFamily="50" charset="-127"/>
+                <a:cs typeface="Ubuntu"/>
+                <a:sym typeface="Ubuntu"/>
+              </a:rPr>
+              <a:t>←아이템 데이터</a:t>
+            </a:r>
+            <a:endParaRPr lang="en-US" altLang="ko-KR" sz="1050" dirty="0">
+              <a:solidFill>
+                <a:schemeClr val="dk1"/>
+              </a:solidFill>
+              <a:latin typeface="나눔스퀘어라운드 Regular" panose="020B0600000101010101" pitchFamily="50" charset="-127"/>
+              <a:ea typeface="나눔스퀘어라운드 Regular" panose="020B0600000101010101" pitchFamily="50" charset="-127"/>
+              <a:cs typeface="Ubuntu"/>
+              <a:sym typeface="Ubuntu"/>
+            </a:endParaRPr>
+          </a:p>
+          <a:p>
+            <a:pPr>
+              <a:lnSpc>
+                <a:spcPct val="150000"/>
+              </a:lnSpc>
+            </a:pPr>
+            <a:endParaRPr lang="en-US" altLang="ko-KR" sz="1050" dirty="0">
+              <a:solidFill>
+                <a:schemeClr val="dk1"/>
+              </a:solidFill>
+              <a:latin typeface="나눔스퀘어라운드 Regular" panose="020B0600000101010101" pitchFamily="50" charset="-127"/>
+              <a:ea typeface="나눔스퀘어라운드 Regular" panose="020B0600000101010101" pitchFamily="50" charset="-127"/>
+              <a:cs typeface="Ubuntu"/>
+              <a:sym typeface="Ubuntu"/>
+            </a:endParaRPr>
+          </a:p>
+          <a:p>
+            <a:pPr>
+              <a:lnSpc>
+                <a:spcPct val="150000"/>
+              </a:lnSpc>
+            </a:pPr>
+            <a:r>
+              <a:rPr lang="ko-KR" altLang="en-US" sz="1050" dirty="0">
+                <a:solidFill>
+                  <a:schemeClr val="dk1"/>
+                </a:solidFill>
+                <a:latin typeface="나눔스퀘어라운드 Regular" panose="020B0600000101010101" pitchFamily="50" charset="-127"/>
+                <a:ea typeface="나눔스퀘어라운드 Regular" panose="020B0600000101010101" pitchFamily="50" charset="-127"/>
+                <a:cs typeface="Ubuntu"/>
+                <a:sym typeface="Ubuntu"/>
+              </a:rPr>
+              <a:t>       아이템 </a:t>
+            </a:r>
+            <a:endParaRPr lang="en-US" altLang="ko-KR" sz="1050" dirty="0">
+              <a:solidFill>
+                <a:schemeClr val="dk1"/>
+              </a:solidFill>
+              <a:latin typeface="나눔스퀘어라운드 Regular" panose="020B0600000101010101" pitchFamily="50" charset="-127"/>
+              <a:ea typeface="나눔스퀘어라운드 Regular" panose="020B0600000101010101" pitchFamily="50" charset="-127"/>
+              <a:cs typeface="Ubuntu"/>
+              <a:sym typeface="Ubuntu"/>
+            </a:endParaRPr>
+          </a:p>
+          <a:p>
+            <a:pPr>
+              <a:lnSpc>
+                <a:spcPct val="150000"/>
+              </a:lnSpc>
+            </a:pPr>
+            <a:r>
+              <a:rPr lang="ko-KR" altLang="en-US" sz="1050" dirty="0">
+                <a:solidFill>
+                  <a:schemeClr val="dk1"/>
+                </a:solidFill>
+                <a:latin typeface="나눔스퀘어라운드 Regular" panose="020B0600000101010101" pitchFamily="50" charset="-127"/>
+                <a:ea typeface="나눔스퀘어라운드 Regular" panose="020B0600000101010101" pitchFamily="50" charset="-127"/>
+                <a:cs typeface="Ubuntu"/>
+                <a:sym typeface="Ubuntu"/>
+              </a:rPr>
+              <a:t>      기능 관리→</a:t>
+            </a:r>
+            <a:endParaRPr lang="en-US" altLang="ko-KR" sz="1050" dirty="0">
               <a:solidFill>
                 <a:schemeClr val="dk1"/>
               </a:solidFill>
@@ -6880,6 +6958,91 @@
           </a:p>
         </p:txBody>
       </p:sp>
+      <p:sp>
+        <p:nvSpPr>
+          <p:cNvPr id="11" name="직사각형 10">
+            <a:extLst>
+              <a:ext uri="{FF2B5EF4-FFF2-40B4-BE49-F238E27FC236}">
+                <a16:creationId xmlns:a16="http://schemas.microsoft.com/office/drawing/2014/main" id="{059A716A-4082-4AF0-B565-C054214BAA1E}"/>
+              </a:ext>
+            </a:extLst>
+          </p:cNvPr>
+          <p:cNvSpPr/>
+          <p:nvPr/>
+        </p:nvSpPr>
+        <p:spPr>
+          <a:xfrm>
+            <a:off x="6165693" y="1612095"/>
+            <a:ext cx="1514901" cy="333617"/>
+          </a:xfrm>
+          <a:prstGeom prst="rect">
+            <a:avLst/>
+          </a:prstGeom>
+        </p:spPr>
+        <p:txBody>
+          <a:bodyPr wrap="square">
+            <a:spAutoFit/>
+          </a:bodyPr>
+          <a:lstStyle/>
+          <a:p>
+            <a:pPr>
+              <a:lnSpc>
+                <a:spcPct val="150000"/>
+              </a:lnSpc>
+            </a:pPr>
+            <a:r>
+              <a:rPr lang="ko-KR" altLang="en-US" sz="1200">
+                <a:solidFill>
+                  <a:schemeClr val="dk1"/>
+                </a:solidFill>
+                <a:latin typeface="나눔스퀘어라운드 Regular" panose="020B0600000101010101" pitchFamily="50" charset="-127"/>
+                <a:ea typeface="나눔스퀘어라운드 Regular" panose="020B0600000101010101" pitchFamily="50" charset="-127"/>
+                <a:cs typeface="Ubuntu"/>
+                <a:sym typeface="Ubuntu"/>
+              </a:rPr>
+              <a:t>아이템 기능 예시</a:t>
+            </a:r>
+            <a:endParaRPr lang="en-US" altLang="ko-KR" sz="1200" dirty="0">
+              <a:solidFill>
+                <a:schemeClr val="dk1"/>
+              </a:solidFill>
+              <a:latin typeface="나눔스퀘어라운드 Regular" panose="020B0600000101010101" pitchFamily="50" charset="-127"/>
+              <a:ea typeface="나눔스퀘어라운드 Regular" panose="020B0600000101010101" pitchFamily="50" charset="-127"/>
+              <a:cs typeface="Ubuntu"/>
+              <a:sym typeface="Ubuntu"/>
+            </a:endParaRPr>
+          </a:p>
+        </p:txBody>
+      </p:sp>
+      <p:pic>
+        <p:nvPicPr>
+          <p:cNvPr id="5" name="그림 4">
+            <a:extLst>
+              <a:ext uri="{FF2B5EF4-FFF2-40B4-BE49-F238E27FC236}">
+                <a16:creationId xmlns:a16="http://schemas.microsoft.com/office/drawing/2014/main" id="{7DB35F3D-F713-5D4C-B24E-B7301A1E2646}"/>
+              </a:ext>
+            </a:extLst>
+          </p:cNvPr>
+          <p:cNvPicPr>
+            <a:picLocks noChangeAspect="1"/>
+          </p:cNvPicPr>
+          <p:nvPr/>
+        </p:nvPicPr>
+        <p:blipFill rotWithShape="1">
+          <a:blip r:embed="rId6"/>
+          <a:srcRect l="7111" t="3405" r="8715" b="7400"/>
+          <a:stretch/>
+        </p:blipFill>
+        <p:spPr>
+          <a:xfrm>
+            <a:off x="3195961" y="1441944"/>
+            <a:ext cx="1704514" cy="3023381"/>
+          </a:xfrm>
+          <a:prstGeom prst="rect">
+            <a:avLst/>
+          </a:prstGeom>
+        </p:spPr>
+      </p:pic>
     </p:spTree>
     <p:extLst>
       <p:ext uri="{BB962C8B-B14F-4D97-AF65-F5344CB8AC3E}">
@@ -6890,13 +7053,6 @@
   <p:clrMapOvr>
     <a:masterClrMapping/>
   </p:clrMapOvr>
-  <p:timing>
-    <p:tnLst>
-      <p:par>
-        <p:cTn id="1" dur="indefinite" restart="never" nodeType="tmRoot"/>
-      </p:par>
-    </p:tnLst>
-  </p:timing>
 </p:sld>
 </file>
 
@@ -6942,13 +7098,1106 @@
           </a:bodyPr>
           <a:lstStyle/>
           <a:p>
-            <a:pPr marL="0" lvl="0" indent="0">
-              <a:buSzPts val="1800"/>
-              <a:buFont typeface="Arial"/>
-              <a:buNone/>
+            <a:pPr>
+              <a:buSzPts val="1800"/>
             </a:pPr>
             <a:r>
-              <a:rPr lang="ko-KR" altLang="en-US" sz="2400" dirty="0" smtClean="0">
+              <a:rPr lang="ko-KR" altLang="en-US" sz="2400" dirty="0">
+                <a:latin typeface="나눔스퀘어라운드 ExtraBold" panose="020B0600000101010101" pitchFamily="50" charset="-127"/>
+                <a:ea typeface="나눔스퀘어라운드 ExtraBold" panose="020B0600000101010101" pitchFamily="50" charset="-127"/>
+                <a:sym typeface="Arial"/>
+              </a:rPr>
+              <a:t>개발 내용 </a:t>
+            </a:r>
+            <a:r>
+              <a:rPr lang="en-US" altLang="ko-KR" sz="2400" dirty="0">
+                <a:latin typeface="나눔스퀘어라운드 ExtraBold" panose="020B0600000101010101" pitchFamily="50" charset="-127"/>
+                <a:ea typeface="나눔스퀘어라운드 ExtraBold" panose="020B0600000101010101" pitchFamily="50" charset="-127"/>
+                <a:sym typeface="Arial"/>
+              </a:rPr>
+              <a:t>–</a:t>
+            </a:r>
+            <a:r>
+              <a:rPr lang="en-US" altLang="ko-KR" sz="1800" dirty="0">
+                <a:latin typeface="나눔스퀘어라운드 ExtraBold" panose="020B0600000101010101" pitchFamily="50" charset="-127"/>
+                <a:ea typeface="나눔스퀘어라운드 ExtraBold" panose="020B0600000101010101" pitchFamily="50" charset="-127"/>
+                <a:sym typeface="Arial"/>
+              </a:rPr>
+              <a:t> UI</a:t>
+            </a:r>
+            <a:endParaRPr sz="1800" dirty="0">
+              <a:latin typeface="나눔스퀘어라운드 ExtraBold" panose="020B0600000101010101" pitchFamily="50" charset="-127"/>
+              <a:ea typeface="나눔스퀘어라운드 ExtraBold" panose="020B0600000101010101" pitchFamily="50" charset="-127"/>
+              <a:sym typeface="Arial"/>
+            </a:endParaRPr>
+          </a:p>
+        </p:txBody>
+      </p:sp>
+      <p:sp>
+        <p:nvSpPr>
+          <p:cNvPr id="4" name="Google Shape;17;p3"/>
+          <p:cNvSpPr txBox="1">
+            <a:spLocks/>
+          </p:cNvSpPr>
+          <p:nvPr/>
+        </p:nvSpPr>
+        <p:spPr>
+          <a:xfrm>
+            <a:off x="408372" y="3712191"/>
+            <a:ext cx="8309499" cy="1005617"/>
+          </a:xfrm>
+          <a:prstGeom prst="rect">
+            <a:avLst/>
+          </a:prstGeom>
+        </p:spPr>
+        <p:txBody>
+          <a:bodyPr spcFirstLastPara="1" wrap="square" lIns="91425" tIns="91425" rIns="91425" bIns="91425" anchor="ctr" anchorCtr="0">
+            <a:noAutofit/>
+          </a:bodyPr>
+          <a:lstStyle>
+            <a:defPPr marR="0" lvl="0" algn="l" rtl="0">
+              <a:lnSpc>
+                <a:spcPct val="100000"/>
+              </a:lnSpc>
+              <a:spcBef>
+                <a:spcPts val="0"/>
+              </a:spcBef>
+              <a:spcAft>
+                <a:spcPts val="0"/>
+              </a:spcAft>
+            </a:defPPr>
+            <a:lvl1pPr marR="0" lvl="0" algn="l" rtl="0">
+              <a:lnSpc>
+                <a:spcPct val="100000"/>
+              </a:lnSpc>
+              <a:spcBef>
+                <a:spcPts val="0"/>
+              </a:spcBef>
+              <a:spcAft>
+                <a:spcPts val="0"/>
+              </a:spcAft>
+              <a:buClr>
+                <a:srgbClr val="000000"/>
+              </a:buClr>
+              <a:buSzPts val="1800"/>
+              <a:buFont typeface="Arial"/>
+              <a:buNone/>
+              <a:defRPr sz="1800" b="0" i="0" u="none" strike="noStrike" cap="none">
+                <a:solidFill>
+                  <a:srgbClr val="000000"/>
+                </a:solidFill>
+                <a:latin typeface="나눔스퀘어라운드 Bold" panose="020B0600000101010101" pitchFamily="50" charset="-127"/>
+                <a:ea typeface="나눔스퀘어라운드 Bold" panose="020B0600000101010101" pitchFamily="50" charset="-127"/>
+                <a:cs typeface="Arial"/>
+                <a:sym typeface="Arial"/>
+              </a:defRPr>
+            </a:lvl1pPr>
+            <a:lvl2pPr marR="0" lvl="1" algn="l" rtl="0">
+              <a:lnSpc>
+                <a:spcPct val="100000"/>
+              </a:lnSpc>
+              <a:spcBef>
+                <a:spcPts val="0"/>
+              </a:spcBef>
+              <a:spcAft>
+                <a:spcPts val="0"/>
+              </a:spcAft>
+              <a:buClr>
+                <a:schemeClr val="lt1"/>
+              </a:buClr>
+              <a:buSzPts val="1800"/>
+              <a:buFont typeface="Arial"/>
+              <a:buNone/>
+              <a:defRPr sz="1800" b="0" i="0" u="none" strike="noStrike" cap="none">
+                <a:solidFill>
+                  <a:schemeClr val="lt1"/>
+                </a:solidFill>
+                <a:latin typeface="Arial"/>
+                <a:ea typeface="Arial"/>
+                <a:cs typeface="Arial"/>
+                <a:sym typeface="Arial"/>
+              </a:defRPr>
+            </a:lvl2pPr>
+            <a:lvl3pPr marR="0" lvl="2" algn="l" rtl="0">
+              <a:lnSpc>
+                <a:spcPct val="100000"/>
+              </a:lnSpc>
+              <a:spcBef>
+                <a:spcPts val="0"/>
+              </a:spcBef>
+              <a:spcAft>
+                <a:spcPts val="0"/>
+              </a:spcAft>
+              <a:buClr>
+                <a:schemeClr val="lt1"/>
+              </a:buClr>
+              <a:buSzPts val="1800"/>
+              <a:buFont typeface="Arial"/>
+              <a:buNone/>
+              <a:defRPr sz="1800" b="0" i="0" u="none" strike="noStrike" cap="none">
+                <a:solidFill>
+                  <a:schemeClr val="lt1"/>
+                </a:solidFill>
+                <a:latin typeface="Arial"/>
+                <a:ea typeface="Arial"/>
+                <a:cs typeface="Arial"/>
+                <a:sym typeface="Arial"/>
+              </a:defRPr>
+            </a:lvl3pPr>
+            <a:lvl4pPr marR="0" lvl="3" algn="l" rtl="0">
+              <a:lnSpc>
+                <a:spcPct val="100000"/>
+              </a:lnSpc>
+              <a:spcBef>
+                <a:spcPts val="0"/>
+              </a:spcBef>
+              <a:spcAft>
+                <a:spcPts val="0"/>
+              </a:spcAft>
+              <a:buClr>
+                <a:schemeClr val="lt1"/>
+              </a:buClr>
+              <a:buSzPts val="1800"/>
+              <a:buFont typeface="Arial"/>
+              <a:buNone/>
+              <a:defRPr sz="1800" b="0" i="0" u="none" strike="noStrike" cap="none">
+                <a:solidFill>
+                  <a:schemeClr val="lt1"/>
+                </a:solidFill>
+                <a:latin typeface="Arial"/>
+                <a:ea typeface="Arial"/>
+                <a:cs typeface="Arial"/>
+                <a:sym typeface="Arial"/>
+              </a:defRPr>
+            </a:lvl4pPr>
+            <a:lvl5pPr marR="0" lvl="4" algn="l" rtl="0">
+              <a:lnSpc>
+                <a:spcPct val="100000"/>
+              </a:lnSpc>
+              <a:spcBef>
+                <a:spcPts val="0"/>
+              </a:spcBef>
+              <a:spcAft>
+                <a:spcPts val="0"/>
+              </a:spcAft>
+              <a:buClr>
+                <a:schemeClr val="lt1"/>
+              </a:buClr>
+              <a:buSzPts val="1800"/>
+              <a:buFont typeface="Arial"/>
+              <a:buNone/>
+              <a:defRPr sz="1800" b="0" i="0" u="none" strike="noStrike" cap="none">
+                <a:solidFill>
+                  <a:schemeClr val="lt1"/>
+                </a:solidFill>
+                <a:latin typeface="Arial"/>
+                <a:ea typeface="Arial"/>
+                <a:cs typeface="Arial"/>
+                <a:sym typeface="Arial"/>
+              </a:defRPr>
+            </a:lvl5pPr>
+            <a:lvl6pPr marR="0" lvl="5" algn="l" rtl="0">
+              <a:lnSpc>
+                <a:spcPct val="100000"/>
+              </a:lnSpc>
+              <a:spcBef>
+                <a:spcPts val="0"/>
+              </a:spcBef>
+              <a:spcAft>
+                <a:spcPts val="0"/>
+              </a:spcAft>
+              <a:buClr>
+                <a:schemeClr val="lt1"/>
+              </a:buClr>
+              <a:buSzPts val="1800"/>
+              <a:buFont typeface="Arial"/>
+              <a:buNone/>
+              <a:defRPr sz="1800" b="0" i="0" u="none" strike="noStrike" cap="none">
+                <a:solidFill>
+                  <a:schemeClr val="lt1"/>
+                </a:solidFill>
+                <a:latin typeface="Arial"/>
+                <a:ea typeface="Arial"/>
+                <a:cs typeface="Arial"/>
+                <a:sym typeface="Arial"/>
+              </a:defRPr>
+            </a:lvl6pPr>
+            <a:lvl7pPr marR="0" lvl="6" algn="l" rtl="0">
+              <a:lnSpc>
+                <a:spcPct val="100000"/>
+              </a:lnSpc>
+              <a:spcBef>
+                <a:spcPts val="0"/>
+              </a:spcBef>
+              <a:spcAft>
+                <a:spcPts val="0"/>
+              </a:spcAft>
+              <a:buClr>
+                <a:schemeClr val="lt1"/>
+              </a:buClr>
+              <a:buSzPts val="1800"/>
+              <a:buFont typeface="Arial"/>
+              <a:buNone/>
+              <a:defRPr sz="1800" b="0" i="0" u="none" strike="noStrike" cap="none">
+                <a:solidFill>
+                  <a:schemeClr val="lt1"/>
+                </a:solidFill>
+                <a:latin typeface="Arial"/>
+                <a:ea typeface="Arial"/>
+                <a:cs typeface="Arial"/>
+                <a:sym typeface="Arial"/>
+              </a:defRPr>
+            </a:lvl7pPr>
+            <a:lvl8pPr marR="0" lvl="7" algn="l" rtl="0">
+              <a:lnSpc>
+                <a:spcPct val="100000"/>
+              </a:lnSpc>
+              <a:spcBef>
+                <a:spcPts val="0"/>
+              </a:spcBef>
+              <a:spcAft>
+                <a:spcPts val="0"/>
+              </a:spcAft>
+              <a:buClr>
+                <a:schemeClr val="lt1"/>
+              </a:buClr>
+              <a:buSzPts val="1800"/>
+              <a:buFont typeface="Arial"/>
+              <a:buNone/>
+              <a:defRPr sz="1800" b="0" i="0" u="none" strike="noStrike" cap="none">
+                <a:solidFill>
+                  <a:schemeClr val="lt1"/>
+                </a:solidFill>
+                <a:latin typeface="Arial"/>
+                <a:ea typeface="Arial"/>
+                <a:cs typeface="Arial"/>
+                <a:sym typeface="Arial"/>
+              </a:defRPr>
+            </a:lvl8pPr>
+            <a:lvl9pPr marR="0" lvl="8" algn="l" rtl="0">
+              <a:lnSpc>
+                <a:spcPct val="100000"/>
+              </a:lnSpc>
+              <a:spcBef>
+                <a:spcPts val="0"/>
+              </a:spcBef>
+              <a:spcAft>
+                <a:spcPts val="0"/>
+              </a:spcAft>
+              <a:buClr>
+                <a:schemeClr val="lt1"/>
+              </a:buClr>
+              <a:buSzPts val="1800"/>
+              <a:buFont typeface="Arial"/>
+              <a:buNone/>
+              <a:defRPr sz="1800" b="0" i="0" u="none" strike="noStrike" cap="none">
+                <a:solidFill>
+                  <a:schemeClr val="lt1"/>
+                </a:solidFill>
+                <a:latin typeface="Arial"/>
+                <a:ea typeface="Arial"/>
+                <a:cs typeface="Arial"/>
+                <a:sym typeface="Arial"/>
+              </a:defRPr>
+            </a:lvl9pPr>
+          </a:lstStyle>
+          <a:p>
+            <a:pPr algn="ctr">
+              <a:lnSpc>
+                <a:spcPct val="150000"/>
+              </a:lnSpc>
+            </a:pPr>
+            <a:r>
+              <a:rPr lang="ko-KR" altLang="en-US" sz="1400" dirty="0">
+                <a:solidFill>
+                  <a:schemeClr val="dk1"/>
+                </a:solidFill>
+                <a:latin typeface="나눔스퀘어라운드 Regular" panose="020B0600000101010101" pitchFamily="50" charset="-127"/>
+                <a:ea typeface="나눔스퀘어라운드 Regular" panose="020B0600000101010101" pitchFamily="50" charset="-127"/>
+                <a:cs typeface="Ubuntu"/>
+                <a:sym typeface="Ubuntu"/>
+              </a:rPr>
+              <a:t> </a:t>
+            </a:r>
+            <a:r>
+              <a:rPr lang="en-US" altLang="ko-KR" sz="1400" dirty="0">
+                <a:solidFill>
+                  <a:schemeClr val="dk1"/>
+                </a:solidFill>
+                <a:latin typeface="나눔스퀘어라운드 Regular" panose="020B0600000101010101" pitchFamily="50" charset="-127"/>
+                <a:ea typeface="나눔스퀘어라운드 Regular" panose="020B0600000101010101" pitchFamily="50" charset="-127"/>
+                <a:cs typeface="Ubuntu"/>
+                <a:sym typeface="Ubuntu"/>
+              </a:rPr>
+              <a:t>Unity</a:t>
+            </a:r>
+            <a:r>
+              <a:rPr lang="ko-KR" altLang="en-US" sz="1400" dirty="0">
+                <a:solidFill>
+                  <a:schemeClr val="dk1"/>
+                </a:solidFill>
+                <a:latin typeface="나눔스퀘어라운드 Regular" panose="020B0600000101010101" pitchFamily="50" charset="-127"/>
+                <a:ea typeface="나눔스퀘어라운드 Regular" panose="020B0600000101010101" pitchFamily="50" charset="-127"/>
+                <a:cs typeface="Ubuntu"/>
+                <a:sym typeface="Ubuntu"/>
+              </a:rPr>
+              <a:t>에서 제공하는 </a:t>
+            </a:r>
+            <a:r>
+              <a:rPr lang="en-US" altLang="ko-KR" sz="1400" dirty="0">
+                <a:solidFill>
+                  <a:schemeClr val="dk1"/>
+                </a:solidFill>
+                <a:latin typeface="나눔스퀘어라운드 Regular" panose="020B0600000101010101" pitchFamily="50" charset="-127"/>
+                <a:ea typeface="나눔스퀘어라운드 Regular" panose="020B0600000101010101" pitchFamily="50" charset="-127"/>
+                <a:cs typeface="Ubuntu"/>
+                <a:sym typeface="Ubuntu"/>
+              </a:rPr>
+              <a:t>UI </a:t>
+            </a:r>
+            <a:r>
+              <a:rPr lang="ko-KR" altLang="en-US" sz="1400" dirty="0">
+                <a:solidFill>
+                  <a:schemeClr val="dk1"/>
+                </a:solidFill>
+                <a:latin typeface="나눔스퀘어라운드 Regular" panose="020B0600000101010101" pitchFamily="50" charset="-127"/>
+                <a:ea typeface="나눔스퀘어라운드 Regular" panose="020B0600000101010101" pitchFamily="50" charset="-127"/>
+                <a:cs typeface="Ubuntu"/>
+                <a:sym typeface="Ubuntu"/>
+              </a:rPr>
+              <a:t>도구에 </a:t>
+            </a:r>
+            <a:r>
+              <a:rPr lang="en-US" altLang="ko-KR" sz="1400" dirty="0">
+                <a:solidFill>
+                  <a:schemeClr val="dk1"/>
+                </a:solidFill>
+                <a:latin typeface="나눔스퀘어라운드 Regular" panose="020B0600000101010101" pitchFamily="50" charset="-127"/>
+                <a:ea typeface="나눔스퀘어라운드 Regular" panose="020B0600000101010101" pitchFamily="50" charset="-127"/>
+                <a:cs typeface="Ubuntu"/>
+                <a:sym typeface="Ubuntu"/>
+              </a:rPr>
+              <a:t>C# </a:t>
+            </a:r>
+            <a:r>
+              <a:rPr lang="ko-KR" altLang="en-US" sz="1400" dirty="0">
+                <a:solidFill>
+                  <a:schemeClr val="dk1"/>
+                </a:solidFill>
+                <a:latin typeface="나눔스퀘어라운드 Regular" panose="020B0600000101010101" pitchFamily="50" charset="-127"/>
+                <a:ea typeface="나눔스퀘어라운드 Regular" panose="020B0600000101010101" pitchFamily="50" charset="-127"/>
+                <a:cs typeface="Ubuntu"/>
+                <a:sym typeface="Ubuntu"/>
+              </a:rPr>
+              <a:t>스크립트 컴포넌트를 추가 하여 상호작용 할 수 있도록 제작하였다</a:t>
+            </a:r>
+            <a:r>
+              <a:rPr lang="en-US" altLang="ko-KR" sz="1400" dirty="0">
+                <a:solidFill>
+                  <a:schemeClr val="dk1"/>
+                </a:solidFill>
+                <a:latin typeface="나눔스퀘어라운드 Regular" panose="020B0600000101010101" pitchFamily="50" charset="-127"/>
+                <a:ea typeface="나눔스퀘어라운드 Regular" panose="020B0600000101010101" pitchFamily="50" charset="-127"/>
+                <a:cs typeface="Ubuntu"/>
+                <a:sym typeface="Ubuntu"/>
+              </a:rPr>
+              <a:t>.</a:t>
+            </a:r>
+          </a:p>
+        </p:txBody>
+      </p:sp>
+      <p:pic>
+        <p:nvPicPr>
+          <p:cNvPr id="2" name="그림 1">
+            <a:extLst>
+              <a:ext uri="{FF2B5EF4-FFF2-40B4-BE49-F238E27FC236}">
+                <a16:creationId xmlns:a16="http://schemas.microsoft.com/office/drawing/2014/main" id="{0DA89C1E-9740-4444-8A39-3E91559C1371}"/>
+              </a:ext>
+            </a:extLst>
+          </p:cNvPr>
+          <p:cNvPicPr>
+            <a:picLocks noChangeAspect="1"/>
+          </p:cNvPicPr>
+          <p:nvPr/>
+        </p:nvPicPr>
+        <p:blipFill>
+          <a:blip r:embed="rId3"/>
+          <a:stretch>
+            <a:fillRect/>
+          </a:stretch>
+        </p:blipFill>
+        <p:spPr>
+          <a:xfrm>
+            <a:off x="1714272" y="1298917"/>
+            <a:ext cx="2183002" cy="1222663"/>
+          </a:xfrm>
+          <a:prstGeom prst="rect">
+            <a:avLst/>
+          </a:prstGeom>
+        </p:spPr>
+      </p:pic>
+      <p:pic>
+        <p:nvPicPr>
+          <p:cNvPr id="3" name="그림 2">
+            <a:extLst>
+              <a:ext uri="{FF2B5EF4-FFF2-40B4-BE49-F238E27FC236}">
+                <a16:creationId xmlns:a16="http://schemas.microsoft.com/office/drawing/2014/main" id="{8D2EF96C-958C-44D5-BB83-E6EA6182CDA1}"/>
+              </a:ext>
+            </a:extLst>
+          </p:cNvPr>
+          <p:cNvPicPr>
+            <a:picLocks noChangeAspect="1"/>
+          </p:cNvPicPr>
+          <p:nvPr/>
+        </p:nvPicPr>
+        <p:blipFill>
+          <a:blip r:embed="rId4"/>
+          <a:stretch>
+            <a:fillRect/>
+          </a:stretch>
+        </p:blipFill>
+        <p:spPr>
+          <a:xfrm>
+            <a:off x="1714273" y="2659505"/>
+            <a:ext cx="2183001" cy="1222663"/>
+          </a:xfrm>
+          <a:prstGeom prst="rect">
+            <a:avLst/>
+          </a:prstGeom>
+        </p:spPr>
+      </p:pic>
+      <p:pic>
+        <p:nvPicPr>
+          <p:cNvPr id="5" name="그림 4">
+            <a:extLst>
+              <a:ext uri="{FF2B5EF4-FFF2-40B4-BE49-F238E27FC236}">
+                <a16:creationId xmlns:a16="http://schemas.microsoft.com/office/drawing/2014/main" id="{6DB3EACB-1ECC-467F-B878-6A773476541C}"/>
+              </a:ext>
+            </a:extLst>
+          </p:cNvPr>
+          <p:cNvPicPr>
+            <a:picLocks noChangeAspect="1"/>
+          </p:cNvPicPr>
+          <p:nvPr/>
+        </p:nvPicPr>
+        <p:blipFill>
+          <a:blip r:embed="rId5"/>
+          <a:stretch>
+            <a:fillRect/>
+          </a:stretch>
+        </p:blipFill>
+        <p:spPr>
+          <a:xfrm>
+            <a:off x="5302796" y="1244326"/>
+            <a:ext cx="2183001" cy="1222663"/>
+          </a:xfrm>
+          <a:prstGeom prst="rect">
+            <a:avLst/>
+          </a:prstGeom>
+        </p:spPr>
+      </p:pic>
+      <p:pic>
+        <p:nvPicPr>
+          <p:cNvPr id="6" name="그림 5">
+            <a:extLst>
+              <a:ext uri="{FF2B5EF4-FFF2-40B4-BE49-F238E27FC236}">
+                <a16:creationId xmlns:a16="http://schemas.microsoft.com/office/drawing/2014/main" id="{57C826F2-9B29-4D5D-B4AE-C6265523FE38}"/>
+              </a:ext>
+            </a:extLst>
+          </p:cNvPr>
+          <p:cNvPicPr>
+            <a:picLocks noChangeAspect="1"/>
+          </p:cNvPicPr>
+          <p:nvPr/>
+        </p:nvPicPr>
+        <p:blipFill>
+          <a:blip r:embed="rId6"/>
+          <a:stretch>
+            <a:fillRect/>
+          </a:stretch>
+        </p:blipFill>
+        <p:spPr>
+          <a:xfrm>
+            <a:off x="5302796" y="2571750"/>
+            <a:ext cx="2183001" cy="1222663"/>
+          </a:xfrm>
+          <a:prstGeom prst="rect">
+            <a:avLst/>
+          </a:prstGeom>
+        </p:spPr>
+      </p:pic>
+      <p:sp>
+        <p:nvSpPr>
+          <p:cNvPr id="9" name="Google Shape;17;p3">
+            <a:extLst>
+              <a:ext uri="{FF2B5EF4-FFF2-40B4-BE49-F238E27FC236}">
+                <a16:creationId xmlns:a16="http://schemas.microsoft.com/office/drawing/2014/main" id="{2A4EA158-56BE-4C51-875B-437A09363388}"/>
+              </a:ext>
+            </a:extLst>
+          </p:cNvPr>
+          <p:cNvSpPr txBox="1">
+            <a:spLocks/>
+          </p:cNvSpPr>
+          <p:nvPr/>
+        </p:nvSpPr>
+        <p:spPr>
+          <a:xfrm>
+            <a:off x="3897274" y="2033143"/>
+            <a:ext cx="1554225" cy="1005617"/>
+          </a:xfrm>
+          <a:prstGeom prst="rect">
+            <a:avLst/>
+          </a:prstGeom>
+        </p:spPr>
+        <p:txBody>
+          <a:bodyPr spcFirstLastPara="1" wrap="square" lIns="91425" tIns="91425" rIns="91425" bIns="91425" anchor="ctr" anchorCtr="0">
+            <a:noAutofit/>
+          </a:bodyPr>
+          <a:lstStyle>
+            <a:defPPr marR="0" lvl="0" algn="l" rtl="0">
+              <a:lnSpc>
+                <a:spcPct val="100000"/>
+              </a:lnSpc>
+              <a:spcBef>
+                <a:spcPts val="0"/>
+              </a:spcBef>
+              <a:spcAft>
+                <a:spcPts val="0"/>
+              </a:spcAft>
+            </a:defPPr>
+            <a:lvl1pPr marR="0" lvl="0" algn="l" rtl="0">
+              <a:lnSpc>
+                <a:spcPct val="100000"/>
+              </a:lnSpc>
+              <a:spcBef>
+                <a:spcPts val="0"/>
+              </a:spcBef>
+              <a:spcAft>
+                <a:spcPts val="0"/>
+              </a:spcAft>
+              <a:buClr>
+                <a:srgbClr val="000000"/>
+              </a:buClr>
+              <a:buSzPts val="1800"/>
+              <a:buFont typeface="Arial"/>
+              <a:buNone/>
+              <a:defRPr sz="1800" b="0" i="0" u="none" strike="noStrike" cap="none">
+                <a:solidFill>
+                  <a:srgbClr val="000000"/>
+                </a:solidFill>
+                <a:latin typeface="나눔스퀘어라운드 Bold" panose="020B0600000101010101" pitchFamily="50" charset="-127"/>
+                <a:ea typeface="나눔스퀘어라운드 Bold" panose="020B0600000101010101" pitchFamily="50" charset="-127"/>
+                <a:cs typeface="Arial"/>
+                <a:sym typeface="Arial"/>
+              </a:defRPr>
+            </a:lvl1pPr>
+            <a:lvl2pPr marR="0" lvl="1" algn="l" rtl="0">
+              <a:lnSpc>
+                <a:spcPct val="100000"/>
+              </a:lnSpc>
+              <a:spcBef>
+                <a:spcPts val="0"/>
+              </a:spcBef>
+              <a:spcAft>
+                <a:spcPts val="0"/>
+              </a:spcAft>
+              <a:buClr>
+                <a:schemeClr val="lt1"/>
+              </a:buClr>
+              <a:buSzPts val="1800"/>
+              <a:buFont typeface="Arial"/>
+              <a:buNone/>
+              <a:defRPr sz="1800" b="0" i="0" u="none" strike="noStrike" cap="none">
+                <a:solidFill>
+                  <a:schemeClr val="lt1"/>
+                </a:solidFill>
+                <a:latin typeface="Arial"/>
+                <a:ea typeface="Arial"/>
+                <a:cs typeface="Arial"/>
+                <a:sym typeface="Arial"/>
+              </a:defRPr>
+            </a:lvl2pPr>
+            <a:lvl3pPr marR="0" lvl="2" algn="l" rtl="0">
+              <a:lnSpc>
+                <a:spcPct val="100000"/>
+              </a:lnSpc>
+              <a:spcBef>
+                <a:spcPts val="0"/>
+              </a:spcBef>
+              <a:spcAft>
+                <a:spcPts val="0"/>
+              </a:spcAft>
+              <a:buClr>
+                <a:schemeClr val="lt1"/>
+              </a:buClr>
+              <a:buSzPts val="1800"/>
+              <a:buFont typeface="Arial"/>
+              <a:buNone/>
+              <a:defRPr sz="1800" b="0" i="0" u="none" strike="noStrike" cap="none">
+                <a:solidFill>
+                  <a:schemeClr val="lt1"/>
+                </a:solidFill>
+                <a:latin typeface="Arial"/>
+                <a:ea typeface="Arial"/>
+                <a:cs typeface="Arial"/>
+                <a:sym typeface="Arial"/>
+              </a:defRPr>
+            </a:lvl3pPr>
+            <a:lvl4pPr marR="0" lvl="3" algn="l" rtl="0">
+              <a:lnSpc>
+                <a:spcPct val="100000"/>
+              </a:lnSpc>
+              <a:spcBef>
+                <a:spcPts val="0"/>
+              </a:spcBef>
+              <a:spcAft>
+                <a:spcPts val="0"/>
+              </a:spcAft>
+              <a:buClr>
+                <a:schemeClr val="lt1"/>
+              </a:buClr>
+              <a:buSzPts val="1800"/>
+              <a:buFont typeface="Arial"/>
+              <a:buNone/>
+              <a:defRPr sz="1800" b="0" i="0" u="none" strike="noStrike" cap="none">
+                <a:solidFill>
+                  <a:schemeClr val="lt1"/>
+                </a:solidFill>
+                <a:latin typeface="Arial"/>
+                <a:ea typeface="Arial"/>
+                <a:cs typeface="Arial"/>
+                <a:sym typeface="Arial"/>
+              </a:defRPr>
+            </a:lvl4pPr>
+            <a:lvl5pPr marR="0" lvl="4" algn="l" rtl="0">
+              <a:lnSpc>
+                <a:spcPct val="100000"/>
+              </a:lnSpc>
+              <a:spcBef>
+                <a:spcPts val="0"/>
+              </a:spcBef>
+              <a:spcAft>
+                <a:spcPts val="0"/>
+              </a:spcAft>
+              <a:buClr>
+                <a:schemeClr val="lt1"/>
+              </a:buClr>
+              <a:buSzPts val="1800"/>
+              <a:buFont typeface="Arial"/>
+              <a:buNone/>
+              <a:defRPr sz="1800" b="0" i="0" u="none" strike="noStrike" cap="none">
+                <a:solidFill>
+                  <a:schemeClr val="lt1"/>
+                </a:solidFill>
+                <a:latin typeface="Arial"/>
+                <a:ea typeface="Arial"/>
+                <a:cs typeface="Arial"/>
+                <a:sym typeface="Arial"/>
+              </a:defRPr>
+            </a:lvl5pPr>
+            <a:lvl6pPr marR="0" lvl="5" algn="l" rtl="0">
+              <a:lnSpc>
+                <a:spcPct val="100000"/>
+              </a:lnSpc>
+              <a:spcBef>
+                <a:spcPts val="0"/>
+              </a:spcBef>
+              <a:spcAft>
+                <a:spcPts val="0"/>
+              </a:spcAft>
+              <a:buClr>
+                <a:schemeClr val="lt1"/>
+              </a:buClr>
+              <a:buSzPts val="1800"/>
+              <a:buFont typeface="Arial"/>
+              <a:buNone/>
+              <a:defRPr sz="1800" b="0" i="0" u="none" strike="noStrike" cap="none">
+                <a:solidFill>
+                  <a:schemeClr val="lt1"/>
+                </a:solidFill>
+                <a:latin typeface="Arial"/>
+                <a:ea typeface="Arial"/>
+                <a:cs typeface="Arial"/>
+                <a:sym typeface="Arial"/>
+              </a:defRPr>
+            </a:lvl6pPr>
+            <a:lvl7pPr marR="0" lvl="6" algn="l" rtl="0">
+              <a:lnSpc>
+                <a:spcPct val="100000"/>
+              </a:lnSpc>
+              <a:spcBef>
+                <a:spcPts val="0"/>
+              </a:spcBef>
+              <a:spcAft>
+                <a:spcPts val="0"/>
+              </a:spcAft>
+              <a:buClr>
+                <a:schemeClr val="lt1"/>
+              </a:buClr>
+              <a:buSzPts val="1800"/>
+              <a:buFont typeface="Arial"/>
+              <a:buNone/>
+              <a:defRPr sz="1800" b="0" i="0" u="none" strike="noStrike" cap="none">
+                <a:solidFill>
+                  <a:schemeClr val="lt1"/>
+                </a:solidFill>
+                <a:latin typeface="Arial"/>
+                <a:ea typeface="Arial"/>
+                <a:cs typeface="Arial"/>
+                <a:sym typeface="Arial"/>
+              </a:defRPr>
+            </a:lvl7pPr>
+            <a:lvl8pPr marR="0" lvl="7" algn="l" rtl="0">
+              <a:lnSpc>
+                <a:spcPct val="100000"/>
+              </a:lnSpc>
+              <a:spcBef>
+                <a:spcPts val="0"/>
+              </a:spcBef>
+              <a:spcAft>
+                <a:spcPts val="0"/>
+              </a:spcAft>
+              <a:buClr>
+                <a:schemeClr val="lt1"/>
+              </a:buClr>
+              <a:buSzPts val="1800"/>
+              <a:buFont typeface="Arial"/>
+              <a:buNone/>
+              <a:defRPr sz="1800" b="0" i="0" u="none" strike="noStrike" cap="none">
+                <a:solidFill>
+                  <a:schemeClr val="lt1"/>
+                </a:solidFill>
+                <a:latin typeface="Arial"/>
+                <a:ea typeface="Arial"/>
+                <a:cs typeface="Arial"/>
+                <a:sym typeface="Arial"/>
+              </a:defRPr>
+            </a:lvl8pPr>
+            <a:lvl9pPr marR="0" lvl="8" algn="l" rtl="0">
+              <a:lnSpc>
+                <a:spcPct val="100000"/>
+              </a:lnSpc>
+              <a:spcBef>
+                <a:spcPts val="0"/>
+              </a:spcBef>
+              <a:spcAft>
+                <a:spcPts val="0"/>
+              </a:spcAft>
+              <a:buClr>
+                <a:schemeClr val="lt1"/>
+              </a:buClr>
+              <a:buSzPts val="1800"/>
+              <a:buFont typeface="Arial"/>
+              <a:buNone/>
+              <a:defRPr sz="1800" b="0" i="0" u="none" strike="noStrike" cap="none">
+                <a:solidFill>
+                  <a:schemeClr val="lt1"/>
+                </a:solidFill>
+                <a:latin typeface="Arial"/>
+                <a:ea typeface="Arial"/>
+                <a:cs typeface="Arial"/>
+                <a:sym typeface="Arial"/>
+              </a:defRPr>
+            </a:lvl9pPr>
+          </a:lstStyle>
+          <a:p>
+            <a:pPr>
+              <a:lnSpc>
+                <a:spcPct val="150000"/>
+              </a:lnSpc>
+            </a:pPr>
+            <a:r>
+              <a:rPr lang="ko-KR" altLang="en-US" sz="1200" dirty="0">
+                <a:solidFill>
+                  <a:schemeClr val="dk1"/>
+                </a:solidFill>
+                <a:latin typeface="나눔스퀘어라운드 Regular" panose="020B0600000101010101" pitchFamily="50" charset="-127"/>
+                <a:ea typeface="나눔스퀘어라운드 Regular" panose="020B0600000101010101" pitchFamily="50" charset="-127"/>
+                <a:cs typeface="Ubuntu"/>
+                <a:sym typeface="Ubuntu"/>
+              </a:rPr>
+              <a:t>←</a:t>
+            </a:r>
+            <a:r>
+              <a:rPr lang="en-US" altLang="ko-KR" sz="1200" dirty="0">
+                <a:solidFill>
+                  <a:schemeClr val="dk1"/>
+                </a:solidFill>
+                <a:latin typeface="나눔스퀘어라운드 Regular" panose="020B0600000101010101" pitchFamily="50" charset="-127"/>
+                <a:ea typeface="나눔스퀘어라운드 Regular" panose="020B0600000101010101" pitchFamily="50" charset="-127"/>
+                <a:cs typeface="Ubuntu"/>
+                <a:sym typeface="Ubuntu"/>
+              </a:rPr>
+              <a:t> </a:t>
+            </a:r>
+            <a:r>
+              <a:rPr lang="ko-KR" altLang="en-US" sz="1200" dirty="0">
+                <a:solidFill>
+                  <a:schemeClr val="dk1"/>
+                </a:solidFill>
+                <a:latin typeface="나눔스퀘어라운드 Regular" panose="020B0600000101010101" pitchFamily="50" charset="-127"/>
+                <a:ea typeface="나눔스퀘어라운드 Regular" panose="020B0600000101010101" pitchFamily="50" charset="-127"/>
+                <a:cs typeface="Ubuntu"/>
+                <a:sym typeface="Ubuntu"/>
+              </a:rPr>
+              <a:t>게임화면 </a:t>
+            </a:r>
+            <a:r>
+              <a:rPr lang="en-US" altLang="ko-KR" sz="1200" dirty="0">
+                <a:solidFill>
+                  <a:schemeClr val="dk1"/>
+                </a:solidFill>
+                <a:latin typeface="나눔스퀘어라운드 Regular" panose="020B0600000101010101" pitchFamily="50" charset="-127"/>
+                <a:ea typeface="나눔스퀘어라운드 Regular" panose="020B0600000101010101" pitchFamily="50" charset="-127"/>
+                <a:cs typeface="Ubuntu"/>
+                <a:sym typeface="Ubuntu"/>
+              </a:rPr>
+              <a:t>UI</a:t>
+            </a:r>
+          </a:p>
+          <a:p>
+            <a:pPr>
+              <a:lnSpc>
+                <a:spcPct val="150000"/>
+              </a:lnSpc>
+            </a:pPr>
+            <a:r>
+              <a:rPr lang="ko-KR" altLang="en-US" sz="1200" dirty="0">
+                <a:solidFill>
+                  <a:schemeClr val="dk1"/>
+                </a:solidFill>
+                <a:latin typeface="나눔스퀘어라운드 Regular" panose="020B0600000101010101" pitchFamily="50" charset="-127"/>
+                <a:ea typeface="나눔스퀘어라운드 Regular" panose="020B0600000101010101" pitchFamily="50" charset="-127"/>
+                <a:cs typeface="Ubuntu"/>
+                <a:sym typeface="Ubuntu"/>
+              </a:rPr>
+              <a:t>    제작화면 </a:t>
+            </a:r>
+            <a:r>
+              <a:rPr lang="en-US" altLang="ko-KR" sz="1200" dirty="0">
+                <a:solidFill>
+                  <a:schemeClr val="dk1"/>
+                </a:solidFill>
+                <a:latin typeface="나눔스퀘어라운드 Regular" panose="020B0600000101010101" pitchFamily="50" charset="-127"/>
+                <a:ea typeface="나눔스퀘어라운드 Regular" panose="020B0600000101010101" pitchFamily="50" charset="-127"/>
+                <a:cs typeface="Ubuntu"/>
+                <a:sym typeface="Ubuntu"/>
+              </a:rPr>
+              <a:t>UI </a:t>
+            </a:r>
+            <a:r>
+              <a:rPr lang="ko-KR" altLang="en-US" sz="1200" dirty="0">
+                <a:solidFill>
+                  <a:schemeClr val="dk1"/>
+                </a:solidFill>
+                <a:latin typeface="나눔스퀘어라운드 Regular" panose="020B0600000101010101" pitchFamily="50" charset="-127"/>
+                <a:ea typeface="나눔스퀘어라운드 Regular" panose="020B0600000101010101" pitchFamily="50" charset="-127"/>
+                <a:cs typeface="Ubuntu"/>
+                <a:sym typeface="Ubuntu"/>
+              </a:rPr>
+              <a:t>→</a:t>
+            </a:r>
+            <a:endParaRPr lang="en-US" altLang="ko-KR" sz="1200" dirty="0">
+              <a:solidFill>
+                <a:schemeClr val="dk1"/>
+              </a:solidFill>
+              <a:latin typeface="나눔스퀘어라운드 Regular" panose="020B0600000101010101" pitchFamily="50" charset="-127"/>
+              <a:ea typeface="나눔스퀘어라운드 Regular" panose="020B0600000101010101" pitchFamily="50" charset="-127"/>
+              <a:cs typeface="Ubuntu"/>
+              <a:sym typeface="Ubuntu"/>
+            </a:endParaRPr>
+          </a:p>
+          <a:p>
+            <a:pPr>
+              <a:lnSpc>
+                <a:spcPct val="150000"/>
+              </a:lnSpc>
+            </a:pPr>
+            <a:endParaRPr lang="en-US" altLang="ko-KR" sz="1200" dirty="0">
+              <a:solidFill>
+                <a:schemeClr val="dk1"/>
+              </a:solidFill>
+              <a:latin typeface="나눔스퀘어라운드 Regular" panose="020B0600000101010101" pitchFamily="50" charset="-127"/>
+              <a:ea typeface="나눔스퀘어라운드 Regular" panose="020B0600000101010101" pitchFamily="50" charset="-127"/>
+              <a:cs typeface="Ubuntu"/>
+              <a:sym typeface="Ubuntu"/>
+            </a:endParaRPr>
+          </a:p>
+          <a:p>
+            <a:pPr>
+              <a:lnSpc>
+                <a:spcPct val="150000"/>
+              </a:lnSpc>
+            </a:pPr>
+            <a:endParaRPr lang="en-US" altLang="ko-KR" sz="1200" dirty="0">
+              <a:solidFill>
+                <a:schemeClr val="dk1"/>
+              </a:solidFill>
+              <a:latin typeface="나눔스퀘어라운드 Regular" panose="020B0600000101010101" pitchFamily="50" charset="-127"/>
+              <a:ea typeface="나눔스퀘어라운드 Regular" panose="020B0600000101010101" pitchFamily="50" charset="-127"/>
+              <a:cs typeface="Ubuntu"/>
+              <a:sym typeface="Ubuntu"/>
+            </a:endParaRPr>
+          </a:p>
+          <a:p>
+            <a:pPr>
+              <a:lnSpc>
+                <a:spcPct val="150000"/>
+              </a:lnSpc>
+            </a:pPr>
+            <a:r>
+              <a:rPr lang="ko-KR" altLang="en-US" sz="1200" dirty="0">
+                <a:solidFill>
+                  <a:schemeClr val="dk1"/>
+                </a:solidFill>
+                <a:latin typeface="나눔스퀘어라운드 Regular" panose="020B0600000101010101" pitchFamily="50" charset="-127"/>
+                <a:ea typeface="나눔스퀘어라운드 Regular" panose="020B0600000101010101" pitchFamily="50" charset="-127"/>
+                <a:cs typeface="Ubuntu"/>
+                <a:sym typeface="Ubuntu"/>
+              </a:rPr>
+              <a:t>←</a:t>
+            </a:r>
+            <a:r>
+              <a:rPr lang="en-US" altLang="ko-KR" sz="1200" dirty="0">
+                <a:solidFill>
+                  <a:schemeClr val="dk1"/>
+                </a:solidFill>
+                <a:latin typeface="나눔스퀘어라운드 Regular" panose="020B0600000101010101" pitchFamily="50" charset="-127"/>
+                <a:ea typeface="나눔스퀘어라운드 Regular" panose="020B0600000101010101" pitchFamily="50" charset="-127"/>
+                <a:cs typeface="Ubuntu"/>
+                <a:sym typeface="Ubuntu"/>
+              </a:rPr>
+              <a:t> </a:t>
+            </a:r>
+            <a:r>
+              <a:rPr lang="ko-KR" altLang="en-US" sz="1200" dirty="0">
+                <a:solidFill>
+                  <a:schemeClr val="dk1"/>
+                </a:solidFill>
+                <a:latin typeface="나눔스퀘어라운드 Regular" panose="020B0600000101010101" pitchFamily="50" charset="-127"/>
+                <a:ea typeface="나눔스퀘어라운드 Regular" panose="020B0600000101010101" pitchFamily="50" charset="-127"/>
+                <a:cs typeface="Ubuntu"/>
+                <a:sym typeface="Ubuntu"/>
+              </a:rPr>
+              <a:t>인벤토리 </a:t>
+            </a:r>
+            <a:r>
+              <a:rPr lang="en-US" altLang="ko-KR" sz="1200" dirty="0">
+                <a:solidFill>
+                  <a:schemeClr val="dk1"/>
+                </a:solidFill>
+                <a:latin typeface="나눔스퀘어라운드 Regular" panose="020B0600000101010101" pitchFamily="50" charset="-127"/>
+                <a:ea typeface="나눔스퀘어라운드 Regular" panose="020B0600000101010101" pitchFamily="50" charset="-127"/>
+                <a:cs typeface="Ubuntu"/>
+                <a:sym typeface="Ubuntu"/>
+              </a:rPr>
+              <a:t>UI</a:t>
+            </a:r>
+          </a:p>
+          <a:p>
+            <a:pPr>
+              <a:lnSpc>
+                <a:spcPct val="150000"/>
+              </a:lnSpc>
+            </a:pPr>
+            <a:r>
+              <a:rPr lang="en-US" altLang="ko-KR" sz="1200" dirty="0">
+                <a:solidFill>
+                  <a:schemeClr val="dk1"/>
+                </a:solidFill>
+                <a:latin typeface="나눔스퀘어라운드 Regular" panose="020B0600000101010101" pitchFamily="50" charset="-127"/>
+                <a:ea typeface="나눔스퀘어라운드 Regular" panose="020B0600000101010101" pitchFamily="50" charset="-127"/>
+                <a:cs typeface="Ubuntu"/>
+                <a:sym typeface="Ubuntu"/>
+              </a:rPr>
+              <a:t>       Escape UI </a:t>
+            </a:r>
+            <a:r>
+              <a:rPr lang="ko-KR" altLang="en-US" sz="1200" dirty="0">
+                <a:solidFill>
+                  <a:schemeClr val="dk1"/>
+                </a:solidFill>
+                <a:latin typeface="나눔스퀘어라운드 Regular" panose="020B0600000101010101" pitchFamily="50" charset="-127"/>
+                <a:ea typeface="나눔스퀘어라운드 Regular" panose="020B0600000101010101" pitchFamily="50" charset="-127"/>
+                <a:cs typeface="Ubuntu"/>
+                <a:sym typeface="Ubuntu"/>
+              </a:rPr>
+              <a:t>→</a:t>
+            </a:r>
+            <a:endParaRPr lang="en-US" altLang="ko-KR" sz="1200" dirty="0">
+              <a:solidFill>
+                <a:schemeClr val="dk1"/>
+              </a:solidFill>
+              <a:latin typeface="나눔스퀘어라운드 Regular" panose="020B0600000101010101" pitchFamily="50" charset="-127"/>
+              <a:ea typeface="나눔스퀘어라운드 Regular" panose="020B0600000101010101" pitchFamily="50" charset="-127"/>
+              <a:cs typeface="Ubuntu"/>
+              <a:sym typeface="Ubuntu"/>
+            </a:endParaRPr>
+          </a:p>
+        </p:txBody>
+      </p:sp>
+    </p:spTree>
+    <p:extLst>
+      <p:ext uri="{BB962C8B-B14F-4D97-AF65-F5344CB8AC3E}">
+        <p14:creationId xmlns:p14="http://schemas.microsoft.com/office/powerpoint/2010/main" val="2123794138"/>
+      </p:ext>
+    </p:extLst>
+  </p:cSld>
+  <p:clrMapOvr>
+    <a:masterClrMapping/>
+  </p:clrMapOvr>
+</p:sld>
+</file>
+
+<file path=ppt/slides/slide12.xml><?xml version="1.0" encoding="utf-8"?>
+<p:sld xmlns:a="http://schemas.openxmlformats.org/drawingml/2006/main" xmlns:r="http://schemas.openxmlformats.org/officeDocument/2006/relationships" xmlns:p="http://schemas.openxmlformats.org/presentationml/2006/main">
+  <p:cSld>
+    <p:spTree>
+      <p:nvGrpSpPr>
+        <p:cNvPr id="1" name="Shape 309"/>
+        <p:cNvGrpSpPr/>
+        <p:nvPr/>
+      </p:nvGrpSpPr>
+      <p:grpSpPr>
+        <a:xfrm>
+          <a:off x="0" y="0"/>
+          <a:ext cx="0" cy="0"/>
+          <a:chOff x="0" y="0"/>
+          <a:chExt cx="0" cy="0"/>
+        </a:xfrm>
+      </p:grpSpPr>
+      <p:sp>
+        <p:nvSpPr>
+          <p:cNvPr id="310" name="Google Shape;310;p44"/>
+          <p:cNvSpPr txBox="1">
+            <a:spLocks noGrp="1"/>
+          </p:cNvSpPr>
+          <p:nvPr>
+            <p:ph type="title"/>
+          </p:nvPr>
+        </p:nvSpPr>
+        <p:spPr>
+          <a:xfrm>
+            <a:off x="0" y="216225"/>
+            <a:ext cx="9144000" cy="913800"/>
+          </a:xfrm>
+          <a:prstGeom prst="rect">
+            <a:avLst/>
+          </a:prstGeom>
+        </p:spPr>
+        <p:txBody>
+          <a:bodyPr spcFirstLastPara="1" wrap="square" lIns="91425" tIns="91425" rIns="91425" bIns="91425" anchor="b" anchorCtr="0">
+            <a:noAutofit/>
+          </a:bodyPr>
+          <a:lstStyle/>
+          <a:p>
+            <a:pPr marL="0" lvl="0" indent="0">
+              <a:buSzPts val="1800"/>
+              <a:buFont typeface="Arial"/>
+              <a:buNone/>
+            </a:pPr>
+            <a:r>
+              <a:rPr lang="ko-KR" altLang="en-US" sz="2400" dirty="0">
                 <a:latin typeface="나눔스퀘어라운드 ExtraBold" panose="020B0600000101010101" pitchFamily="50" charset="-127"/>
                 <a:ea typeface="나눔스퀘어라운드 ExtraBold" panose="020B0600000101010101" pitchFamily="50" charset="-127"/>
                 <a:sym typeface="Arial"/>
@@ -7237,7 +8486,7 @@
                 <a:spcPct val="200000"/>
               </a:lnSpc>
             </a:pPr>
-            <a:endParaRPr lang="en-US" altLang="ko-KR" sz="1600" dirty="0" smtClean="0">
+            <a:endParaRPr lang="en-US" altLang="ko-KR" sz="1600" dirty="0">
               <a:solidFill>
                 <a:schemeClr val="dk1"/>
               </a:solidFill>
@@ -7358,382 +8607,6 @@
   <p:clrMapOvr>
     <a:masterClrMapping/>
   </p:clrMapOvr>
-  <p:timing>
-    <p:tnLst>
-      <p:par>
-        <p:cTn id="1" dur="indefinite" restart="never" nodeType="tmRoot"/>
-      </p:par>
-    </p:tnLst>
-  </p:timing>
-</p:sld>
-</file>
-
-<file path=ppt/slides/slide12.xml><?xml version="1.0" encoding="utf-8"?>
-<p:sld xmlns:a="http://schemas.openxmlformats.org/drawingml/2006/main" xmlns:r="http://schemas.openxmlformats.org/officeDocument/2006/relationships" xmlns:p="http://schemas.openxmlformats.org/presentationml/2006/main">
-  <p:cSld>
-    <p:spTree>
-      <p:nvGrpSpPr>
-        <p:cNvPr id="1" name="Shape 309"/>
-        <p:cNvGrpSpPr/>
-        <p:nvPr/>
-      </p:nvGrpSpPr>
-      <p:grpSpPr>
-        <a:xfrm>
-          <a:off x="0" y="0"/>
-          <a:ext cx="0" cy="0"/>
-          <a:chOff x="0" y="0"/>
-          <a:chExt cx="0" cy="0"/>
-        </a:xfrm>
-      </p:grpSpPr>
-      <p:sp>
-        <p:nvSpPr>
-          <p:cNvPr id="310" name="Google Shape;310;p44"/>
-          <p:cNvSpPr txBox="1">
-            <a:spLocks noGrp="1"/>
-          </p:cNvSpPr>
-          <p:nvPr>
-            <p:ph type="title"/>
-          </p:nvPr>
-        </p:nvSpPr>
-        <p:spPr>
-          <a:xfrm>
-            <a:off x="0" y="216225"/>
-            <a:ext cx="9144000" cy="913800"/>
-          </a:xfrm>
-          <a:prstGeom prst="rect">
-            <a:avLst/>
-          </a:prstGeom>
-        </p:spPr>
-        <p:txBody>
-          <a:bodyPr spcFirstLastPara="1" wrap="square" lIns="91425" tIns="91425" rIns="91425" bIns="91425" anchor="b" anchorCtr="0">
-            <a:noAutofit/>
-          </a:bodyPr>
-          <a:lstStyle/>
-          <a:p>
-            <a:pPr marL="0" lvl="0" indent="0">
-              <a:buSzPts val="1800"/>
-              <a:buFont typeface="Arial"/>
-              <a:buNone/>
-            </a:pPr>
-            <a:r>
-              <a:rPr lang="ko-KR" altLang="en-US" sz="2400" dirty="0" smtClean="0">
-                <a:latin typeface="나눔스퀘어라운드 ExtraBold" panose="020B0600000101010101" pitchFamily="50" charset="-127"/>
-                <a:ea typeface="나눔스퀘어라운드 ExtraBold" panose="020B0600000101010101" pitchFamily="50" charset="-127"/>
-                <a:sym typeface="Arial"/>
-              </a:rPr>
-              <a:t>시연 영상 넣기</a:t>
-            </a:r>
-            <a:endParaRPr sz="1800" dirty="0">
-              <a:latin typeface="나눔스퀘어라운드 ExtraBold" panose="020B0600000101010101" pitchFamily="50" charset="-127"/>
-              <a:ea typeface="나눔스퀘어라운드 ExtraBold" panose="020B0600000101010101" pitchFamily="50" charset="-127"/>
-              <a:sym typeface="Arial"/>
-            </a:endParaRPr>
-          </a:p>
-        </p:txBody>
-      </p:sp>
-      <p:sp>
-        <p:nvSpPr>
-          <p:cNvPr id="4" name="Google Shape;17;p3"/>
-          <p:cNvSpPr txBox="1">
-            <a:spLocks/>
-          </p:cNvSpPr>
-          <p:nvPr/>
-        </p:nvSpPr>
-        <p:spPr>
-          <a:xfrm>
-            <a:off x="1059180" y="373380"/>
-            <a:ext cx="7033260" cy="4289837"/>
-          </a:xfrm>
-          <a:prstGeom prst="rect">
-            <a:avLst/>
-          </a:prstGeom>
-        </p:spPr>
-        <p:txBody>
-          <a:bodyPr spcFirstLastPara="1" wrap="square" lIns="91425" tIns="91425" rIns="91425" bIns="91425" anchor="ctr" anchorCtr="0">
-            <a:noAutofit/>
-          </a:bodyPr>
-          <a:lstStyle>
-            <a:defPPr marR="0" lvl="0" algn="l" rtl="0">
-              <a:lnSpc>
-                <a:spcPct val="100000"/>
-              </a:lnSpc>
-              <a:spcBef>
-                <a:spcPts val="0"/>
-              </a:spcBef>
-              <a:spcAft>
-                <a:spcPts val="0"/>
-              </a:spcAft>
-            </a:defPPr>
-            <a:lvl1pPr marR="0" lvl="0" algn="l" rtl="0">
-              <a:lnSpc>
-                <a:spcPct val="100000"/>
-              </a:lnSpc>
-              <a:spcBef>
-                <a:spcPts val="0"/>
-              </a:spcBef>
-              <a:spcAft>
-                <a:spcPts val="0"/>
-              </a:spcAft>
-              <a:buClr>
-                <a:srgbClr val="000000"/>
-              </a:buClr>
-              <a:buSzPts val="1800"/>
-              <a:buFont typeface="Arial"/>
-              <a:buNone/>
-              <a:defRPr sz="1800" b="0" i="0" u="none" strike="noStrike" cap="none">
-                <a:solidFill>
-                  <a:srgbClr val="000000"/>
-                </a:solidFill>
-                <a:latin typeface="나눔스퀘어라운드 Bold" panose="020B0600000101010101" pitchFamily="50" charset="-127"/>
-                <a:ea typeface="나눔스퀘어라운드 Bold" panose="020B0600000101010101" pitchFamily="50" charset="-127"/>
-                <a:cs typeface="Arial"/>
-                <a:sym typeface="Arial"/>
-              </a:defRPr>
-            </a:lvl1pPr>
-            <a:lvl2pPr marR="0" lvl="1" algn="l" rtl="0">
-              <a:lnSpc>
-                <a:spcPct val="100000"/>
-              </a:lnSpc>
-              <a:spcBef>
-                <a:spcPts val="0"/>
-              </a:spcBef>
-              <a:spcAft>
-                <a:spcPts val="0"/>
-              </a:spcAft>
-              <a:buClr>
-                <a:schemeClr val="lt1"/>
-              </a:buClr>
-              <a:buSzPts val="1800"/>
-              <a:buFont typeface="Arial"/>
-              <a:buNone/>
-              <a:defRPr sz="1800" b="0" i="0" u="none" strike="noStrike" cap="none">
-                <a:solidFill>
-                  <a:schemeClr val="lt1"/>
-                </a:solidFill>
-                <a:latin typeface="Arial"/>
-                <a:ea typeface="Arial"/>
-                <a:cs typeface="Arial"/>
-                <a:sym typeface="Arial"/>
-              </a:defRPr>
-            </a:lvl2pPr>
-            <a:lvl3pPr marR="0" lvl="2" algn="l" rtl="0">
-              <a:lnSpc>
-                <a:spcPct val="100000"/>
-              </a:lnSpc>
-              <a:spcBef>
-                <a:spcPts val="0"/>
-              </a:spcBef>
-              <a:spcAft>
-                <a:spcPts val="0"/>
-              </a:spcAft>
-              <a:buClr>
-                <a:schemeClr val="lt1"/>
-              </a:buClr>
-              <a:buSzPts val="1800"/>
-              <a:buFont typeface="Arial"/>
-              <a:buNone/>
-              <a:defRPr sz="1800" b="0" i="0" u="none" strike="noStrike" cap="none">
-                <a:solidFill>
-                  <a:schemeClr val="lt1"/>
-                </a:solidFill>
-                <a:latin typeface="Arial"/>
-                <a:ea typeface="Arial"/>
-                <a:cs typeface="Arial"/>
-                <a:sym typeface="Arial"/>
-              </a:defRPr>
-            </a:lvl3pPr>
-            <a:lvl4pPr marR="0" lvl="3" algn="l" rtl="0">
-              <a:lnSpc>
-                <a:spcPct val="100000"/>
-              </a:lnSpc>
-              <a:spcBef>
-                <a:spcPts val="0"/>
-              </a:spcBef>
-              <a:spcAft>
-                <a:spcPts val="0"/>
-              </a:spcAft>
-              <a:buClr>
-                <a:schemeClr val="lt1"/>
-              </a:buClr>
-              <a:buSzPts val="1800"/>
-              <a:buFont typeface="Arial"/>
-              <a:buNone/>
-              <a:defRPr sz="1800" b="0" i="0" u="none" strike="noStrike" cap="none">
-                <a:solidFill>
-                  <a:schemeClr val="lt1"/>
-                </a:solidFill>
-                <a:latin typeface="Arial"/>
-                <a:ea typeface="Arial"/>
-                <a:cs typeface="Arial"/>
-                <a:sym typeface="Arial"/>
-              </a:defRPr>
-            </a:lvl4pPr>
-            <a:lvl5pPr marR="0" lvl="4" algn="l" rtl="0">
-              <a:lnSpc>
-                <a:spcPct val="100000"/>
-              </a:lnSpc>
-              <a:spcBef>
-                <a:spcPts val="0"/>
-              </a:spcBef>
-              <a:spcAft>
-                <a:spcPts val="0"/>
-              </a:spcAft>
-              <a:buClr>
-                <a:schemeClr val="lt1"/>
-              </a:buClr>
-              <a:buSzPts val="1800"/>
-              <a:buFont typeface="Arial"/>
-              <a:buNone/>
-              <a:defRPr sz="1800" b="0" i="0" u="none" strike="noStrike" cap="none">
-                <a:solidFill>
-                  <a:schemeClr val="lt1"/>
-                </a:solidFill>
-                <a:latin typeface="Arial"/>
-                <a:ea typeface="Arial"/>
-                <a:cs typeface="Arial"/>
-                <a:sym typeface="Arial"/>
-              </a:defRPr>
-            </a:lvl5pPr>
-            <a:lvl6pPr marR="0" lvl="5" algn="l" rtl="0">
-              <a:lnSpc>
-                <a:spcPct val="100000"/>
-              </a:lnSpc>
-              <a:spcBef>
-                <a:spcPts val="0"/>
-              </a:spcBef>
-              <a:spcAft>
-                <a:spcPts val="0"/>
-              </a:spcAft>
-              <a:buClr>
-                <a:schemeClr val="lt1"/>
-              </a:buClr>
-              <a:buSzPts val="1800"/>
-              <a:buFont typeface="Arial"/>
-              <a:buNone/>
-              <a:defRPr sz="1800" b="0" i="0" u="none" strike="noStrike" cap="none">
-                <a:solidFill>
-                  <a:schemeClr val="lt1"/>
-                </a:solidFill>
-                <a:latin typeface="Arial"/>
-                <a:ea typeface="Arial"/>
-                <a:cs typeface="Arial"/>
-                <a:sym typeface="Arial"/>
-              </a:defRPr>
-            </a:lvl6pPr>
-            <a:lvl7pPr marR="0" lvl="6" algn="l" rtl="0">
-              <a:lnSpc>
-                <a:spcPct val="100000"/>
-              </a:lnSpc>
-              <a:spcBef>
-                <a:spcPts val="0"/>
-              </a:spcBef>
-              <a:spcAft>
-                <a:spcPts val="0"/>
-              </a:spcAft>
-              <a:buClr>
-                <a:schemeClr val="lt1"/>
-              </a:buClr>
-              <a:buSzPts val="1800"/>
-              <a:buFont typeface="Arial"/>
-              <a:buNone/>
-              <a:defRPr sz="1800" b="0" i="0" u="none" strike="noStrike" cap="none">
-                <a:solidFill>
-                  <a:schemeClr val="lt1"/>
-                </a:solidFill>
-                <a:latin typeface="Arial"/>
-                <a:ea typeface="Arial"/>
-                <a:cs typeface="Arial"/>
-                <a:sym typeface="Arial"/>
-              </a:defRPr>
-            </a:lvl7pPr>
-            <a:lvl8pPr marR="0" lvl="7" algn="l" rtl="0">
-              <a:lnSpc>
-                <a:spcPct val="100000"/>
-              </a:lnSpc>
-              <a:spcBef>
-                <a:spcPts val="0"/>
-              </a:spcBef>
-              <a:spcAft>
-                <a:spcPts val="0"/>
-              </a:spcAft>
-              <a:buClr>
-                <a:schemeClr val="lt1"/>
-              </a:buClr>
-              <a:buSzPts val="1800"/>
-              <a:buFont typeface="Arial"/>
-              <a:buNone/>
-              <a:defRPr sz="1800" b="0" i="0" u="none" strike="noStrike" cap="none">
-                <a:solidFill>
-                  <a:schemeClr val="lt1"/>
-                </a:solidFill>
-                <a:latin typeface="Arial"/>
-                <a:ea typeface="Arial"/>
-                <a:cs typeface="Arial"/>
-                <a:sym typeface="Arial"/>
-              </a:defRPr>
-            </a:lvl8pPr>
-            <a:lvl9pPr marR="0" lvl="8" algn="l" rtl="0">
-              <a:lnSpc>
-                <a:spcPct val="100000"/>
-              </a:lnSpc>
-              <a:spcBef>
-                <a:spcPts val="0"/>
-              </a:spcBef>
-              <a:spcAft>
-                <a:spcPts val="0"/>
-              </a:spcAft>
-              <a:buClr>
-                <a:schemeClr val="lt1"/>
-              </a:buClr>
-              <a:buSzPts val="1800"/>
-              <a:buFont typeface="Arial"/>
-              <a:buNone/>
-              <a:defRPr sz="1800" b="0" i="0" u="none" strike="noStrike" cap="none">
-                <a:solidFill>
-                  <a:schemeClr val="lt1"/>
-                </a:solidFill>
-                <a:latin typeface="Arial"/>
-                <a:ea typeface="Arial"/>
-                <a:cs typeface="Arial"/>
-                <a:sym typeface="Arial"/>
-              </a:defRPr>
-            </a:lvl9pPr>
-          </a:lstStyle>
-          <a:p>
-            <a:pPr>
-              <a:lnSpc>
-                <a:spcPct val="200000"/>
-              </a:lnSpc>
-            </a:pPr>
-            <a:endParaRPr lang="en-US" altLang="ko-KR" sz="1600" dirty="0" smtClean="0">
-              <a:solidFill>
-                <a:schemeClr val="dk1"/>
-              </a:solidFill>
-              <a:latin typeface="나눔스퀘어라운드 Regular" panose="020B0600000101010101" pitchFamily="50" charset="-127"/>
-              <a:ea typeface="나눔스퀘어라운드 Regular" panose="020B0600000101010101" pitchFamily="50" charset="-127"/>
-              <a:cs typeface="Ubuntu"/>
-              <a:sym typeface="Ubuntu"/>
-            </a:endParaRPr>
-          </a:p>
-        </p:txBody>
-      </p:sp>
-    </p:spTree>
-    <p:extLst>
-      <p:ext uri="{BB962C8B-B14F-4D97-AF65-F5344CB8AC3E}">
-        <p14:creationId xmlns:p14="http://schemas.microsoft.com/office/powerpoint/2010/main" val="118232636"/>
-      </p:ext>
-    </p:extLst>
-  </p:cSld>
-  <p:clrMapOvr>
-    <a:masterClrMapping/>
-  </p:clrMapOvr>
-  <p:timing>
-    <p:tnLst>
-      <p:par>
-        <p:cTn id="1" dur="indefinite" restart="never" nodeType="tmRoot"/>
-      </p:par>
-    </p:tnLst>
-  </p:timing>
 </p:sld>
 </file>
 
@@ -8028,7 +8901,7 @@
                 <a:spcPct val="200000"/>
               </a:lnSpc>
             </a:pPr>
-            <a:endParaRPr lang="en-US" altLang="ko-KR" sz="1600" dirty="0" smtClean="0">
+            <a:endParaRPr lang="en-US" altLang="ko-KR" sz="1600" dirty="0">
               <a:solidFill>
                 <a:schemeClr val="dk1"/>
               </a:solidFill>
@@ -8071,7 +8944,7 @@
               <a:buNone/>
             </a:pPr>
             <a:r>
-              <a:rPr lang="ko-KR" altLang="en-US" sz="3200" dirty="0" smtClean="0">
+              <a:rPr lang="ko-KR" altLang="en-US" sz="3200" dirty="0">
                 <a:latin typeface="나눔스퀘어라운드 ExtraBold" panose="020B0600000101010101" pitchFamily="50" charset="-127"/>
                 <a:ea typeface="나눔스퀘어라운드 ExtraBold" panose="020B0600000101010101" pitchFamily="50" charset="-127"/>
                 <a:sym typeface="Arial"/>
@@ -8096,13 +8969,6 @@
   <p:clrMapOvr>
     <a:masterClrMapping/>
   </p:clrMapOvr>
-  <p:timing>
-    <p:tnLst>
-      <p:par>
-        <p:cTn id="1" dur="indefinite" restart="never" nodeType="tmRoot"/>
-      </p:par>
-    </p:tnLst>
-  </p:timing>
 </p:sld>
 </file>
 
@@ -9963,16 +10829,12 @@
           </a:lstStyle>
           <a:p>
             <a:r>
-              <a:rPr lang="ko-KR" altLang="en-US" dirty="0" smtClean="0">
+              <a:rPr lang="ko-KR" altLang="en-US" dirty="0">
                 <a:latin typeface="나눔스퀘어라운드 Bold" panose="020B0600000101010101" pitchFamily="50" charset="-127"/>
                 <a:ea typeface="나눔스퀘어라운드 Bold" panose="020B0600000101010101" pitchFamily="50" charset="-127"/>
               </a:rPr>
               <a:t>개발 내용</a:t>
             </a:r>
-            <a:endParaRPr lang="ko-KR" altLang="en-US" dirty="0">
-              <a:latin typeface="나눔스퀘어라운드 Bold" panose="020B0600000101010101" pitchFamily="50" charset="-127"/>
-              <a:ea typeface="나눔스퀘어라운드 Bold" panose="020B0600000101010101" pitchFamily="50" charset="-127"/>
-            </a:endParaRPr>
           </a:p>
         </p:txBody>
       </p:sp>
@@ -10250,16 +11112,12 @@
           </a:lstStyle>
           <a:p>
             <a:r>
-              <a:rPr lang="ko-KR" altLang="en-US" dirty="0" smtClean="0">
+              <a:rPr lang="ko-KR" altLang="en-US" dirty="0">
                 <a:latin typeface="나눔스퀘어라운드 Bold" panose="020B0600000101010101" pitchFamily="50" charset="-127"/>
                 <a:ea typeface="나눔스퀘어라운드 Bold" panose="020B0600000101010101" pitchFamily="50" charset="-127"/>
               </a:rPr>
               <a:t>기술 설명</a:t>
             </a:r>
-            <a:endParaRPr lang="ko-KR" altLang="en-US" dirty="0">
-              <a:latin typeface="나눔스퀘어라운드 Bold" panose="020B0600000101010101" pitchFamily="50" charset="-127"/>
-              <a:ea typeface="나눔스퀘어라운드 Bold" panose="020B0600000101010101" pitchFamily="50" charset="-127"/>
-            </a:endParaRPr>
           </a:p>
         </p:txBody>
       </p:sp>
@@ -10537,16 +11395,12 @@
           </a:lstStyle>
           <a:p>
             <a:r>
-              <a:rPr lang="ko-KR" altLang="en-US" dirty="0" smtClean="0">
+              <a:rPr lang="ko-KR" altLang="en-US" dirty="0">
                 <a:latin typeface="나눔스퀘어라운드 Bold" panose="020B0600000101010101" pitchFamily="50" charset="-127"/>
                 <a:ea typeface="나눔스퀘어라운드 Bold" panose="020B0600000101010101" pitchFamily="50" charset="-127"/>
               </a:rPr>
               <a:t>결과물</a:t>
             </a:r>
-            <a:endParaRPr lang="ko-KR" altLang="en-US" dirty="0">
-              <a:latin typeface="나눔스퀘어라운드 Bold" panose="020B0600000101010101" pitchFamily="50" charset="-127"/>
-              <a:ea typeface="나눔스퀘어라운드 Bold" panose="020B0600000101010101" pitchFamily="50" charset="-127"/>
-            </a:endParaRPr>
           </a:p>
         </p:txBody>
       </p:sp>
@@ -10832,13 +11686,6 @@
   <p:clrMapOvr>
     <a:masterClrMapping/>
   </p:clrMapOvr>
-  <p:timing>
-    <p:tnLst>
-      <p:par>
-        <p:cTn id="1" dur="indefinite" restart="never" nodeType="tmRoot"/>
-      </p:par>
-    </p:tnLst>
-  </p:timing>
 </p:sld>
 </file>
 
@@ -10915,15 +11762,15 @@
         </p:nvSpPr>
         <p:spPr>
           <a:xfrm>
-            <a:off x="1059180" y="1485901"/>
-            <a:ext cx="7033260" cy="2994660"/>
+            <a:off x="1059180" y="1278383"/>
+            <a:ext cx="7033260" cy="3373515"/>
           </a:xfrm>
           <a:prstGeom prst="rect">
             <a:avLst/>
           </a:prstGeom>
         </p:spPr>
         <p:txBody>
-          <a:bodyPr spcFirstLastPara="1" wrap="square" lIns="91425" tIns="91425" rIns="91425" bIns="91425" anchor="t" anchorCtr="0">
+          <a:bodyPr spcFirstLastPara="1" wrap="square" lIns="91425" tIns="91425" rIns="91425" bIns="91425" anchor="ctr" anchorCtr="0">
             <a:noAutofit/>
           </a:bodyPr>
           <a:lstStyle>
@@ -11180,7 +12027,55 @@
               </a:lnSpc>
             </a:pPr>
             <a:r>
-              <a:rPr lang="en-US" altLang="ko-KR" sz="1600" dirty="0" smtClean="0">
+              <a:rPr lang="en-US" altLang="ko-KR" sz="1600" dirty="0">
+                <a:solidFill>
+                  <a:schemeClr val="dk1"/>
+                </a:solidFill>
+                <a:latin typeface="나눔스퀘어라운드 Regular" panose="020B0600000101010101" pitchFamily="50" charset="-127"/>
+                <a:ea typeface="나눔스퀘어라운드 Regular" panose="020B0600000101010101" pitchFamily="50" charset="-127"/>
+                <a:cs typeface="Ubuntu"/>
+                <a:sym typeface="Ubuntu"/>
+              </a:rPr>
+              <a:t>'</a:t>
+            </a:r>
+            <a:r>
+              <a:rPr lang="ko-KR" altLang="en-US" sz="1600" dirty="0">
+                <a:solidFill>
+                  <a:schemeClr val="dk1"/>
+                </a:solidFill>
+                <a:latin typeface="나눔스퀘어라운드 Regular" panose="020B0600000101010101" pitchFamily="50" charset="-127"/>
+                <a:ea typeface="나눔스퀘어라운드 Regular" panose="020B0600000101010101" pitchFamily="50" charset="-127"/>
+                <a:cs typeface="Ubuntu"/>
+                <a:sym typeface="Ubuntu"/>
+              </a:rPr>
+              <a:t>마이 리틀 팜</a:t>
+            </a:r>
+            <a:r>
+              <a:rPr lang="en-US" altLang="ko-KR" sz="1600" dirty="0">
+                <a:solidFill>
+                  <a:schemeClr val="dk1"/>
+                </a:solidFill>
+                <a:latin typeface="나눔스퀘어라운드 Regular" panose="020B0600000101010101" pitchFamily="50" charset="-127"/>
+                <a:ea typeface="나눔스퀘어라운드 Regular" panose="020B0600000101010101" pitchFamily="50" charset="-127"/>
+                <a:cs typeface="Ubuntu"/>
+                <a:sym typeface="Ubuntu"/>
+              </a:rPr>
+              <a:t>'</a:t>
+            </a:r>
+            <a:r>
+              <a:rPr lang="ko-KR" altLang="en-US" sz="1600" dirty="0">
+                <a:solidFill>
+                  <a:schemeClr val="dk1"/>
+                </a:solidFill>
+                <a:latin typeface="나눔스퀘어라운드 Regular" panose="020B0600000101010101" pitchFamily="50" charset="-127"/>
+                <a:ea typeface="나눔스퀘어라운드 Regular" panose="020B0600000101010101" pitchFamily="50" charset="-127"/>
+                <a:cs typeface="Ubuntu"/>
+                <a:sym typeface="Ubuntu"/>
+              </a:rPr>
+              <a:t>은 </a:t>
+            </a:r>
+            <a:r>
+              <a:rPr lang="en-US" altLang="ko-KR" sz="1600" dirty="0">
                 <a:solidFill>
                   <a:schemeClr val="dk1"/>
                 </a:solidFill>
@@ -11201,19 +12096,7 @@
                 <a:cs typeface="Ubuntu"/>
                 <a:sym typeface="Ubuntu"/>
               </a:rPr>
-              <a:t>엔진으로 </a:t>
-            </a:r>
-            <a:r>
-              <a:rPr lang="ko-KR" altLang="en-US" sz="1600" dirty="0" smtClean="0">
-                <a:solidFill>
-                  <a:schemeClr val="dk1"/>
-                </a:solidFill>
-                <a:latin typeface="나눔스퀘어라운드 Regular" panose="020B0600000101010101" pitchFamily="50" charset="-127"/>
-                <a:ea typeface="나눔스퀘어라운드 Regular" panose="020B0600000101010101" pitchFamily="50" charset="-127"/>
-                <a:cs typeface="Ubuntu"/>
-                <a:sym typeface="Ubuntu"/>
-              </a:rPr>
-              <a:t>개발한 </a:t>
+              <a:t>엔진을 통해 만든 </a:t>
             </a:r>
             <a:r>
               <a:rPr lang="ko-KR" altLang="en-US" sz="1600" dirty="0" err="1">
@@ -11237,125 +12120,10 @@
                 <a:cs typeface="Ubuntu"/>
                 <a:sym typeface="Ubuntu"/>
               </a:rPr>
-              <a:t> 시뮬레이션 </a:t>
-            </a:r>
-            <a:r>
-              <a:rPr lang="ko-KR" altLang="en-US" sz="1600" dirty="0" smtClean="0">
-                <a:solidFill>
-                  <a:schemeClr val="dk1"/>
-                </a:solidFill>
-                <a:latin typeface="나눔스퀘어라운드 Regular" panose="020B0600000101010101" pitchFamily="50" charset="-127"/>
-                <a:ea typeface="나눔스퀘어라운드 Regular" panose="020B0600000101010101" pitchFamily="50" charset="-127"/>
-                <a:cs typeface="Ubuntu"/>
-                <a:sym typeface="Ubuntu"/>
-              </a:rPr>
-              <a:t>게임</a:t>
-            </a:r>
-            <a:r>
-              <a:rPr lang="en-US" altLang="ko-KR" sz="1600" dirty="0" smtClean="0">
-                <a:solidFill>
-                  <a:schemeClr val="dk1"/>
-                </a:solidFill>
-                <a:latin typeface="나눔스퀘어라운드 Regular" panose="020B0600000101010101" pitchFamily="50" charset="-127"/>
-                <a:ea typeface="나눔스퀘어라운드 Regular" panose="020B0600000101010101" pitchFamily="50" charset="-127"/>
-                <a:cs typeface="Ubuntu"/>
-                <a:sym typeface="Ubuntu"/>
-              </a:rPr>
-              <a:t>. </a:t>
-            </a:r>
-          </a:p>
-          <a:p>
-            <a:pPr>
-              <a:lnSpc>
-                <a:spcPct val="200000"/>
-              </a:lnSpc>
-            </a:pPr>
-            <a:r>
-              <a:rPr lang="ko-KR" altLang="en-US" sz="1600" dirty="0" smtClean="0">
-                <a:solidFill>
-                  <a:schemeClr val="dk1"/>
-                </a:solidFill>
-                <a:latin typeface="나눔스퀘어라운드 Regular" panose="020B0600000101010101" pitchFamily="50" charset="-127"/>
-                <a:ea typeface="나눔스퀘어라운드 Regular" panose="020B0600000101010101" pitchFamily="50" charset="-127"/>
-                <a:cs typeface="Ubuntu"/>
-                <a:sym typeface="Ubuntu"/>
-              </a:rPr>
-              <a:t>지원 </a:t>
-            </a:r>
-            <a:r>
-              <a:rPr lang="ko-KR" altLang="en-US" sz="1600" dirty="0">
-                <a:solidFill>
-                  <a:schemeClr val="dk1"/>
-                </a:solidFill>
-                <a:latin typeface="나눔스퀘어라운드 Regular" panose="020B0600000101010101" pitchFamily="50" charset="-127"/>
-                <a:ea typeface="나눔스퀘어라운드 Regular" panose="020B0600000101010101" pitchFamily="50" charset="-127"/>
-                <a:cs typeface="Ubuntu"/>
-                <a:sym typeface="Ubuntu"/>
-              </a:rPr>
-              <a:t>플랫폼은 </a:t>
+              <a:t> 시뮬레이션 게임 프로젝트이다</a:t>
             </a:r>
             <a:r>
               <a:rPr lang="en-US" altLang="ko-KR" sz="1600" dirty="0">
-                <a:solidFill>
-                  <a:schemeClr val="dk1"/>
-                </a:solidFill>
-                <a:latin typeface="나눔스퀘어라운드 Regular" panose="020B0600000101010101" pitchFamily="50" charset="-127"/>
-                <a:ea typeface="나눔스퀘어라운드 Regular" panose="020B0600000101010101" pitchFamily="50" charset="-127"/>
-                <a:cs typeface="Ubuntu"/>
-                <a:sym typeface="Ubuntu"/>
-              </a:rPr>
-              <a:t>PC</a:t>
-            </a:r>
-            <a:r>
-              <a:rPr lang="ko-KR" altLang="en-US" sz="1600" dirty="0">
-                <a:solidFill>
-                  <a:schemeClr val="dk1"/>
-                </a:solidFill>
-                <a:latin typeface="나눔스퀘어라운드 Regular" panose="020B0600000101010101" pitchFamily="50" charset="-127"/>
-                <a:ea typeface="나눔스퀘어라운드 Regular" panose="020B0600000101010101" pitchFamily="50" charset="-127"/>
-                <a:cs typeface="Ubuntu"/>
-                <a:sym typeface="Ubuntu"/>
-              </a:rPr>
-              <a:t>이며</a:t>
-            </a:r>
-            <a:r>
-              <a:rPr lang="en-US" altLang="ko-KR" sz="1600" dirty="0">
-                <a:solidFill>
-                  <a:schemeClr val="dk1"/>
-                </a:solidFill>
-                <a:latin typeface="나눔스퀘어라운드 Regular" panose="020B0600000101010101" pitchFamily="50" charset="-127"/>
-                <a:ea typeface="나눔스퀘어라운드 Regular" panose="020B0600000101010101" pitchFamily="50" charset="-127"/>
-                <a:cs typeface="Ubuntu"/>
-                <a:sym typeface="Ubuntu"/>
-              </a:rPr>
-              <a:t>, </a:t>
-            </a:r>
-            <a:r>
-              <a:rPr lang="ko-KR" altLang="en-US" sz="1600" dirty="0">
-                <a:solidFill>
-                  <a:schemeClr val="dk1"/>
-                </a:solidFill>
-                <a:latin typeface="나눔스퀘어라운드 Regular" panose="020B0600000101010101" pitchFamily="50" charset="-127"/>
-                <a:ea typeface="나눔스퀘어라운드 Regular" panose="020B0600000101010101" pitchFamily="50" charset="-127"/>
-                <a:cs typeface="Ubuntu"/>
-                <a:sym typeface="Ubuntu"/>
-              </a:rPr>
-              <a:t>키보드와 마우스로 </a:t>
-            </a:r>
-            <a:r>
-              <a:rPr lang="ko-KR" altLang="en-US" sz="1600" dirty="0" smtClean="0">
-                <a:solidFill>
-                  <a:schemeClr val="dk1"/>
-                </a:solidFill>
-                <a:latin typeface="나눔스퀘어라운드 Regular" panose="020B0600000101010101" pitchFamily="50" charset="-127"/>
-                <a:ea typeface="나눔스퀘어라운드 Regular" panose="020B0600000101010101" pitchFamily="50" charset="-127"/>
-                <a:cs typeface="Ubuntu"/>
-                <a:sym typeface="Ubuntu"/>
-              </a:rPr>
-              <a:t>조작</a:t>
-            </a:r>
-            <a:r>
-              <a:rPr lang="en-US" altLang="ko-KR" sz="1600" dirty="0" smtClean="0">
                 <a:solidFill>
                   <a:schemeClr val="dk1"/>
                 </a:solidFill>
@@ -11368,7 +12136,7 @@
             </a:r>
           </a:p>
           <a:p>
-            <a:endParaRPr lang="en-US" altLang="ko-KR" sz="1600" dirty="0" smtClean="0">
+            <a:endParaRPr lang="en-US" altLang="ko-KR" sz="1600" dirty="0">
               <a:solidFill>
                 <a:schemeClr val="dk1"/>
               </a:solidFill>
@@ -11385,7 +12153,7 @@
               </a:lnSpc>
             </a:pPr>
             <a:r>
-              <a:rPr lang="ko-KR" altLang="en-US" sz="1600" dirty="0" smtClean="0">
+              <a:rPr lang="ko-KR" altLang="en-US" sz="1600" dirty="0">
                 <a:solidFill>
                   <a:schemeClr val="dk1"/>
                 </a:solidFill>
@@ -11394,10 +12162,10 @@
                 <a:cs typeface="Ubuntu"/>
                 <a:sym typeface="Ubuntu"/>
               </a:rPr>
-              <a:t>플레이어는 </a:t>
+              <a:t>플레이어는 공터를 정돈하고 농사를 지어서 얻게 되는 작물을 팔아 돈을 벌 수 있다</a:t>
             </a:r>
             <a:r>
-              <a:rPr lang="ko-KR" altLang="en-US" sz="1600" dirty="0">
+              <a:rPr lang="en-US" altLang="ko-KR" sz="1600" dirty="0">
                 <a:solidFill>
                   <a:schemeClr val="dk1"/>
                 </a:solidFill>
@@ -11406,9 +12174,42 @@
                 <a:cs typeface="Ubuntu"/>
                 <a:sym typeface="Ubuntu"/>
               </a:rPr>
-              <a:t>공터를 정돈하고 농사를 지어서 얻게 </a:t>
+              <a:t>. </a:t>
             </a:r>
-            <a:endParaRPr lang="en-US" altLang="ko-KR" sz="1600" dirty="0" smtClean="0">
+          </a:p>
+          <a:p>
+            <a:pPr>
+              <a:lnSpc>
+                <a:spcPct val="200000"/>
+              </a:lnSpc>
+            </a:pPr>
+            <a:r>
+              <a:rPr lang="ko-KR" altLang="en-US" sz="1600" dirty="0">
+                <a:solidFill>
+                  <a:schemeClr val="dk1"/>
+                </a:solidFill>
+                <a:latin typeface="나눔스퀘어라운드 Regular" panose="020B0600000101010101" pitchFamily="50" charset="-127"/>
+                <a:ea typeface="나눔스퀘어라운드 Regular" panose="020B0600000101010101" pitchFamily="50" charset="-127"/>
+                <a:cs typeface="Ubuntu"/>
+                <a:sym typeface="Ubuntu"/>
+              </a:rPr>
+              <a:t>또한 채광 등을 통해 얻는 재료로 게임 진행에 도움을 주는 아이템을 제작할 수 있다</a:t>
+            </a:r>
+            <a:r>
+              <a:rPr lang="en-US" altLang="ko-KR" sz="1600" dirty="0">
+                <a:solidFill>
+                  <a:schemeClr val="dk1"/>
+                </a:solidFill>
+                <a:latin typeface="나눔스퀘어라운드 Regular" panose="020B0600000101010101" pitchFamily="50" charset="-127"/>
+                <a:ea typeface="나눔스퀘어라운드 Regular" panose="020B0600000101010101" pitchFamily="50" charset="-127"/>
+                <a:cs typeface="Ubuntu"/>
+                <a:sym typeface="Ubuntu"/>
+              </a:rPr>
+              <a:t>.</a:t>
+            </a:r>
+          </a:p>
+          <a:p>
+            <a:endParaRPr lang="en-US" altLang="ko-KR" sz="1600" dirty="0">
               <a:solidFill>
                 <a:schemeClr val="dk1"/>
               </a:solidFill>
@@ -11425,7 +12226,7 @@
               </a:lnSpc>
             </a:pPr>
             <a:r>
-              <a:rPr lang="ko-KR" altLang="en-US" sz="1600" dirty="0" smtClean="0">
+              <a:rPr lang="ko-KR" altLang="en-US" sz="1600" dirty="0">
                 <a:solidFill>
                   <a:schemeClr val="dk1"/>
                 </a:solidFill>
@@ -11434,10 +12235,10 @@
                 <a:cs typeface="Ubuntu"/>
                 <a:sym typeface="Ubuntu"/>
               </a:rPr>
-              <a:t>되는 </a:t>
+              <a:t>지원 플랫폼은 </a:t>
             </a:r>
             <a:r>
-              <a:rPr lang="ko-KR" altLang="en-US" sz="1600" dirty="0">
+              <a:rPr lang="en-US" altLang="ko-KR" sz="1600" dirty="0">
                 <a:solidFill>
                   <a:schemeClr val="dk1"/>
                 </a:solidFill>
@@ -11446,10 +12247,10 @@
                 <a:cs typeface="Ubuntu"/>
                 <a:sym typeface="Ubuntu"/>
               </a:rPr>
-              <a:t>작물을 팔아 돈을 벌 수 </a:t>
+              <a:t>Windows PC</a:t>
             </a:r>
             <a:r>
-              <a:rPr lang="ko-KR" altLang="en-US" sz="1600" dirty="0" smtClean="0">
+              <a:rPr lang="ko-KR" altLang="en-US" sz="1600" dirty="0">
                 <a:solidFill>
                   <a:schemeClr val="dk1"/>
                 </a:solidFill>
@@ -11458,10 +12259,10 @@
                 <a:cs typeface="Ubuntu"/>
                 <a:sym typeface="Ubuntu"/>
               </a:rPr>
-              <a:t>있음</a:t>
+              <a:t>이며</a:t>
             </a:r>
             <a:r>
-              <a:rPr lang="en-US" altLang="ko-KR" sz="1600" dirty="0" smtClean="0">
+              <a:rPr lang="en-US" altLang="ko-KR" sz="1600" dirty="0">
                 <a:solidFill>
                   <a:schemeClr val="dk1"/>
                 </a:solidFill>
@@ -11470,10 +12271,10 @@
                 <a:cs typeface="Ubuntu"/>
                 <a:sym typeface="Ubuntu"/>
               </a:rPr>
-              <a:t>. </a:t>
+              <a:t>, </a:t>
             </a:r>
             <a:r>
-              <a:rPr lang="ko-KR" altLang="en-US" sz="1600" dirty="0" smtClean="0">
+              <a:rPr lang="ko-KR" altLang="en-US" sz="1600" dirty="0">
                 <a:solidFill>
                   <a:schemeClr val="dk1"/>
                 </a:solidFill>
@@ -11482,34 +12283,10 @@
                 <a:cs typeface="Ubuntu"/>
                 <a:sym typeface="Ubuntu"/>
               </a:rPr>
-              <a:t>또한 </a:t>
+              <a:t>키보드와 마우스로 조작한다</a:t>
             </a:r>
             <a:r>
-              <a:rPr lang="ko-KR" altLang="en-US" sz="1600" dirty="0">
-                <a:solidFill>
-                  <a:schemeClr val="dk1"/>
-                </a:solidFill>
-                <a:latin typeface="나눔스퀘어라운드 Regular" panose="020B0600000101010101" pitchFamily="50" charset="-127"/>
-                <a:ea typeface="나눔스퀘어라운드 Regular" panose="020B0600000101010101" pitchFamily="50" charset="-127"/>
-                <a:cs typeface="Ubuntu"/>
-                <a:sym typeface="Ubuntu"/>
-              </a:rPr>
-              <a:t>채광 등을 통해 얻는 재료로 농사에 도움을 주는 아이템을 제작할 수 </a:t>
-            </a:r>
-            <a:r>
-              <a:rPr lang="ko-KR" altLang="en-US" sz="1600" dirty="0" smtClean="0">
-                <a:solidFill>
-                  <a:schemeClr val="dk1"/>
-                </a:solidFill>
-                <a:latin typeface="나눔스퀘어라운드 Regular" panose="020B0600000101010101" pitchFamily="50" charset="-127"/>
-                <a:ea typeface="나눔스퀘어라운드 Regular" panose="020B0600000101010101" pitchFamily="50" charset="-127"/>
-                <a:cs typeface="Ubuntu"/>
-                <a:sym typeface="Ubuntu"/>
-              </a:rPr>
-              <a:t>있음</a:t>
-            </a:r>
-            <a:r>
-              <a:rPr lang="en-US" altLang="ko-KR" sz="1600" dirty="0" smtClean="0">
+              <a:rPr lang="en-US" altLang="ko-KR" sz="1600" dirty="0">
                 <a:solidFill>
                   <a:schemeClr val="dk1"/>
                 </a:solidFill>
@@ -11523,29 +12300,6 @@
           </a:p>
         </p:txBody>
       </p:sp>
-      <p:pic>
-        <p:nvPicPr>
-          <p:cNvPr id="3" name="그림 2"/>
-          <p:cNvPicPr>
-            <a:picLocks noChangeAspect="1"/>
-          </p:cNvPicPr>
-          <p:nvPr/>
-        </p:nvPicPr>
-        <p:blipFill rotWithShape="1">
-          <a:blip r:embed="rId3"/>
-          <a:srcRect t="10151" b="9398"/>
-          <a:stretch/>
-        </p:blipFill>
-        <p:spPr>
-          <a:xfrm>
-            <a:off x="5254754" y="1653540"/>
-            <a:ext cx="2837688" cy="1630680"/>
-          </a:xfrm>
-          <a:prstGeom prst="rect">
-            <a:avLst/>
-          </a:prstGeom>
-        </p:spPr>
-      </p:pic>
     </p:spTree>
     <p:extLst>
       <p:ext uri="{BB962C8B-B14F-4D97-AF65-F5344CB8AC3E}">
@@ -11556,13 +12310,6 @@
   <p:clrMapOvr>
     <a:masterClrMapping/>
   </p:clrMapOvr>
-  <p:timing>
-    <p:tnLst>
-      <p:par>
-        <p:cTn id="1" dur="indefinite" restart="never" nodeType="tmRoot"/>
-      </p:par>
-    </p:tnLst>
-  </p:timing>
 </p:sld>
 </file>
 
@@ -11619,18 +12366,10 @@
                 <a:ea typeface="나눔스퀘어라운드 ExtraBold" panose="020B0600000101010101" pitchFamily="50" charset="-127"/>
                 <a:sym typeface="Arial"/>
               </a:rPr>
-              <a:t>프로젝트 </a:t>
+              <a:t>프로젝트 소개 </a:t>
             </a:r>
             <a:r>
-              <a:rPr lang="ko-KR" altLang="en-US" sz="2400" dirty="0" smtClean="0">
-                <a:latin typeface="나눔스퀘어라운드 ExtraBold" panose="020B0600000101010101" pitchFamily="50" charset="-127"/>
-                <a:ea typeface="나눔스퀘어라운드 ExtraBold" panose="020B0600000101010101" pitchFamily="50" charset="-127"/>
-                <a:sym typeface="Arial"/>
-              </a:rPr>
-              <a:t>소개 </a:t>
-            </a:r>
-            <a:r>
-              <a:rPr lang="en-US" altLang="ko-KR" sz="2400" dirty="0" smtClean="0">
+              <a:rPr lang="en-US" altLang="ko-KR" sz="2400" dirty="0">
                 <a:latin typeface="나눔스퀘어라운드 ExtraBold" panose="020B0600000101010101" pitchFamily="50" charset="-127"/>
                 <a:ea typeface="나눔스퀘어라운드 ExtraBold" panose="020B0600000101010101" pitchFamily="50" charset="-127"/>
                 <a:sym typeface="Arial"/>
@@ -11638,7 +12377,7 @@
               <a:t>– </a:t>
             </a:r>
             <a:r>
-              <a:rPr lang="ko-KR" altLang="en-US" sz="1800" dirty="0" smtClean="0">
+              <a:rPr lang="ko-KR" altLang="en-US" sz="1800" dirty="0">
                 <a:latin typeface="나눔스퀘어라운드 ExtraBold" panose="020B0600000101010101" pitchFamily="50" charset="-127"/>
                 <a:ea typeface="나눔스퀘어라운드 ExtraBold" panose="020B0600000101010101" pitchFamily="50" charset="-127"/>
                 <a:sym typeface="Arial"/>
@@ -11927,6 +12666,22 @@
                 <a:spcPct val="200000"/>
               </a:lnSpc>
             </a:pPr>
+            <a:endParaRPr lang="en-US" altLang="ko-KR" sz="1600" dirty="0">
+              <a:solidFill>
+                <a:schemeClr val="dk1"/>
+              </a:solidFill>
+              <a:latin typeface="나눔스퀘어라운드 Regular" panose="020B0600000101010101" pitchFamily="50" charset="-127"/>
+              <a:ea typeface="나눔스퀘어라운드 Regular" panose="020B0600000101010101" pitchFamily="50" charset="-127"/>
+              <a:cs typeface="Ubuntu"/>
+              <a:sym typeface="Ubuntu"/>
+            </a:endParaRPr>
+          </a:p>
+          <a:p>
+            <a:pPr>
+              <a:lnSpc>
+                <a:spcPct val="200000"/>
+              </a:lnSpc>
+            </a:pPr>
             <a:r>
               <a:rPr lang="ko-KR" altLang="en-US" sz="1600" dirty="0">
                 <a:solidFill>
@@ -11937,22 +12692,10 @@
                 <a:cs typeface="Ubuntu"/>
                 <a:sym typeface="Ubuntu"/>
               </a:rPr>
-              <a:t>현대인들은 치열한 경쟁 속에서 살아가고 </a:t>
+              <a:t>현대인들은 치열한 경쟁 속에서 살아가고 있다</a:t>
             </a:r>
             <a:r>
-              <a:rPr lang="ko-KR" altLang="en-US" sz="1600" dirty="0" smtClean="0">
-                <a:solidFill>
-                  <a:schemeClr val="dk1"/>
-                </a:solidFill>
-                <a:latin typeface="나눔스퀘어라운드 Regular" panose="020B0600000101010101" pitchFamily="50" charset="-127"/>
-                <a:ea typeface="나눔스퀘어라운드 Regular" panose="020B0600000101010101" pitchFamily="50" charset="-127"/>
-                <a:cs typeface="Ubuntu"/>
-                <a:sym typeface="Ubuntu"/>
-              </a:rPr>
-              <a:t>있음</a:t>
-            </a:r>
-            <a:r>
-              <a:rPr lang="en-US" altLang="ko-KR" sz="1600" dirty="0" smtClean="0">
+              <a:rPr lang="en-US" altLang="ko-KR" sz="1600" dirty="0">
                 <a:solidFill>
                   <a:schemeClr val="dk1"/>
                 </a:solidFill>
@@ -11971,7 +12714,7 @@
               </a:lnSpc>
             </a:pPr>
             <a:r>
-              <a:rPr lang="ko-KR" altLang="en-US" sz="1600" dirty="0" smtClean="0">
+              <a:rPr lang="ko-KR" altLang="en-US" sz="1600" dirty="0">
                 <a:solidFill>
                   <a:schemeClr val="dk1"/>
                 </a:solidFill>
@@ -11995,7 +12738,7 @@
               <a:t>, </a:t>
             </a:r>
             <a:r>
-              <a:rPr lang="ko-KR" altLang="en-US" sz="1600" dirty="0" err="1" smtClean="0">
+              <a:rPr lang="ko-KR" altLang="en-US" sz="1600" dirty="0">
                 <a:solidFill>
                   <a:schemeClr val="dk1"/>
                 </a:solidFill>
@@ -12004,94 +12747,10 @@
                 <a:cs typeface="Ubuntu"/>
                 <a:sym typeface="Ubuntu"/>
               </a:rPr>
-              <a:t>직장뿐만</a:t>
+              <a:t>직장 뿐만 아니라 게임조차도 경쟁을 중시하는 경우가 많으므로 이런 경쟁 속에서 몸과 마음이 지친 현대인들에게 힐링을 줄 수 있는 게임을 만들고자 한다</a:t>
             </a:r>
             <a:r>
-              <a:rPr lang="ko-KR" altLang="en-US" sz="1600" dirty="0" smtClean="0">
-                <a:solidFill>
-                  <a:schemeClr val="dk1"/>
-                </a:solidFill>
-                <a:latin typeface="나눔스퀘어라운드 Regular" panose="020B0600000101010101" pitchFamily="50" charset="-127"/>
-                <a:ea typeface="나눔스퀘어라운드 Regular" panose="020B0600000101010101" pitchFamily="50" charset="-127"/>
-                <a:cs typeface="Ubuntu"/>
-                <a:sym typeface="Ubuntu"/>
-              </a:rPr>
-              <a:t> </a:t>
-            </a:r>
-            <a:r>
-              <a:rPr lang="ko-KR" altLang="en-US" sz="1600" dirty="0">
-                <a:solidFill>
-                  <a:schemeClr val="dk1"/>
-                </a:solidFill>
-                <a:latin typeface="나눔스퀘어라운드 Regular" panose="020B0600000101010101" pitchFamily="50" charset="-127"/>
-                <a:ea typeface="나눔스퀘어라운드 Regular" panose="020B0600000101010101" pitchFamily="50" charset="-127"/>
-                <a:cs typeface="Ubuntu"/>
-                <a:sym typeface="Ubuntu"/>
-              </a:rPr>
-              <a:t>아니라 게임조차도 경쟁을 중시하는 경우가 </a:t>
-            </a:r>
-            <a:r>
-              <a:rPr lang="ko-KR" altLang="en-US" sz="1600" dirty="0" smtClean="0">
-                <a:solidFill>
-                  <a:schemeClr val="dk1"/>
-                </a:solidFill>
-                <a:latin typeface="나눔스퀘어라운드 Regular" panose="020B0600000101010101" pitchFamily="50" charset="-127"/>
-                <a:ea typeface="나눔스퀘어라운드 Regular" panose="020B0600000101010101" pitchFamily="50" charset="-127"/>
-                <a:cs typeface="Ubuntu"/>
-                <a:sym typeface="Ubuntu"/>
-              </a:rPr>
-              <a:t>많으므로 이런 경쟁 </a:t>
-            </a:r>
-            <a:r>
-              <a:rPr lang="ko-KR" altLang="en-US" sz="1600" dirty="0">
-                <a:solidFill>
-                  <a:schemeClr val="dk1"/>
-                </a:solidFill>
-                <a:latin typeface="나눔스퀘어라운드 Regular" panose="020B0600000101010101" pitchFamily="50" charset="-127"/>
-                <a:ea typeface="나눔스퀘어라운드 Regular" panose="020B0600000101010101" pitchFamily="50" charset="-127"/>
-                <a:cs typeface="Ubuntu"/>
-                <a:sym typeface="Ubuntu"/>
-              </a:rPr>
-              <a:t>속에서 몸과 마음이 지친 현대인들에게 </a:t>
-            </a:r>
-            <a:r>
-              <a:rPr lang="ko-KR" altLang="en-US" sz="1600" dirty="0" err="1">
-                <a:solidFill>
-                  <a:schemeClr val="dk1"/>
-                </a:solidFill>
-                <a:latin typeface="나눔스퀘어라운드 Regular" panose="020B0600000101010101" pitchFamily="50" charset="-127"/>
-                <a:ea typeface="나눔스퀘어라운드 Regular" panose="020B0600000101010101" pitchFamily="50" charset="-127"/>
-                <a:cs typeface="Ubuntu"/>
-                <a:sym typeface="Ubuntu"/>
-              </a:rPr>
-              <a:t>힐링을</a:t>
-            </a:r>
-            <a:r>
-              <a:rPr lang="ko-KR" altLang="en-US" sz="1600" dirty="0">
-                <a:solidFill>
-                  <a:schemeClr val="dk1"/>
-                </a:solidFill>
-                <a:latin typeface="나눔스퀘어라운드 Regular" panose="020B0600000101010101" pitchFamily="50" charset="-127"/>
-                <a:ea typeface="나눔스퀘어라운드 Regular" panose="020B0600000101010101" pitchFamily="50" charset="-127"/>
-                <a:cs typeface="Ubuntu"/>
-                <a:sym typeface="Ubuntu"/>
-              </a:rPr>
-              <a:t> 줄 수 있는 </a:t>
-            </a:r>
-            <a:r>
-              <a:rPr lang="ko-KR" altLang="en-US" sz="1600" dirty="0" smtClean="0">
-                <a:solidFill>
-                  <a:schemeClr val="dk1"/>
-                </a:solidFill>
-                <a:latin typeface="나눔스퀘어라운드 Regular" panose="020B0600000101010101" pitchFamily="50" charset="-127"/>
-                <a:ea typeface="나눔스퀘어라운드 Regular" panose="020B0600000101010101" pitchFamily="50" charset="-127"/>
-                <a:cs typeface="Ubuntu"/>
-                <a:sym typeface="Ubuntu"/>
-              </a:rPr>
-              <a:t>게임을 만들고자 함</a:t>
-            </a:r>
-            <a:r>
-              <a:rPr lang="en-US" altLang="ko-KR" sz="1600" dirty="0" smtClean="0">
+              <a:rPr lang="en-US" altLang="ko-KR" sz="1600" dirty="0">
                 <a:solidFill>
                   <a:schemeClr val="dk1"/>
                 </a:solidFill>
@@ -12115,13 +12774,6 @@
   <p:clrMapOvr>
     <a:masterClrMapping/>
   </p:clrMapOvr>
-  <p:timing>
-    <p:tnLst>
-      <p:par>
-        <p:cTn id="1" dur="indefinite" restart="never" nodeType="tmRoot"/>
-      </p:par>
-    </p:tnLst>
-  </p:timing>
 </p:sld>
 </file>
 
@@ -12178,18 +12830,10 @@
                 <a:ea typeface="나눔스퀘어라운드 ExtraBold" panose="020B0600000101010101" pitchFamily="50" charset="-127"/>
                 <a:sym typeface="Arial"/>
               </a:rPr>
-              <a:t>프로젝트 </a:t>
+              <a:t>프로젝트 소개 </a:t>
             </a:r>
             <a:r>
-              <a:rPr lang="ko-KR" altLang="en-US" sz="2400" dirty="0" smtClean="0">
-                <a:latin typeface="나눔스퀘어라운드 ExtraBold" panose="020B0600000101010101" pitchFamily="50" charset="-127"/>
-                <a:ea typeface="나눔스퀘어라운드 ExtraBold" panose="020B0600000101010101" pitchFamily="50" charset="-127"/>
-                <a:sym typeface="Arial"/>
-              </a:rPr>
-              <a:t>소개 </a:t>
-            </a:r>
-            <a:r>
-              <a:rPr lang="en-US" altLang="ko-KR" sz="2400" dirty="0" smtClean="0">
+              <a:rPr lang="en-US" altLang="ko-KR" sz="2400" dirty="0">
                 <a:latin typeface="나눔스퀘어라운드 ExtraBold" panose="020B0600000101010101" pitchFamily="50" charset="-127"/>
                 <a:ea typeface="나눔스퀘어라운드 ExtraBold" panose="020B0600000101010101" pitchFamily="50" charset="-127"/>
                 <a:sym typeface="Arial"/>
@@ -12197,7 +12841,7 @@
               <a:t>– </a:t>
             </a:r>
             <a:r>
-              <a:rPr lang="ko-KR" altLang="en-US" sz="1800" dirty="0" smtClean="0">
+              <a:rPr lang="ko-KR" altLang="en-US" sz="1800" dirty="0">
                 <a:latin typeface="나눔스퀘어라운드 ExtraBold" panose="020B0600000101010101" pitchFamily="50" charset="-127"/>
                 <a:ea typeface="나눔스퀘어라운드 ExtraBold" panose="020B0600000101010101" pitchFamily="50" charset="-127"/>
                 <a:sym typeface="Arial"/>
@@ -12483,7 +13127,39 @@
           <a:p>
             <a:pPr>
               <a:lnSpc>
-                <a:spcPct val="200000"/>
+                <a:spcPct val="150000"/>
+              </a:lnSpc>
+            </a:pPr>
+            <a:endParaRPr lang="en-US" altLang="ko-KR" sz="1600" dirty="0">
+              <a:solidFill>
+                <a:schemeClr val="dk1"/>
+              </a:solidFill>
+              <a:latin typeface="나눔스퀘어라운드 Regular" panose="020B0600000101010101" pitchFamily="50" charset="-127"/>
+              <a:ea typeface="나눔스퀘어라운드 Regular" panose="020B0600000101010101" pitchFamily="50" charset="-127"/>
+              <a:cs typeface="Ubuntu"/>
+              <a:sym typeface="Ubuntu"/>
+            </a:endParaRPr>
+          </a:p>
+          <a:p>
+            <a:pPr>
+              <a:lnSpc>
+                <a:spcPct val="150000"/>
+              </a:lnSpc>
+            </a:pPr>
+            <a:endParaRPr lang="en-US" altLang="ko-KR" sz="1600" dirty="0">
+              <a:solidFill>
+                <a:schemeClr val="dk1"/>
+              </a:solidFill>
+              <a:latin typeface="나눔스퀘어라운드 Regular" panose="020B0600000101010101" pitchFamily="50" charset="-127"/>
+              <a:ea typeface="나눔스퀘어라운드 Regular" panose="020B0600000101010101" pitchFamily="50" charset="-127"/>
+              <a:cs typeface="Ubuntu"/>
+              <a:sym typeface="Ubuntu"/>
+            </a:endParaRPr>
+          </a:p>
+          <a:p>
+            <a:pPr>
+              <a:lnSpc>
+                <a:spcPct val="150000"/>
               </a:lnSpc>
             </a:pPr>
             <a:r>
@@ -12514,7 +13190,7 @@
           <a:p>
             <a:pPr>
               <a:lnSpc>
-                <a:spcPct val="200000"/>
+                <a:spcPct val="150000"/>
               </a:lnSpc>
             </a:pPr>
             <a:r>
@@ -12569,7 +13245,7 @@
           <a:p>
             <a:pPr>
               <a:lnSpc>
-                <a:spcPct val="200000"/>
+                <a:spcPct val="150000"/>
               </a:lnSpc>
             </a:pPr>
             <a:r>
@@ -12620,15 +13296,6 @@
               </a:rPr>
               <a:t>.</a:t>
             </a:r>
-            <a:endParaRPr lang="en-US" altLang="ko-KR" sz="1600" dirty="0" smtClean="0">
-              <a:solidFill>
-                <a:schemeClr val="dk1"/>
-              </a:solidFill>
-              <a:latin typeface="나눔스퀘어라운드 Regular" panose="020B0600000101010101" pitchFamily="50" charset="-127"/>
-              <a:ea typeface="나눔스퀘어라운드 Regular" panose="020B0600000101010101" pitchFamily="50" charset="-127"/>
-              <a:cs typeface="Ubuntu"/>
-              <a:sym typeface="Ubuntu"/>
-            </a:endParaRPr>
           </a:p>
         </p:txBody>
       </p:sp>
@@ -12642,13 +13309,6 @@
   <p:clrMapOvr>
     <a:masterClrMapping/>
   </p:clrMapOvr>
-  <p:timing>
-    <p:tnLst>
-      <p:par>
-        <p:cTn id="1" dur="indefinite" restart="never" nodeType="tmRoot"/>
-      </p:par>
-    </p:tnLst>
-  </p:timing>
 </p:sld>
 </file>
 
@@ -12698,7 +13358,7 @@
               <a:buSzPts val="1800"/>
             </a:pPr>
             <a:r>
-              <a:rPr lang="ko-KR" altLang="en-US" sz="2400" dirty="0" smtClean="0">
+              <a:rPr lang="ko-KR" altLang="en-US" sz="2400" dirty="0">
                 <a:latin typeface="나눔스퀘어라운드 ExtraBold" panose="020B0600000101010101" pitchFamily="50" charset="-127"/>
                 <a:ea typeface="나눔스퀘어라운드 ExtraBold" panose="020B0600000101010101" pitchFamily="50" charset="-127"/>
                 <a:sym typeface="Arial"/>
@@ -12711,7 +13371,7 @@
                 <a:ea typeface="나눔스퀘어라운드 ExtraBold" panose="020B0600000101010101" pitchFamily="50" charset="-127"/>
                 <a:sym typeface="Arial"/>
               </a:rPr>
-              <a:t>-</a:t>
+              <a:t>–</a:t>
             </a:r>
             <a:r>
               <a:rPr lang="en-US" altLang="ko-KR" sz="1800" dirty="0">
@@ -12719,7 +13379,7 @@
                 <a:ea typeface="나눔스퀘어라운드 ExtraBold" panose="020B0600000101010101" pitchFamily="50" charset="-127"/>
                 <a:sym typeface="Arial"/>
               </a:rPr>
-              <a:t> </a:t>
+              <a:t> 2.5D </a:t>
             </a:r>
             <a:r>
               <a:rPr lang="ko-KR" altLang="en-US" sz="1800" dirty="0">
@@ -12727,7 +13387,7 @@
                 <a:ea typeface="나눔스퀘어라운드 ExtraBold" panose="020B0600000101010101" pitchFamily="50" charset="-127"/>
                 <a:sym typeface="Arial"/>
               </a:rPr>
-              <a:t>맵</a:t>
+              <a:t>그래픽</a:t>
             </a:r>
             <a:endParaRPr sz="1800" dirty="0">
               <a:latin typeface="나눔스퀘어라운드 ExtraBold" panose="020B0600000101010101" pitchFamily="50" charset="-127"/>
@@ -13012,7 +13672,7 @@
               </a:lnSpc>
             </a:pPr>
             <a:r>
-              <a:rPr lang="ko-KR" altLang="en-US" sz="1600" dirty="0" smtClean="0">
+              <a:rPr lang="ko-KR" altLang="en-US" sz="1600" dirty="0">
                 <a:solidFill>
                   <a:schemeClr val="dk1"/>
                 </a:solidFill>
@@ -13021,9 +13681,9 @@
                 <a:cs typeface="Ubuntu"/>
                 <a:sym typeface="Ubuntu"/>
               </a:rPr>
-              <a:t>대충 </a:t>
+              <a:t> </a:t>
             </a:r>
-            <a:endParaRPr lang="en-US" altLang="ko-KR" sz="1600" dirty="0" smtClean="0">
+            <a:endParaRPr lang="en-US" altLang="ko-KR" sz="1600" dirty="0">
               <a:solidFill>
                 <a:schemeClr val="dk1"/>
               </a:solidFill>
@@ -13035,23 +13695,493 @@
           </a:p>
         </p:txBody>
       </p:sp>
+      <p:sp>
+        <p:nvSpPr>
+          <p:cNvPr id="5" name="Google Shape;17;p3">
+            <a:extLst>
+              <a:ext uri="{FF2B5EF4-FFF2-40B4-BE49-F238E27FC236}">
+                <a16:creationId xmlns:a16="http://schemas.microsoft.com/office/drawing/2014/main" id="{A3730B3D-068A-4CC7-97EA-8BD263DF6611}"/>
+              </a:ext>
+            </a:extLst>
+          </p:cNvPr>
+          <p:cNvSpPr txBox="1">
+            <a:spLocks/>
+          </p:cNvSpPr>
+          <p:nvPr/>
+        </p:nvSpPr>
+        <p:spPr>
+          <a:xfrm>
+            <a:off x="1420845" y="3712191"/>
+            <a:ext cx="7033260" cy="1005617"/>
+          </a:xfrm>
+          <a:prstGeom prst="rect">
+            <a:avLst/>
+          </a:prstGeom>
+        </p:spPr>
+        <p:txBody>
+          <a:bodyPr spcFirstLastPara="1" wrap="square" lIns="91425" tIns="91425" rIns="91425" bIns="91425" anchor="ctr" anchorCtr="0">
+            <a:noAutofit/>
+          </a:bodyPr>
+          <a:lstStyle>
+            <a:defPPr marR="0" lvl="0" algn="l" rtl="0">
+              <a:lnSpc>
+                <a:spcPct val="100000"/>
+              </a:lnSpc>
+              <a:spcBef>
+                <a:spcPts val="0"/>
+              </a:spcBef>
+              <a:spcAft>
+                <a:spcPts val="0"/>
+              </a:spcAft>
+            </a:defPPr>
+            <a:lvl1pPr marR="0" lvl="0" algn="l" rtl="0">
+              <a:lnSpc>
+                <a:spcPct val="100000"/>
+              </a:lnSpc>
+              <a:spcBef>
+                <a:spcPts val="0"/>
+              </a:spcBef>
+              <a:spcAft>
+                <a:spcPts val="0"/>
+              </a:spcAft>
+              <a:buClr>
+                <a:srgbClr val="000000"/>
+              </a:buClr>
+              <a:buSzPts val="1800"/>
+              <a:buFont typeface="Arial"/>
+              <a:buNone/>
+              <a:defRPr sz="1800" b="0" i="0" u="none" strike="noStrike" cap="none">
+                <a:solidFill>
+                  <a:srgbClr val="000000"/>
+                </a:solidFill>
+                <a:latin typeface="나눔스퀘어라운드 Bold" panose="020B0600000101010101" pitchFamily="50" charset="-127"/>
+                <a:ea typeface="나눔스퀘어라운드 Bold" panose="020B0600000101010101" pitchFamily="50" charset="-127"/>
+                <a:cs typeface="Arial"/>
+                <a:sym typeface="Arial"/>
+              </a:defRPr>
+            </a:lvl1pPr>
+            <a:lvl2pPr marR="0" lvl="1" algn="l" rtl="0">
+              <a:lnSpc>
+                <a:spcPct val="100000"/>
+              </a:lnSpc>
+              <a:spcBef>
+                <a:spcPts val="0"/>
+              </a:spcBef>
+              <a:spcAft>
+                <a:spcPts val="0"/>
+              </a:spcAft>
+              <a:buClr>
+                <a:schemeClr val="lt1"/>
+              </a:buClr>
+              <a:buSzPts val="1800"/>
+              <a:buFont typeface="Arial"/>
+              <a:buNone/>
+              <a:defRPr sz="1800" b="0" i="0" u="none" strike="noStrike" cap="none">
+                <a:solidFill>
+                  <a:schemeClr val="lt1"/>
+                </a:solidFill>
+                <a:latin typeface="Arial"/>
+                <a:ea typeface="Arial"/>
+                <a:cs typeface="Arial"/>
+                <a:sym typeface="Arial"/>
+              </a:defRPr>
+            </a:lvl2pPr>
+            <a:lvl3pPr marR="0" lvl="2" algn="l" rtl="0">
+              <a:lnSpc>
+                <a:spcPct val="100000"/>
+              </a:lnSpc>
+              <a:spcBef>
+                <a:spcPts val="0"/>
+              </a:spcBef>
+              <a:spcAft>
+                <a:spcPts val="0"/>
+              </a:spcAft>
+              <a:buClr>
+                <a:schemeClr val="lt1"/>
+              </a:buClr>
+              <a:buSzPts val="1800"/>
+              <a:buFont typeface="Arial"/>
+              <a:buNone/>
+              <a:defRPr sz="1800" b="0" i="0" u="none" strike="noStrike" cap="none">
+                <a:solidFill>
+                  <a:schemeClr val="lt1"/>
+                </a:solidFill>
+                <a:latin typeface="Arial"/>
+                <a:ea typeface="Arial"/>
+                <a:cs typeface="Arial"/>
+                <a:sym typeface="Arial"/>
+              </a:defRPr>
+            </a:lvl3pPr>
+            <a:lvl4pPr marR="0" lvl="3" algn="l" rtl="0">
+              <a:lnSpc>
+                <a:spcPct val="100000"/>
+              </a:lnSpc>
+              <a:spcBef>
+                <a:spcPts val="0"/>
+              </a:spcBef>
+              <a:spcAft>
+                <a:spcPts val="0"/>
+              </a:spcAft>
+              <a:buClr>
+                <a:schemeClr val="lt1"/>
+              </a:buClr>
+              <a:buSzPts val="1800"/>
+              <a:buFont typeface="Arial"/>
+              <a:buNone/>
+              <a:defRPr sz="1800" b="0" i="0" u="none" strike="noStrike" cap="none">
+                <a:solidFill>
+                  <a:schemeClr val="lt1"/>
+                </a:solidFill>
+                <a:latin typeface="Arial"/>
+                <a:ea typeface="Arial"/>
+                <a:cs typeface="Arial"/>
+                <a:sym typeface="Arial"/>
+              </a:defRPr>
+            </a:lvl4pPr>
+            <a:lvl5pPr marR="0" lvl="4" algn="l" rtl="0">
+              <a:lnSpc>
+                <a:spcPct val="100000"/>
+              </a:lnSpc>
+              <a:spcBef>
+                <a:spcPts val="0"/>
+              </a:spcBef>
+              <a:spcAft>
+                <a:spcPts val="0"/>
+              </a:spcAft>
+              <a:buClr>
+                <a:schemeClr val="lt1"/>
+              </a:buClr>
+              <a:buSzPts val="1800"/>
+              <a:buFont typeface="Arial"/>
+              <a:buNone/>
+              <a:defRPr sz="1800" b="0" i="0" u="none" strike="noStrike" cap="none">
+                <a:solidFill>
+                  <a:schemeClr val="lt1"/>
+                </a:solidFill>
+                <a:latin typeface="Arial"/>
+                <a:ea typeface="Arial"/>
+                <a:cs typeface="Arial"/>
+                <a:sym typeface="Arial"/>
+              </a:defRPr>
+            </a:lvl5pPr>
+            <a:lvl6pPr marR="0" lvl="5" algn="l" rtl="0">
+              <a:lnSpc>
+                <a:spcPct val="100000"/>
+              </a:lnSpc>
+              <a:spcBef>
+                <a:spcPts val="0"/>
+              </a:spcBef>
+              <a:spcAft>
+                <a:spcPts val="0"/>
+              </a:spcAft>
+              <a:buClr>
+                <a:schemeClr val="lt1"/>
+              </a:buClr>
+              <a:buSzPts val="1800"/>
+              <a:buFont typeface="Arial"/>
+              <a:buNone/>
+              <a:defRPr sz="1800" b="0" i="0" u="none" strike="noStrike" cap="none">
+                <a:solidFill>
+                  <a:schemeClr val="lt1"/>
+                </a:solidFill>
+                <a:latin typeface="Arial"/>
+                <a:ea typeface="Arial"/>
+                <a:cs typeface="Arial"/>
+                <a:sym typeface="Arial"/>
+              </a:defRPr>
+            </a:lvl6pPr>
+            <a:lvl7pPr marR="0" lvl="6" algn="l" rtl="0">
+              <a:lnSpc>
+                <a:spcPct val="100000"/>
+              </a:lnSpc>
+              <a:spcBef>
+                <a:spcPts val="0"/>
+              </a:spcBef>
+              <a:spcAft>
+                <a:spcPts val="0"/>
+              </a:spcAft>
+              <a:buClr>
+                <a:schemeClr val="lt1"/>
+              </a:buClr>
+              <a:buSzPts val="1800"/>
+              <a:buFont typeface="Arial"/>
+              <a:buNone/>
+              <a:defRPr sz="1800" b="0" i="0" u="none" strike="noStrike" cap="none">
+                <a:solidFill>
+                  <a:schemeClr val="lt1"/>
+                </a:solidFill>
+                <a:latin typeface="Arial"/>
+                <a:ea typeface="Arial"/>
+                <a:cs typeface="Arial"/>
+                <a:sym typeface="Arial"/>
+              </a:defRPr>
+            </a:lvl7pPr>
+            <a:lvl8pPr marR="0" lvl="7" algn="l" rtl="0">
+              <a:lnSpc>
+                <a:spcPct val="100000"/>
+              </a:lnSpc>
+              <a:spcBef>
+                <a:spcPts val="0"/>
+              </a:spcBef>
+              <a:spcAft>
+                <a:spcPts val="0"/>
+              </a:spcAft>
+              <a:buClr>
+                <a:schemeClr val="lt1"/>
+              </a:buClr>
+              <a:buSzPts val="1800"/>
+              <a:buFont typeface="Arial"/>
+              <a:buNone/>
+              <a:defRPr sz="1800" b="0" i="0" u="none" strike="noStrike" cap="none">
+                <a:solidFill>
+                  <a:schemeClr val="lt1"/>
+                </a:solidFill>
+                <a:latin typeface="Arial"/>
+                <a:ea typeface="Arial"/>
+                <a:cs typeface="Arial"/>
+                <a:sym typeface="Arial"/>
+              </a:defRPr>
+            </a:lvl8pPr>
+            <a:lvl9pPr marR="0" lvl="8" algn="l" rtl="0">
+              <a:lnSpc>
+                <a:spcPct val="100000"/>
+              </a:lnSpc>
+              <a:spcBef>
+                <a:spcPts val="0"/>
+              </a:spcBef>
+              <a:spcAft>
+                <a:spcPts val="0"/>
+              </a:spcAft>
+              <a:buClr>
+                <a:schemeClr val="lt1"/>
+              </a:buClr>
+              <a:buSzPts val="1800"/>
+              <a:buFont typeface="Arial"/>
+              <a:buNone/>
+              <a:defRPr sz="1800" b="0" i="0" u="none" strike="noStrike" cap="none">
+                <a:solidFill>
+                  <a:schemeClr val="lt1"/>
+                </a:solidFill>
+                <a:latin typeface="Arial"/>
+                <a:ea typeface="Arial"/>
+                <a:cs typeface="Arial"/>
+                <a:sym typeface="Arial"/>
+              </a:defRPr>
+            </a:lvl9pPr>
+          </a:lstStyle>
+          <a:p>
+            <a:pPr>
+              <a:lnSpc>
+                <a:spcPct val="150000"/>
+              </a:lnSpc>
+            </a:pPr>
+            <a:r>
+              <a:rPr lang="ko-KR" altLang="en-US" sz="1400" dirty="0">
+                <a:solidFill>
+                  <a:schemeClr val="dk1"/>
+                </a:solidFill>
+                <a:latin typeface="나눔스퀘어라운드 Regular" panose="020B0600000101010101" pitchFamily="50" charset="-127"/>
+                <a:ea typeface="나눔스퀘어라운드 Regular" panose="020B0600000101010101" pitchFamily="50" charset="-127"/>
+                <a:cs typeface="Ubuntu"/>
+                <a:sym typeface="Ubuntu"/>
+              </a:rPr>
+              <a:t> 그림자의 영향을 받는 오브젝트의 경우 </a:t>
+            </a:r>
+            <a:r>
+              <a:rPr lang="en-US" altLang="ko-KR" sz="1400" dirty="0">
+                <a:solidFill>
+                  <a:schemeClr val="dk1"/>
+                </a:solidFill>
+                <a:latin typeface="나눔스퀘어라운드 Regular" panose="020B0600000101010101" pitchFamily="50" charset="-127"/>
+                <a:ea typeface="나눔스퀘어라운드 Regular" panose="020B0600000101010101" pitchFamily="50" charset="-127"/>
+                <a:cs typeface="Ubuntu"/>
+                <a:sym typeface="Ubuntu"/>
+              </a:rPr>
+              <a:t>45</a:t>
+            </a:r>
+            <a:r>
+              <a:rPr lang="ko-KR" altLang="en-US" sz="1400" dirty="0">
+                <a:solidFill>
+                  <a:schemeClr val="dk1"/>
+                </a:solidFill>
+                <a:latin typeface="나눔스퀘어라운드 Regular" panose="020B0600000101010101" pitchFamily="50" charset="-127"/>
+                <a:ea typeface="나눔스퀘어라운드 Regular" panose="020B0600000101010101" pitchFamily="50" charset="-127"/>
+                <a:cs typeface="Ubuntu"/>
+                <a:sym typeface="Ubuntu"/>
+              </a:rPr>
+              <a:t>도 각도로 </a:t>
+            </a:r>
+            <a:r>
+              <a:rPr lang="ko-KR" altLang="en-US" sz="1400" dirty="0" err="1">
+                <a:solidFill>
+                  <a:schemeClr val="dk1"/>
+                </a:solidFill>
+                <a:latin typeface="나눔스퀘어라운드 Regular" panose="020B0600000101010101" pitchFamily="50" charset="-127"/>
+                <a:ea typeface="나눔스퀘어라운드 Regular" panose="020B0600000101010101" pitchFamily="50" charset="-127"/>
+                <a:cs typeface="Ubuntu"/>
+                <a:sym typeface="Ubuntu"/>
+              </a:rPr>
+              <a:t>텍스쳐를</a:t>
+            </a:r>
+            <a:r>
+              <a:rPr lang="ko-KR" altLang="en-US" sz="1400" dirty="0">
+                <a:solidFill>
+                  <a:schemeClr val="dk1"/>
+                </a:solidFill>
+                <a:latin typeface="나눔스퀘어라운드 Regular" panose="020B0600000101010101" pitchFamily="50" charset="-127"/>
+                <a:ea typeface="나눔스퀘어라운드 Regular" panose="020B0600000101010101" pitchFamily="50" charset="-127"/>
+                <a:cs typeface="Ubuntu"/>
+                <a:sym typeface="Ubuntu"/>
+              </a:rPr>
+              <a:t> 기울여주고  </a:t>
+            </a:r>
+            <a:endParaRPr lang="en-US" altLang="ko-KR" sz="1400" dirty="0">
+              <a:solidFill>
+                <a:schemeClr val="dk1"/>
+              </a:solidFill>
+              <a:latin typeface="나눔스퀘어라운드 Regular" panose="020B0600000101010101" pitchFamily="50" charset="-127"/>
+              <a:ea typeface="나눔스퀘어라운드 Regular" panose="020B0600000101010101" pitchFamily="50" charset="-127"/>
+              <a:cs typeface="Ubuntu"/>
+              <a:sym typeface="Ubuntu"/>
+            </a:endParaRPr>
+          </a:p>
+          <a:p>
+            <a:pPr>
+              <a:lnSpc>
+                <a:spcPct val="150000"/>
+              </a:lnSpc>
+            </a:pPr>
+            <a:r>
+              <a:rPr lang="en-US" altLang="ko-KR" sz="1400" dirty="0">
+                <a:solidFill>
+                  <a:schemeClr val="dk1"/>
+                </a:solidFill>
+                <a:latin typeface="나눔스퀘어라운드 Regular" panose="020B0600000101010101" pitchFamily="50" charset="-127"/>
+                <a:ea typeface="나눔스퀘어라운드 Regular" panose="020B0600000101010101" pitchFamily="50" charset="-127"/>
+                <a:cs typeface="Ubuntu"/>
+                <a:sym typeface="Ubuntu"/>
+              </a:rPr>
+              <a:t>y scale </a:t>
+            </a:r>
+            <a:r>
+              <a:rPr lang="ko-KR" altLang="en-US" sz="1400" dirty="0">
+                <a:solidFill>
+                  <a:schemeClr val="dk1"/>
+                </a:solidFill>
+                <a:latin typeface="나눔스퀘어라운드 Regular" panose="020B0600000101010101" pitchFamily="50" charset="-127"/>
+                <a:ea typeface="나눔스퀘어라운드 Regular" panose="020B0600000101010101" pitchFamily="50" charset="-127"/>
+                <a:cs typeface="Ubuntu"/>
+                <a:sym typeface="Ubuntu"/>
+              </a:rPr>
+              <a:t>값에 √</a:t>
+            </a:r>
+            <a:r>
+              <a:rPr lang="en-US" altLang="ko-KR" sz="1400" dirty="0">
+                <a:solidFill>
+                  <a:schemeClr val="dk1"/>
+                </a:solidFill>
+                <a:latin typeface="나눔스퀘어라운드 Regular" panose="020B0600000101010101" pitchFamily="50" charset="-127"/>
+                <a:ea typeface="나눔스퀘어라운드 Regular" panose="020B0600000101010101" pitchFamily="50" charset="-127"/>
+                <a:cs typeface="Ubuntu"/>
+                <a:sym typeface="Ubuntu"/>
+              </a:rPr>
+              <a:t>2</a:t>
+            </a:r>
+            <a:r>
+              <a:rPr lang="ko-KR" altLang="en-US" sz="1400" dirty="0">
+                <a:solidFill>
+                  <a:schemeClr val="dk1"/>
+                </a:solidFill>
+                <a:latin typeface="나눔스퀘어라운드 Regular" panose="020B0600000101010101" pitchFamily="50" charset="-127"/>
+                <a:ea typeface="나눔스퀘어라운드 Regular" panose="020B0600000101010101" pitchFamily="50" charset="-127"/>
+                <a:cs typeface="Ubuntu"/>
+                <a:sym typeface="Ubuntu"/>
+              </a:rPr>
+              <a:t>를 곱하여 정상적으로 보이도록 하는 기본 클래스를 정의하였다</a:t>
+            </a:r>
+            <a:r>
+              <a:rPr lang="en-US" altLang="ko-KR" sz="1400" dirty="0">
+                <a:solidFill>
+                  <a:schemeClr val="dk1"/>
+                </a:solidFill>
+                <a:latin typeface="나눔스퀘어라운드 Regular" panose="020B0600000101010101" pitchFamily="50" charset="-127"/>
+                <a:ea typeface="나눔스퀘어라운드 Regular" panose="020B0600000101010101" pitchFamily="50" charset="-127"/>
+                <a:cs typeface="Ubuntu"/>
+                <a:sym typeface="Ubuntu"/>
+              </a:rPr>
+              <a:t>. </a:t>
+            </a:r>
+          </a:p>
+        </p:txBody>
+      </p:sp>
+      <p:pic>
+        <p:nvPicPr>
+          <p:cNvPr id="2" name="그림 1">
+            <a:extLst>
+              <a:ext uri="{FF2B5EF4-FFF2-40B4-BE49-F238E27FC236}">
+                <a16:creationId xmlns:a16="http://schemas.microsoft.com/office/drawing/2014/main" id="{EA6EFAE8-8343-7142-A0EC-4CA843465551}"/>
+              </a:ext>
+            </a:extLst>
+          </p:cNvPr>
+          <p:cNvPicPr>
+            <a:picLocks noChangeAspect="1"/>
+          </p:cNvPicPr>
+          <p:nvPr/>
+        </p:nvPicPr>
+        <p:blipFill rotWithShape="1">
+          <a:blip r:embed="rId3"/>
+          <a:srcRect l="384" r="8716"/>
+          <a:stretch/>
+        </p:blipFill>
+        <p:spPr>
+          <a:xfrm>
+            <a:off x="1375220" y="1547944"/>
+            <a:ext cx="3114904" cy="2336178"/>
+          </a:xfrm>
+          <a:prstGeom prst="rect">
+            <a:avLst/>
+          </a:prstGeom>
+        </p:spPr>
+      </p:pic>
+      <p:pic>
+        <p:nvPicPr>
+          <p:cNvPr id="7" name="그림 6">
+            <a:extLst>
+              <a:ext uri="{FF2B5EF4-FFF2-40B4-BE49-F238E27FC236}">
+                <a16:creationId xmlns:a16="http://schemas.microsoft.com/office/drawing/2014/main" id="{D75B4FEF-D712-D841-B0E3-3CDD9D862410}"/>
+              </a:ext>
+            </a:extLst>
+          </p:cNvPr>
+          <p:cNvPicPr>
+            <a:picLocks noChangeAspect="1"/>
+          </p:cNvPicPr>
+          <p:nvPr/>
+        </p:nvPicPr>
+        <p:blipFill rotWithShape="1">
+          <a:blip r:embed="rId4"/>
+          <a:srcRect l="9436" r="9436"/>
+          <a:stretch/>
+        </p:blipFill>
+        <p:spPr>
+          <a:xfrm>
+            <a:off x="4670956" y="1547944"/>
+            <a:ext cx="3123361" cy="2342521"/>
+          </a:xfrm>
+          <a:prstGeom prst="rect">
+            <a:avLst/>
+          </a:prstGeom>
+        </p:spPr>
+      </p:pic>
     </p:spTree>
     <p:extLst>
       <p:ext uri="{BB962C8B-B14F-4D97-AF65-F5344CB8AC3E}">
-        <p14:creationId xmlns:p14="http://schemas.microsoft.com/office/powerpoint/2010/main" val="3488734290"/>
+        <p14:creationId xmlns:p14="http://schemas.microsoft.com/office/powerpoint/2010/main" val="2852435316"/>
       </p:ext>
     </p:extLst>
   </p:cSld>
   <p:clrMapOvr>
     <a:masterClrMapping/>
   </p:clrMapOvr>
-  <p:timing>
-    <p:tnLst>
-      <p:par>
-        <p:cTn id="1" dur="indefinite" restart="never" nodeType="tmRoot"/>
-      </p:par>
-    </p:tnLst>
-  </p:timing>
 </p:sld>
 </file>
 
@@ -13101,7 +14231,7 @@
               <a:buSzPts val="1800"/>
             </a:pPr>
             <a:r>
-              <a:rPr lang="ko-KR" altLang="en-US" sz="2400" dirty="0" smtClean="0">
+              <a:rPr lang="ko-KR" altLang="en-US" sz="2400" dirty="0">
                 <a:latin typeface="나눔스퀘어라운드 ExtraBold" panose="020B0600000101010101" pitchFamily="50" charset="-127"/>
                 <a:ea typeface="나눔스퀘어라운드 ExtraBold" panose="020B0600000101010101" pitchFamily="50" charset="-127"/>
                 <a:sym typeface="Arial"/>
@@ -13125,12 +14255,12 @@
               <a:t> </a:t>
             </a:r>
             <a:r>
-              <a:rPr lang="ko-KR" altLang="en-US" sz="1800" dirty="0" smtClean="0">
+              <a:rPr lang="ko-KR" altLang="en-US" sz="1800" dirty="0">
                 <a:latin typeface="나눔스퀘어라운드 ExtraBold" panose="020B0600000101010101" pitchFamily="50" charset="-127"/>
                 <a:ea typeface="나눔스퀘어라운드 ExtraBold" panose="020B0600000101010101" pitchFamily="50" charset="-127"/>
                 <a:sym typeface="Arial"/>
               </a:rPr>
-              <a:t>캐릭터</a:t>
+              <a:t>맵</a:t>
             </a:r>
             <a:endParaRPr sz="1800" dirty="0">
               <a:latin typeface="나눔스퀘어라운드 ExtraBold" panose="020B0600000101010101" pitchFamily="50" charset="-127"/>
@@ -13424,131 +14554,9 @@
                 <a:cs typeface="Ubuntu"/>
                 <a:sym typeface="Ubuntu"/>
               </a:rPr>
-              <a:t>고단한 회사 생활을 하던 주인공 흰둥이는 항상 평화롭고 여유로운 생활을 갈망한다</a:t>
+              <a:t> </a:t>
             </a:r>
-            <a:r>
-              <a:rPr lang="en-US" altLang="ko-KR" sz="1600" dirty="0">
-                <a:solidFill>
-                  <a:schemeClr val="dk1"/>
-                </a:solidFill>
-                <a:latin typeface="나눔스퀘어라운드 Regular" panose="020B0600000101010101" pitchFamily="50" charset="-127"/>
-                <a:ea typeface="나눔스퀘어라운드 Regular" panose="020B0600000101010101" pitchFamily="50" charset="-127"/>
-                <a:cs typeface="Ubuntu"/>
-                <a:sym typeface="Ubuntu"/>
-              </a:rPr>
-              <a:t>. </a:t>
-            </a:r>
-          </a:p>
-          <a:p>
-            <a:pPr>
-              <a:lnSpc>
-                <a:spcPct val="200000"/>
-              </a:lnSpc>
-            </a:pPr>
-            <a:r>
-              <a:rPr lang="ko-KR" altLang="en-US" sz="1600" dirty="0">
-                <a:solidFill>
-                  <a:schemeClr val="dk1"/>
-                </a:solidFill>
-                <a:latin typeface="나눔스퀘어라운드 Regular" panose="020B0600000101010101" pitchFamily="50" charset="-127"/>
-                <a:ea typeface="나눔스퀘어라운드 Regular" panose="020B0600000101010101" pitchFamily="50" charset="-127"/>
-                <a:cs typeface="Ubuntu"/>
-                <a:sym typeface="Ubuntu"/>
-              </a:rPr>
-              <a:t>흰둥이는 오랜 고민 끝에 귀농을 결심하고</a:t>
-            </a:r>
-            <a:r>
-              <a:rPr lang="en-US" altLang="ko-KR" sz="1600" dirty="0">
-                <a:solidFill>
-                  <a:schemeClr val="dk1"/>
-                </a:solidFill>
-                <a:latin typeface="나눔스퀘어라운드 Regular" panose="020B0600000101010101" pitchFamily="50" charset="-127"/>
-                <a:ea typeface="나눔스퀘어라운드 Regular" panose="020B0600000101010101" pitchFamily="50" charset="-127"/>
-                <a:cs typeface="Ubuntu"/>
-                <a:sym typeface="Ubuntu"/>
-              </a:rPr>
-              <a:t>, </a:t>
-            </a:r>
-            <a:r>
-              <a:rPr lang="ko-KR" altLang="en-US" sz="1600" dirty="0">
-                <a:solidFill>
-                  <a:schemeClr val="dk1"/>
-                </a:solidFill>
-                <a:latin typeface="나눔스퀘어라운드 Regular" panose="020B0600000101010101" pitchFamily="50" charset="-127"/>
-                <a:ea typeface="나눔스퀘어라운드 Regular" panose="020B0600000101010101" pitchFamily="50" charset="-127"/>
-                <a:cs typeface="Ubuntu"/>
-                <a:sym typeface="Ubuntu"/>
-              </a:rPr>
-              <a:t>모은 돈으로 시골 작은 땅을 매입하였다</a:t>
-            </a:r>
-            <a:r>
-              <a:rPr lang="en-US" altLang="ko-KR" sz="1600" dirty="0">
-                <a:solidFill>
-                  <a:schemeClr val="dk1"/>
-                </a:solidFill>
-                <a:latin typeface="나눔스퀘어라운드 Regular" panose="020B0600000101010101" pitchFamily="50" charset="-127"/>
-                <a:ea typeface="나눔스퀘어라운드 Regular" panose="020B0600000101010101" pitchFamily="50" charset="-127"/>
-                <a:cs typeface="Ubuntu"/>
-                <a:sym typeface="Ubuntu"/>
-              </a:rPr>
-              <a:t>,</a:t>
-            </a:r>
-          </a:p>
-          <a:p>
-            <a:pPr>
-              <a:lnSpc>
-                <a:spcPct val="200000"/>
-              </a:lnSpc>
-            </a:pPr>
-            <a:r>
-              <a:rPr lang="ko-KR" altLang="en-US" sz="1600" dirty="0">
-                <a:solidFill>
-                  <a:schemeClr val="dk1"/>
-                </a:solidFill>
-                <a:latin typeface="나눔스퀘어라운드 Regular" panose="020B0600000101010101" pitchFamily="50" charset="-127"/>
-                <a:ea typeface="나눔스퀘어라운드 Regular" panose="020B0600000101010101" pitchFamily="50" charset="-127"/>
-                <a:cs typeface="Ubuntu"/>
-                <a:sym typeface="Ubuntu"/>
-              </a:rPr>
-              <a:t>간단한 이사 준비를 마친 흰둥이는 도시를 떠났고</a:t>
-            </a:r>
-            <a:r>
-              <a:rPr lang="en-US" altLang="ko-KR" sz="1600" dirty="0">
-                <a:solidFill>
-                  <a:schemeClr val="dk1"/>
-                </a:solidFill>
-                <a:latin typeface="나눔스퀘어라운드 Regular" panose="020B0600000101010101" pitchFamily="50" charset="-127"/>
-                <a:ea typeface="나눔스퀘어라운드 Regular" panose="020B0600000101010101" pitchFamily="50" charset="-127"/>
-                <a:cs typeface="Ubuntu"/>
-                <a:sym typeface="Ubuntu"/>
-              </a:rPr>
-              <a:t>, </a:t>
-            </a:r>
-            <a:r>
-              <a:rPr lang="ko-KR" altLang="en-US" sz="1600" dirty="0">
-                <a:solidFill>
-                  <a:schemeClr val="dk1"/>
-                </a:solidFill>
-                <a:latin typeface="나눔스퀘어라운드 Regular" panose="020B0600000101010101" pitchFamily="50" charset="-127"/>
-                <a:ea typeface="나눔스퀘어라운드 Regular" panose="020B0600000101010101" pitchFamily="50" charset="-127"/>
-                <a:cs typeface="Ubuntu"/>
-                <a:sym typeface="Ubuntu"/>
-              </a:rPr>
-              <a:t>이렇게 흰둥이의 새로운 생활이 시작되었다</a:t>
-            </a:r>
-            <a:r>
-              <a:rPr lang="en-US" altLang="ko-KR" sz="1600" dirty="0">
-                <a:solidFill>
-                  <a:schemeClr val="dk1"/>
-                </a:solidFill>
-                <a:latin typeface="나눔스퀘어라운드 Regular" panose="020B0600000101010101" pitchFamily="50" charset="-127"/>
-                <a:ea typeface="나눔스퀘어라운드 Regular" panose="020B0600000101010101" pitchFamily="50" charset="-127"/>
-                <a:cs typeface="Ubuntu"/>
-                <a:sym typeface="Ubuntu"/>
-              </a:rPr>
-              <a:t>.</a:t>
-            </a:r>
-            <a:endParaRPr lang="en-US" altLang="ko-KR" sz="1600" dirty="0" smtClean="0">
+            <a:endParaRPr lang="en-US" altLang="ko-KR" sz="1600" dirty="0">
               <a:solidFill>
                 <a:schemeClr val="dk1"/>
               </a:solidFill>
@@ -13560,23 +14568,475 @@
           </a:p>
         </p:txBody>
       </p:sp>
+      <p:sp>
+        <p:nvSpPr>
+          <p:cNvPr id="5" name="Google Shape;17;p3">
+            <a:extLst>
+              <a:ext uri="{FF2B5EF4-FFF2-40B4-BE49-F238E27FC236}">
+                <a16:creationId xmlns:a16="http://schemas.microsoft.com/office/drawing/2014/main" id="{681F0AC1-BA42-42D2-961D-8A56BEBEE759}"/>
+              </a:ext>
+            </a:extLst>
+          </p:cNvPr>
+          <p:cNvSpPr txBox="1">
+            <a:spLocks/>
+          </p:cNvSpPr>
+          <p:nvPr/>
+        </p:nvSpPr>
+        <p:spPr>
+          <a:xfrm>
+            <a:off x="1222953" y="3712191"/>
+            <a:ext cx="7033260" cy="1005617"/>
+          </a:xfrm>
+          <a:prstGeom prst="rect">
+            <a:avLst/>
+          </a:prstGeom>
+        </p:spPr>
+        <p:txBody>
+          <a:bodyPr spcFirstLastPara="1" wrap="square" lIns="91425" tIns="91425" rIns="91425" bIns="91425" anchor="ctr" anchorCtr="0">
+            <a:noAutofit/>
+          </a:bodyPr>
+          <a:lstStyle>
+            <a:defPPr marR="0" lvl="0" algn="l" rtl="0">
+              <a:lnSpc>
+                <a:spcPct val="100000"/>
+              </a:lnSpc>
+              <a:spcBef>
+                <a:spcPts val="0"/>
+              </a:spcBef>
+              <a:spcAft>
+                <a:spcPts val="0"/>
+              </a:spcAft>
+            </a:defPPr>
+            <a:lvl1pPr marR="0" lvl="0" algn="l" rtl="0">
+              <a:lnSpc>
+                <a:spcPct val="100000"/>
+              </a:lnSpc>
+              <a:spcBef>
+                <a:spcPts val="0"/>
+              </a:spcBef>
+              <a:spcAft>
+                <a:spcPts val="0"/>
+              </a:spcAft>
+              <a:buClr>
+                <a:srgbClr val="000000"/>
+              </a:buClr>
+              <a:buSzPts val="1800"/>
+              <a:buFont typeface="Arial"/>
+              <a:buNone/>
+              <a:defRPr sz="1800" b="0" i="0" u="none" strike="noStrike" cap="none">
+                <a:solidFill>
+                  <a:srgbClr val="000000"/>
+                </a:solidFill>
+                <a:latin typeface="나눔스퀘어라운드 Bold" panose="020B0600000101010101" pitchFamily="50" charset="-127"/>
+                <a:ea typeface="나눔스퀘어라운드 Bold" panose="020B0600000101010101" pitchFamily="50" charset="-127"/>
+                <a:cs typeface="Arial"/>
+                <a:sym typeface="Arial"/>
+              </a:defRPr>
+            </a:lvl1pPr>
+            <a:lvl2pPr marR="0" lvl="1" algn="l" rtl="0">
+              <a:lnSpc>
+                <a:spcPct val="100000"/>
+              </a:lnSpc>
+              <a:spcBef>
+                <a:spcPts val="0"/>
+              </a:spcBef>
+              <a:spcAft>
+                <a:spcPts val="0"/>
+              </a:spcAft>
+              <a:buClr>
+                <a:schemeClr val="lt1"/>
+              </a:buClr>
+              <a:buSzPts val="1800"/>
+              <a:buFont typeface="Arial"/>
+              <a:buNone/>
+              <a:defRPr sz="1800" b="0" i="0" u="none" strike="noStrike" cap="none">
+                <a:solidFill>
+                  <a:schemeClr val="lt1"/>
+                </a:solidFill>
+                <a:latin typeface="Arial"/>
+                <a:ea typeface="Arial"/>
+                <a:cs typeface="Arial"/>
+                <a:sym typeface="Arial"/>
+              </a:defRPr>
+            </a:lvl2pPr>
+            <a:lvl3pPr marR="0" lvl="2" algn="l" rtl="0">
+              <a:lnSpc>
+                <a:spcPct val="100000"/>
+              </a:lnSpc>
+              <a:spcBef>
+                <a:spcPts val="0"/>
+              </a:spcBef>
+              <a:spcAft>
+                <a:spcPts val="0"/>
+              </a:spcAft>
+              <a:buClr>
+                <a:schemeClr val="lt1"/>
+              </a:buClr>
+              <a:buSzPts val="1800"/>
+              <a:buFont typeface="Arial"/>
+              <a:buNone/>
+              <a:defRPr sz="1800" b="0" i="0" u="none" strike="noStrike" cap="none">
+                <a:solidFill>
+                  <a:schemeClr val="lt1"/>
+                </a:solidFill>
+                <a:latin typeface="Arial"/>
+                <a:ea typeface="Arial"/>
+                <a:cs typeface="Arial"/>
+                <a:sym typeface="Arial"/>
+              </a:defRPr>
+            </a:lvl3pPr>
+            <a:lvl4pPr marR="0" lvl="3" algn="l" rtl="0">
+              <a:lnSpc>
+                <a:spcPct val="100000"/>
+              </a:lnSpc>
+              <a:spcBef>
+                <a:spcPts val="0"/>
+              </a:spcBef>
+              <a:spcAft>
+                <a:spcPts val="0"/>
+              </a:spcAft>
+              <a:buClr>
+                <a:schemeClr val="lt1"/>
+              </a:buClr>
+              <a:buSzPts val="1800"/>
+              <a:buFont typeface="Arial"/>
+              <a:buNone/>
+              <a:defRPr sz="1800" b="0" i="0" u="none" strike="noStrike" cap="none">
+                <a:solidFill>
+                  <a:schemeClr val="lt1"/>
+                </a:solidFill>
+                <a:latin typeface="Arial"/>
+                <a:ea typeface="Arial"/>
+                <a:cs typeface="Arial"/>
+                <a:sym typeface="Arial"/>
+              </a:defRPr>
+            </a:lvl4pPr>
+            <a:lvl5pPr marR="0" lvl="4" algn="l" rtl="0">
+              <a:lnSpc>
+                <a:spcPct val="100000"/>
+              </a:lnSpc>
+              <a:spcBef>
+                <a:spcPts val="0"/>
+              </a:spcBef>
+              <a:spcAft>
+                <a:spcPts val="0"/>
+              </a:spcAft>
+              <a:buClr>
+                <a:schemeClr val="lt1"/>
+              </a:buClr>
+              <a:buSzPts val="1800"/>
+              <a:buFont typeface="Arial"/>
+              <a:buNone/>
+              <a:defRPr sz="1800" b="0" i="0" u="none" strike="noStrike" cap="none">
+                <a:solidFill>
+                  <a:schemeClr val="lt1"/>
+                </a:solidFill>
+                <a:latin typeface="Arial"/>
+                <a:ea typeface="Arial"/>
+                <a:cs typeface="Arial"/>
+                <a:sym typeface="Arial"/>
+              </a:defRPr>
+            </a:lvl5pPr>
+            <a:lvl6pPr marR="0" lvl="5" algn="l" rtl="0">
+              <a:lnSpc>
+                <a:spcPct val="100000"/>
+              </a:lnSpc>
+              <a:spcBef>
+                <a:spcPts val="0"/>
+              </a:spcBef>
+              <a:spcAft>
+                <a:spcPts val="0"/>
+              </a:spcAft>
+              <a:buClr>
+                <a:schemeClr val="lt1"/>
+              </a:buClr>
+              <a:buSzPts val="1800"/>
+              <a:buFont typeface="Arial"/>
+              <a:buNone/>
+              <a:defRPr sz="1800" b="0" i="0" u="none" strike="noStrike" cap="none">
+                <a:solidFill>
+                  <a:schemeClr val="lt1"/>
+                </a:solidFill>
+                <a:latin typeface="Arial"/>
+                <a:ea typeface="Arial"/>
+                <a:cs typeface="Arial"/>
+                <a:sym typeface="Arial"/>
+              </a:defRPr>
+            </a:lvl6pPr>
+            <a:lvl7pPr marR="0" lvl="6" algn="l" rtl="0">
+              <a:lnSpc>
+                <a:spcPct val="100000"/>
+              </a:lnSpc>
+              <a:spcBef>
+                <a:spcPts val="0"/>
+              </a:spcBef>
+              <a:spcAft>
+                <a:spcPts val="0"/>
+              </a:spcAft>
+              <a:buClr>
+                <a:schemeClr val="lt1"/>
+              </a:buClr>
+              <a:buSzPts val="1800"/>
+              <a:buFont typeface="Arial"/>
+              <a:buNone/>
+              <a:defRPr sz="1800" b="0" i="0" u="none" strike="noStrike" cap="none">
+                <a:solidFill>
+                  <a:schemeClr val="lt1"/>
+                </a:solidFill>
+                <a:latin typeface="Arial"/>
+                <a:ea typeface="Arial"/>
+                <a:cs typeface="Arial"/>
+                <a:sym typeface="Arial"/>
+              </a:defRPr>
+            </a:lvl7pPr>
+            <a:lvl8pPr marR="0" lvl="7" algn="l" rtl="0">
+              <a:lnSpc>
+                <a:spcPct val="100000"/>
+              </a:lnSpc>
+              <a:spcBef>
+                <a:spcPts val="0"/>
+              </a:spcBef>
+              <a:spcAft>
+                <a:spcPts val="0"/>
+              </a:spcAft>
+              <a:buClr>
+                <a:schemeClr val="lt1"/>
+              </a:buClr>
+              <a:buSzPts val="1800"/>
+              <a:buFont typeface="Arial"/>
+              <a:buNone/>
+              <a:defRPr sz="1800" b="0" i="0" u="none" strike="noStrike" cap="none">
+                <a:solidFill>
+                  <a:schemeClr val="lt1"/>
+                </a:solidFill>
+                <a:latin typeface="Arial"/>
+                <a:ea typeface="Arial"/>
+                <a:cs typeface="Arial"/>
+                <a:sym typeface="Arial"/>
+              </a:defRPr>
+            </a:lvl8pPr>
+            <a:lvl9pPr marR="0" lvl="8" algn="l" rtl="0">
+              <a:lnSpc>
+                <a:spcPct val="100000"/>
+              </a:lnSpc>
+              <a:spcBef>
+                <a:spcPts val="0"/>
+              </a:spcBef>
+              <a:spcAft>
+                <a:spcPts val="0"/>
+              </a:spcAft>
+              <a:buClr>
+                <a:schemeClr val="lt1"/>
+              </a:buClr>
+              <a:buSzPts val="1800"/>
+              <a:buFont typeface="Arial"/>
+              <a:buNone/>
+              <a:defRPr sz="1800" b="0" i="0" u="none" strike="noStrike" cap="none">
+                <a:solidFill>
+                  <a:schemeClr val="lt1"/>
+                </a:solidFill>
+                <a:latin typeface="Arial"/>
+                <a:ea typeface="Arial"/>
+                <a:cs typeface="Arial"/>
+                <a:sym typeface="Arial"/>
+              </a:defRPr>
+            </a:lvl9pPr>
+          </a:lstStyle>
+          <a:p>
+            <a:pPr>
+              <a:lnSpc>
+                <a:spcPct val="150000"/>
+              </a:lnSpc>
+            </a:pPr>
+            <a:r>
+              <a:rPr lang="ko-KR" altLang="en-US" sz="1400" dirty="0" err="1">
+                <a:solidFill>
+                  <a:schemeClr val="dk1"/>
+                </a:solidFill>
+                <a:latin typeface="나눔스퀘어라운드 Regular" panose="020B0600000101010101" pitchFamily="50" charset="-127"/>
+                <a:ea typeface="나눔스퀘어라운드 Regular" panose="020B0600000101010101" pitchFamily="50" charset="-127"/>
+                <a:cs typeface="Ubuntu"/>
+                <a:sym typeface="Ubuntu"/>
+              </a:rPr>
+              <a:t>맵은</a:t>
+            </a:r>
+            <a:r>
+              <a:rPr lang="ko-KR" altLang="en-US" sz="1400" dirty="0">
+                <a:solidFill>
+                  <a:schemeClr val="dk1"/>
+                </a:solidFill>
+                <a:latin typeface="나눔스퀘어라운드 Regular" panose="020B0600000101010101" pitchFamily="50" charset="-127"/>
+                <a:ea typeface="나눔스퀘어라운드 Regular" panose="020B0600000101010101" pitchFamily="50" charset="-127"/>
+                <a:cs typeface="Ubuntu"/>
+                <a:sym typeface="Ubuntu"/>
+              </a:rPr>
+              <a:t> 총 </a:t>
+            </a:r>
+            <a:r>
+              <a:rPr lang="en-US" altLang="ko-KR" sz="1400" dirty="0">
+                <a:solidFill>
+                  <a:schemeClr val="dk1"/>
+                </a:solidFill>
+                <a:latin typeface="나눔스퀘어라운드 Regular" panose="020B0600000101010101" pitchFamily="50" charset="-127"/>
+                <a:ea typeface="나눔스퀘어라운드 Regular" panose="020B0600000101010101" pitchFamily="50" charset="-127"/>
+                <a:cs typeface="Ubuntu"/>
+                <a:sym typeface="Ubuntu"/>
+              </a:rPr>
+              <a:t>8</a:t>
+            </a:r>
+            <a:r>
+              <a:rPr lang="ko-KR" altLang="en-US" sz="1400" dirty="0">
+                <a:solidFill>
+                  <a:schemeClr val="dk1"/>
+                </a:solidFill>
+                <a:latin typeface="나눔스퀘어라운드 Regular" panose="020B0600000101010101" pitchFamily="50" charset="-127"/>
+                <a:ea typeface="나눔스퀘어라운드 Regular" panose="020B0600000101010101" pitchFamily="50" charset="-127"/>
+                <a:cs typeface="Ubuntu"/>
+                <a:sym typeface="Ubuntu"/>
+              </a:rPr>
+              <a:t>층으로 구분되어  있으며</a:t>
+            </a:r>
+            <a:r>
+              <a:rPr lang="en-US" altLang="ko-KR" sz="1400" dirty="0">
+                <a:solidFill>
+                  <a:schemeClr val="dk1"/>
+                </a:solidFill>
+                <a:latin typeface="나눔스퀘어라운드 Regular" panose="020B0600000101010101" pitchFamily="50" charset="-127"/>
+                <a:ea typeface="나눔스퀘어라운드 Regular" panose="020B0600000101010101" pitchFamily="50" charset="-127"/>
+                <a:cs typeface="Ubuntu"/>
+                <a:sym typeface="Ubuntu"/>
+              </a:rPr>
+              <a:t>, </a:t>
+            </a:r>
+            <a:r>
+              <a:rPr lang="ko-KR" altLang="en-US" sz="1400" dirty="0">
+                <a:solidFill>
+                  <a:schemeClr val="dk1"/>
+                </a:solidFill>
+                <a:latin typeface="나눔스퀘어라운드 Regular" panose="020B0600000101010101" pitchFamily="50" charset="-127"/>
+                <a:ea typeface="나눔스퀘어라운드 Regular" panose="020B0600000101010101" pitchFamily="50" charset="-127"/>
+                <a:cs typeface="Ubuntu"/>
+                <a:sym typeface="Ubuntu"/>
+              </a:rPr>
+              <a:t>각 층마다 타일 층과 이벤트 층을 분리하여 유연하게 </a:t>
+            </a:r>
+            <a:r>
+              <a:rPr lang="ko-KR" altLang="en-US" sz="1400" dirty="0" err="1">
+                <a:solidFill>
+                  <a:schemeClr val="dk1"/>
+                </a:solidFill>
+                <a:latin typeface="나눔스퀘어라운드 Regular" panose="020B0600000101010101" pitchFamily="50" charset="-127"/>
+                <a:ea typeface="나눔스퀘어라운드 Regular" panose="020B0600000101010101" pitchFamily="50" charset="-127"/>
+                <a:cs typeface="Ubuntu"/>
+                <a:sym typeface="Ubuntu"/>
+              </a:rPr>
+              <a:t>맵을</a:t>
+            </a:r>
+            <a:r>
+              <a:rPr lang="ko-KR" altLang="en-US" sz="1400" dirty="0">
+                <a:solidFill>
+                  <a:schemeClr val="dk1"/>
+                </a:solidFill>
+                <a:latin typeface="나눔스퀘어라운드 Regular" panose="020B0600000101010101" pitchFamily="50" charset="-127"/>
+                <a:ea typeface="나눔스퀘어라운드 Regular" panose="020B0600000101010101" pitchFamily="50" charset="-127"/>
+                <a:cs typeface="Ubuntu"/>
+                <a:sym typeface="Ubuntu"/>
+              </a:rPr>
+              <a:t> 배치할  수 있도록 구현했다</a:t>
+            </a:r>
+            <a:r>
+              <a:rPr lang="en-US" altLang="ko-KR" sz="1400" dirty="0">
+                <a:solidFill>
+                  <a:schemeClr val="dk1"/>
+                </a:solidFill>
+                <a:latin typeface="나눔스퀘어라운드 Regular" panose="020B0600000101010101" pitchFamily="50" charset="-127"/>
+                <a:ea typeface="나눔스퀘어라운드 Regular" panose="020B0600000101010101" pitchFamily="50" charset="-127"/>
+                <a:cs typeface="Ubuntu"/>
+                <a:sym typeface="Ubuntu"/>
+              </a:rPr>
+              <a:t>.</a:t>
+            </a:r>
+            <a:endParaRPr lang="ko-KR" altLang="en-US" sz="1400" dirty="0">
+              <a:solidFill>
+                <a:schemeClr val="dk1"/>
+              </a:solidFill>
+              <a:latin typeface="나눔스퀘어라운드 Regular" panose="020B0600000101010101" pitchFamily="50" charset="-127"/>
+              <a:ea typeface="나눔스퀘어라운드 Regular" panose="020B0600000101010101" pitchFamily="50" charset="-127"/>
+              <a:cs typeface="Ubuntu"/>
+              <a:sym typeface="Ubuntu"/>
+            </a:endParaRPr>
+          </a:p>
+        </p:txBody>
+      </p:sp>
+      <p:pic>
+        <p:nvPicPr>
+          <p:cNvPr id="2" name="그림 1">
+            <a:extLst>
+              <a:ext uri="{FF2B5EF4-FFF2-40B4-BE49-F238E27FC236}">
+                <a16:creationId xmlns:a16="http://schemas.microsoft.com/office/drawing/2014/main" id="{40FF2AD4-96A2-B647-A517-0468B993E497}"/>
+              </a:ext>
+            </a:extLst>
+          </p:cNvPr>
+          <p:cNvPicPr>
+            <a:picLocks noChangeAspect="1"/>
+          </p:cNvPicPr>
+          <p:nvPr/>
+        </p:nvPicPr>
+        <p:blipFill rotWithShape="1">
+          <a:blip r:embed="rId3"/>
+          <a:srcRect l="3718" r="3718"/>
+          <a:stretch/>
+        </p:blipFill>
+        <p:spPr>
+          <a:xfrm>
+            <a:off x="4145762" y="1446421"/>
+            <a:ext cx="3160560" cy="2370420"/>
+          </a:xfrm>
+          <a:prstGeom prst="rect">
+            <a:avLst/>
+          </a:prstGeom>
+        </p:spPr>
+      </p:pic>
+      <p:pic>
+        <p:nvPicPr>
+          <p:cNvPr id="6" name="그림 5">
+            <a:extLst>
+              <a:ext uri="{FF2B5EF4-FFF2-40B4-BE49-F238E27FC236}">
+                <a16:creationId xmlns:a16="http://schemas.microsoft.com/office/drawing/2014/main" id="{44E05050-0DD6-5E47-8C32-80F79136CFCB}"/>
+              </a:ext>
+            </a:extLst>
+          </p:cNvPr>
+          <p:cNvPicPr>
+            <a:picLocks noChangeAspect="1"/>
+          </p:cNvPicPr>
+          <p:nvPr/>
+        </p:nvPicPr>
+        <p:blipFill>
+          <a:blip r:embed="rId4"/>
+          <a:stretch>
+            <a:fillRect/>
+          </a:stretch>
+        </p:blipFill>
+        <p:spPr>
+          <a:xfrm>
+            <a:off x="2158871" y="1446421"/>
+            <a:ext cx="1561905" cy="2370420"/>
+          </a:xfrm>
+          <a:prstGeom prst="rect">
+            <a:avLst/>
+          </a:prstGeom>
+        </p:spPr>
+      </p:pic>
     </p:spTree>
     <p:extLst>
       <p:ext uri="{BB962C8B-B14F-4D97-AF65-F5344CB8AC3E}">
-        <p14:creationId xmlns:p14="http://schemas.microsoft.com/office/powerpoint/2010/main" val="377177494"/>
+        <p14:creationId xmlns:p14="http://schemas.microsoft.com/office/powerpoint/2010/main" val="3488734290"/>
       </p:ext>
     </p:extLst>
   </p:cSld>
   <p:clrMapOvr>
     <a:masterClrMapping/>
   </p:clrMapOvr>
-  <p:timing>
-    <p:tnLst>
-      <p:par>
-        <p:cTn id="1" dur="indefinite" restart="never" nodeType="tmRoot"/>
-      </p:par>
-    </p:tnLst>
-  </p:timing>
 </p:sld>
 </file>
 
@@ -13626,7 +15086,7 @@
               <a:buSzPts val="1800"/>
             </a:pPr>
             <a:r>
-              <a:rPr lang="ko-KR" altLang="en-US" sz="2400" dirty="0" smtClean="0">
+              <a:rPr lang="ko-KR" altLang="en-US" sz="2400" dirty="0">
                 <a:latin typeface="나눔스퀘어라운드 ExtraBold" panose="020B0600000101010101" pitchFamily="50" charset="-127"/>
                 <a:ea typeface="나눔스퀘어라운드 ExtraBold" panose="020B0600000101010101" pitchFamily="50" charset="-127"/>
                 <a:sym typeface="Arial"/>
@@ -13634,15 +15094,15 @@
               <a:t>개발 내용 </a:t>
             </a:r>
             <a:r>
-              <a:rPr lang="en-US" altLang="ko-KR" sz="2400" dirty="0" smtClean="0">
+              <a:rPr lang="en-US" altLang="ko-KR" sz="2400" dirty="0">
                 <a:latin typeface="나눔스퀘어라운드 ExtraBold" panose="020B0600000101010101" pitchFamily="50" charset="-127"/>
                 <a:ea typeface="나눔스퀘어라운드 ExtraBold" panose="020B0600000101010101" pitchFamily="50" charset="-127"/>
                 <a:sym typeface="Arial"/>
               </a:rPr>
-              <a:t>–</a:t>
+              <a:t>-</a:t>
             </a:r>
             <a:r>
-              <a:rPr lang="en-US" altLang="ko-KR" sz="1800" dirty="0" smtClean="0">
+              <a:rPr lang="en-US" altLang="ko-KR" sz="1800" dirty="0">
                 <a:latin typeface="나눔스퀘어라운드 ExtraBold" panose="020B0600000101010101" pitchFamily="50" charset="-127"/>
                 <a:ea typeface="나눔스퀘어라운드 ExtraBold" panose="020B0600000101010101" pitchFamily="50" charset="-127"/>
                 <a:sym typeface="Arial"/>
@@ -13650,12 +15110,12 @@
               <a:t> </a:t>
             </a:r>
             <a:r>
-              <a:rPr lang="ko-KR" altLang="en-US" sz="1800" dirty="0" smtClean="0">
+              <a:rPr lang="ko-KR" altLang="en-US" sz="1800" dirty="0">
                 <a:latin typeface="나눔스퀘어라운드 ExtraBold" panose="020B0600000101010101" pitchFamily="50" charset="-127"/>
                 <a:ea typeface="나눔스퀘어라운드 ExtraBold" panose="020B0600000101010101" pitchFamily="50" charset="-127"/>
                 <a:sym typeface="Arial"/>
               </a:rPr>
-              <a:t>아이템</a:t>
+              <a:t>캐릭터</a:t>
             </a:r>
             <a:endParaRPr sz="1800" dirty="0">
               <a:latin typeface="나눔스퀘어라운드 ExtraBold" panose="020B0600000101010101" pitchFamily="50" charset="-127"/>
@@ -13675,8 +15135,8 @@
         </p:nvSpPr>
         <p:spPr>
           <a:xfrm>
-            <a:off x="1059180" y="373380"/>
-            <a:ext cx="7033260" cy="4289837"/>
+            <a:off x="1059180" y="4148919"/>
+            <a:ext cx="7033260" cy="514298"/>
           </a:xfrm>
           <a:prstGeom prst="rect">
             <a:avLst/>
@@ -13934,13 +15394,13 @@
             </a:lvl9pPr>
           </a:lstStyle>
           <a:p>
-            <a:pPr>
-              <a:lnSpc>
-                <a:spcPct val="200000"/>
+            <a:pPr algn="ctr">
+              <a:lnSpc>
+                <a:spcPct val="150000"/>
               </a:lnSpc>
             </a:pPr>
             <a:r>
-              <a:rPr lang="ko-KR" altLang="en-US" sz="1600" dirty="0">
+              <a:rPr lang="ko-KR" altLang="en-US" sz="1400" dirty="0">
                 <a:solidFill>
                   <a:schemeClr val="dk1"/>
                 </a:solidFill>
@@ -13949,120 +15409,10 @@
                 <a:cs typeface="Ubuntu"/>
                 <a:sym typeface="Ubuntu"/>
               </a:rPr>
-              <a:t>고단한 회사 생활을 하던 주인공 흰둥이는 항상 평화롭고 여유로운 생활을 갈망한다</a:t>
+              <a:t>캐릭터의 다양한 기능들을 모듈 형식으로 구현했다</a:t>
             </a:r>
             <a:r>
-              <a:rPr lang="en-US" altLang="ko-KR" sz="1600" dirty="0">
-                <a:solidFill>
-                  <a:schemeClr val="dk1"/>
-                </a:solidFill>
-                <a:latin typeface="나눔스퀘어라운드 Regular" panose="020B0600000101010101" pitchFamily="50" charset="-127"/>
-                <a:ea typeface="나눔스퀘어라운드 Regular" panose="020B0600000101010101" pitchFamily="50" charset="-127"/>
-                <a:cs typeface="Ubuntu"/>
-                <a:sym typeface="Ubuntu"/>
-              </a:rPr>
-              <a:t>. </a:t>
-            </a:r>
-          </a:p>
-          <a:p>
-            <a:pPr>
-              <a:lnSpc>
-                <a:spcPct val="200000"/>
-              </a:lnSpc>
-            </a:pPr>
-            <a:r>
-              <a:rPr lang="ko-KR" altLang="en-US" sz="1600" dirty="0">
-                <a:solidFill>
-                  <a:schemeClr val="dk1"/>
-                </a:solidFill>
-                <a:latin typeface="나눔스퀘어라운드 Regular" panose="020B0600000101010101" pitchFamily="50" charset="-127"/>
-                <a:ea typeface="나눔스퀘어라운드 Regular" panose="020B0600000101010101" pitchFamily="50" charset="-127"/>
-                <a:cs typeface="Ubuntu"/>
-                <a:sym typeface="Ubuntu"/>
-              </a:rPr>
-              <a:t>흰둥이는 오랜 고민 끝에 귀농을 결심하고</a:t>
-            </a:r>
-            <a:r>
-              <a:rPr lang="en-US" altLang="ko-KR" sz="1600" dirty="0">
-                <a:solidFill>
-                  <a:schemeClr val="dk1"/>
-                </a:solidFill>
-                <a:latin typeface="나눔스퀘어라운드 Regular" panose="020B0600000101010101" pitchFamily="50" charset="-127"/>
-                <a:ea typeface="나눔스퀘어라운드 Regular" panose="020B0600000101010101" pitchFamily="50" charset="-127"/>
-                <a:cs typeface="Ubuntu"/>
-                <a:sym typeface="Ubuntu"/>
-              </a:rPr>
-              <a:t>, </a:t>
-            </a:r>
-            <a:r>
-              <a:rPr lang="ko-KR" altLang="en-US" sz="1600" dirty="0">
-                <a:solidFill>
-                  <a:schemeClr val="dk1"/>
-                </a:solidFill>
-                <a:latin typeface="나눔스퀘어라운드 Regular" panose="020B0600000101010101" pitchFamily="50" charset="-127"/>
-                <a:ea typeface="나눔스퀘어라운드 Regular" panose="020B0600000101010101" pitchFamily="50" charset="-127"/>
-                <a:cs typeface="Ubuntu"/>
-                <a:sym typeface="Ubuntu"/>
-              </a:rPr>
-              <a:t>모은 돈으로 시골 작은 땅을 매입하였다</a:t>
-            </a:r>
-            <a:r>
-              <a:rPr lang="en-US" altLang="ko-KR" sz="1600" dirty="0">
-                <a:solidFill>
-                  <a:schemeClr val="dk1"/>
-                </a:solidFill>
-                <a:latin typeface="나눔스퀘어라운드 Regular" panose="020B0600000101010101" pitchFamily="50" charset="-127"/>
-                <a:ea typeface="나눔스퀘어라운드 Regular" panose="020B0600000101010101" pitchFamily="50" charset="-127"/>
-                <a:cs typeface="Ubuntu"/>
-                <a:sym typeface="Ubuntu"/>
-              </a:rPr>
-              <a:t>,</a:t>
-            </a:r>
-          </a:p>
-          <a:p>
-            <a:pPr>
-              <a:lnSpc>
-                <a:spcPct val="200000"/>
-              </a:lnSpc>
-            </a:pPr>
-            <a:r>
-              <a:rPr lang="ko-KR" altLang="en-US" sz="1600" dirty="0">
-                <a:solidFill>
-                  <a:schemeClr val="dk1"/>
-                </a:solidFill>
-                <a:latin typeface="나눔스퀘어라운드 Regular" panose="020B0600000101010101" pitchFamily="50" charset="-127"/>
-                <a:ea typeface="나눔스퀘어라운드 Regular" panose="020B0600000101010101" pitchFamily="50" charset="-127"/>
-                <a:cs typeface="Ubuntu"/>
-                <a:sym typeface="Ubuntu"/>
-              </a:rPr>
-              <a:t>간단한 이사 준비를 마친 흰둥이는 도시를 떠났고</a:t>
-            </a:r>
-            <a:r>
-              <a:rPr lang="en-US" altLang="ko-KR" sz="1600" dirty="0">
-                <a:solidFill>
-                  <a:schemeClr val="dk1"/>
-                </a:solidFill>
-                <a:latin typeface="나눔스퀘어라운드 Regular" panose="020B0600000101010101" pitchFamily="50" charset="-127"/>
-                <a:ea typeface="나눔스퀘어라운드 Regular" panose="020B0600000101010101" pitchFamily="50" charset="-127"/>
-                <a:cs typeface="Ubuntu"/>
-                <a:sym typeface="Ubuntu"/>
-              </a:rPr>
-              <a:t>, </a:t>
-            </a:r>
-            <a:r>
-              <a:rPr lang="ko-KR" altLang="en-US" sz="1600" dirty="0">
-                <a:solidFill>
-                  <a:schemeClr val="dk1"/>
-                </a:solidFill>
-                <a:latin typeface="나눔스퀘어라운드 Regular" panose="020B0600000101010101" pitchFamily="50" charset="-127"/>
-                <a:ea typeface="나눔스퀘어라운드 Regular" panose="020B0600000101010101" pitchFamily="50" charset="-127"/>
-                <a:cs typeface="Ubuntu"/>
-                <a:sym typeface="Ubuntu"/>
-              </a:rPr>
-              <a:t>이렇게 흰둥이의 새로운 생활이 시작되었다</a:t>
-            </a:r>
-            <a:r>
-              <a:rPr lang="en-US" altLang="ko-KR" sz="1600" dirty="0">
+              <a:rPr lang="en-US" altLang="ko-KR" sz="1400" dirty="0">
                 <a:solidFill>
                   <a:schemeClr val="dk1"/>
                 </a:solidFill>
@@ -14073,35 +15423,79 @@
               </a:rPr>
               <a:t>.</a:t>
             </a:r>
-            <a:endParaRPr lang="en-US" altLang="ko-KR" sz="1600" dirty="0" smtClean="0">
-              <a:solidFill>
-                <a:schemeClr val="dk1"/>
-              </a:solidFill>
-              <a:latin typeface="나눔스퀘어라운드 Regular" panose="020B0600000101010101" pitchFamily="50" charset="-127"/>
-              <a:ea typeface="나눔스퀘어라운드 Regular" panose="020B0600000101010101" pitchFamily="50" charset="-127"/>
-              <a:cs typeface="Ubuntu"/>
-              <a:sym typeface="Ubuntu"/>
-            </a:endParaRPr>
           </a:p>
         </p:txBody>
       </p:sp>
+      <p:pic>
+        <p:nvPicPr>
+          <p:cNvPr id="3" name="그림 2">
+            <a:extLst>
+              <a:ext uri="{FF2B5EF4-FFF2-40B4-BE49-F238E27FC236}">
+                <a16:creationId xmlns:a16="http://schemas.microsoft.com/office/drawing/2014/main" id="{919D6EF2-C3B3-4627-8D63-FE6155FBD117}"/>
+              </a:ext>
+            </a:extLst>
+          </p:cNvPr>
+          <p:cNvPicPr>
+            <a:picLocks noChangeAspect="1"/>
+          </p:cNvPicPr>
+          <p:nvPr/>
+        </p:nvPicPr>
+        <p:blipFill>
+          <a:blip r:embed="rId3"/>
+          <a:stretch>
+            <a:fillRect/>
+          </a:stretch>
+        </p:blipFill>
+        <p:spPr>
+          <a:xfrm>
+            <a:off x="4572000" y="1561956"/>
+            <a:ext cx="2153797" cy="2147728"/>
+          </a:xfrm>
+          <a:prstGeom prst="rect">
+            <a:avLst/>
+          </a:prstGeom>
+        </p:spPr>
+      </p:pic>
+      <p:pic>
+        <p:nvPicPr>
+          <p:cNvPr id="5" name="그림 4">
+            <a:extLst>
+              <a:ext uri="{FF2B5EF4-FFF2-40B4-BE49-F238E27FC236}">
+                <a16:creationId xmlns:a16="http://schemas.microsoft.com/office/drawing/2014/main" id="{9F43680D-CE10-4D17-8BA3-D782716AEA86}"/>
+              </a:ext>
+            </a:extLst>
+          </p:cNvPr>
+          <p:cNvPicPr>
+            <a:picLocks noChangeAspect="1"/>
+          </p:cNvPicPr>
+          <p:nvPr/>
+        </p:nvPicPr>
+        <p:blipFill>
+          <a:blip r:embed="rId4"/>
+          <a:stretch>
+            <a:fillRect/>
+          </a:stretch>
+        </p:blipFill>
+        <p:spPr>
+          <a:xfrm>
+            <a:off x="2276839" y="1557639"/>
+            <a:ext cx="2041331" cy="2298642"/>
+          </a:xfrm>
+          <a:prstGeom prst="rect">
+            <a:avLst/>
+          </a:prstGeom>
+        </p:spPr>
+      </p:pic>
     </p:spTree>
     <p:extLst>
       <p:ext uri="{BB962C8B-B14F-4D97-AF65-F5344CB8AC3E}">
-        <p14:creationId xmlns:p14="http://schemas.microsoft.com/office/powerpoint/2010/main" val="2123794138"/>
+        <p14:creationId xmlns:p14="http://schemas.microsoft.com/office/powerpoint/2010/main" val="377177494"/>
       </p:ext>
     </p:extLst>
   </p:cSld>
   <p:clrMapOvr>
     <a:masterClrMapping/>
   </p:clrMapOvr>
-  <p:timing>
-    <p:tnLst>
-      <p:par>
-        <p:cTn id="1" dur="indefinite" restart="never" nodeType="tmRoot"/>
-      </p:par>
-    </p:tnLst>
-  </p:timing>
 </p:sld>
 </file>
 
@@ -14151,7 +15545,7 @@
               <a:buSzPts val="1800"/>
             </a:pPr>
             <a:r>
-              <a:rPr lang="ko-KR" altLang="en-US" sz="2400" dirty="0" smtClean="0">
+              <a:rPr lang="ko-KR" altLang="en-US" sz="2400" dirty="0">
                 <a:latin typeface="나눔스퀘어라운드 ExtraBold" panose="020B0600000101010101" pitchFamily="50" charset="-127"/>
                 <a:ea typeface="나눔스퀘어라운드 ExtraBold" panose="020B0600000101010101" pitchFamily="50" charset="-127"/>
                 <a:sym typeface="Arial"/>
@@ -14159,7 +15553,7 @@
               <a:t>개발 내용 </a:t>
             </a:r>
             <a:r>
-              <a:rPr lang="en-US" altLang="ko-KR" sz="2400" dirty="0" smtClean="0">
+              <a:rPr lang="en-US" altLang="ko-KR" sz="2400" dirty="0">
                 <a:latin typeface="나눔스퀘어라운드 ExtraBold" panose="020B0600000101010101" pitchFamily="50" charset="-127"/>
                 <a:ea typeface="나눔스퀘어라운드 ExtraBold" panose="020B0600000101010101" pitchFamily="50" charset="-127"/>
                 <a:sym typeface="Arial"/>
@@ -14167,7 +15561,7 @@
               <a:t>–</a:t>
             </a:r>
             <a:r>
-              <a:rPr lang="en-US" altLang="ko-KR" sz="1800" dirty="0" smtClean="0">
+              <a:rPr lang="en-US" altLang="ko-KR" sz="1800" dirty="0">
                 <a:latin typeface="나눔스퀘어라운드 ExtraBold" panose="020B0600000101010101" pitchFamily="50" charset="-127"/>
                 <a:ea typeface="나눔스퀘어라운드 ExtraBold" panose="020B0600000101010101" pitchFamily="50" charset="-127"/>
                 <a:sym typeface="Arial"/>
@@ -14175,12 +15569,12 @@
               <a:t> </a:t>
             </a:r>
             <a:r>
-              <a:rPr lang="ko-KR" altLang="en-US" sz="1800" dirty="0" smtClean="0">
+              <a:rPr lang="ko-KR" altLang="en-US" sz="1800" dirty="0">
                 <a:latin typeface="나눔스퀘어라운드 ExtraBold" panose="020B0600000101010101" pitchFamily="50" charset="-127"/>
                 <a:ea typeface="나눔스퀘어라운드 ExtraBold" panose="020B0600000101010101" pitchFamily="50" charset="-127"/>
                 <a:sym typeface="Arial"/>
               </a:rPr>
-              <a:t>작물 성장</a:t>
+              <a:t>게임 데이터</a:t>
             </a:r>
             <a:endParaRPr sz="1800" dirty="0">
               <a:latin typeface="나눔스퀘어라운드 ExtraBold" panose="020B0600000101010101" pitchFamily="50" charset="-127"/>
@@ -14200,8 +15594,8 @@
         </p:nvSpPr>
         <p:spPr>
           <a:xfrm>
-            <a:off x="1059180" y="373380"/>
-            <a:ext cx="7033260" cy="4289837"/>
+            <a:off x="426128" y="3732681"/>
+            <a:ext cx="8282865" cy="835020"/>
           </a:xfrm>
           <a:prstGeom prst="rect">
             <a:avLst/>
@@ -14459,13 +15853,13 @@
             </a:lvl9pPr>
           </a:lstStyle>
           <a:p>
-            <a:pPr>
-              <a:lnSpc>
-                <a:spcPct val="200000"/>
+            <a:pPr algn="ctr">
+              <a:lnSpc>
+                <a:spcPct val="150000"/>
               </a:lnSpc>
             </a:pPr>
             <a:r>
-              <a:rPr lang="ko-KR" altLang="en-US" sz="1600" dirty="0">
+              <a:rPr lang="ko-KR" altLang="en-US" sz="1400" dirty="0">
                 <a:solidFill>
                   <a:schemeClr val="dk1"/>
                 </a:solidFill>
@@ -14474,10 +15868,10 @@
                 <a:cs typeface="Ubuntu"/>
                 <a:sym typeface="Ubuntu"/>
               </a:rPr>
-              <a:t>고단한 회사 생활을 하던 주인공 흰둥이는 항상 평화롭고 여유로운 생활을 갈망한다</a:t>
+              <a:t>게임 데이터는 </a:t>
             </a:r>
             <a:r>
-              <a:rPr lang="en-US" altLang="ko-KR" sz="1600" dirty="0">
+              <a:rPr lang="ko-KR" altLang="en-US" sz="1400" dirty="0" err="1">
                 <a:solidFill>
                   <a:schemeClr val="dk1"/>
                 </a:solidFill>
@@ -14486,17 +15880,10 @@
                 <a:cs typeface="Ubuntu"/>
                 <a:sym typeface="Ubuntu"/>
               </a:rPr>
-              <a:t>. </a:t>
+              <a:t>스크립터블</a:t>
             </a:r>
-          </a:p>
-          <a:p>
-            <a:pPr>
-              <a:lnSpc>
-                <a:spcPct val="200000"/>
-              </a:lnSpc>
-            </a:pPr>
             <a:r>
-              <a:rPr lang="ko-KR" altLang="en-US" sz="1600" dirty="0">
+              <a:rPr lang="ko-KR" altLang="en-US" sz="1400" dirty="0">
                 <a:solidFill>
                   <a:schemeClr val="dk1"/>
                 </a:solidFill>
@@ -14505,89 +15892,10 @@
                 <a:cs typeface="Ubuntu"/>
                 <a:sym typeface="Ubuntu"/>
               </a:rPr>
-              <a:t>흰둥이는 오랜 고민 끝에 귀농을 결심하고</a:t>
+              <a:t> 오브젝트를 이용하여 생성한다</a:t>
             </a:r>
             <a:r>
-              <a:rPr lang="en-US" altLang="ko-KR" sz="1600" dirty="0">
-                <a:solidFill>
-                  <a:schemeClr val="dk1"/>
-                </a:solidFill>
-                <a:latin typeface="나눔스퀘어라운드 Regular" panose="020B0600000101010101" pitchFamily="50" charset="-127"/>
-                <a:ea typeface="나눔스퀘어라운드 Regular" panose="020B0600000101010101" pitchFamily="50" charset="-127"/>
-                <a:cs typeface="Ubuntu"/>
-                <a:sym typeface="Ubuntu"/>
-              </a:rPr>
-              <a:t>, </a:t>
-            </a:r>
-            <a:r>
-              <a:rPr lang="ko-KR" altLang="en-US" sz="1600" dirty="0">
-                <a:solidFill>
-                  <a:schemeClr val="dk1"/>
-                </a:solidFill>
-                <a:latin typeface="나눔스퀘어라운드 Regular" panose="020B0600000101010101" pitchFamily="50" charset="-127"/>
-                <a:ea typeface="나눔스퀘어라운드 Regular" panose="020B0600000101010101" pitchFamily="50" charset="-127"/>
-                <a:cs typeface="Ubuntu"/>
-                <a:sym typeface="Ubuntu"/>
-              </a:rPr>
-              <a:t>모은 돈으로 시골 작은 땅을 매입하였다</a:t>
-            </a:r>
-            <a:r>
-              <a:rPr lang="en-US" altLang="ko-KR" sz="1600" dirty="0">
-                <a:solidFill>
-                  <a:schemeClr val="dk1"/>
-                </a:solidFill>
-                <a:latin typeface="나눔스퀘어라운드 Regular" panose="020B0600000101010101" pitchFamily="50" charset="-127"/>
-                <a:ea typeface="나눔스퀘어라운드 Regular" panose="020B0600000101010101" pitchFamily="50" charset="-127"/>
-                <a:cs typeface="Ubuntu"/>
-                <a:sym typeface="Ubuntu"/>
-              </a:rPr>
-              <a:t>,</a:t>
-            </a:r>
-          </a:p>
-          <a:p>
-            <a:pPr>
-              <a:lnSpc>
-                <a:spcPct val="200000"/>
-              </a:lnSpc>
-            </a:pPr>
-            <a:r>
-              <a:rPr lang="ko-KR" altLang="en-US" sz="1600" dirty="0">
-                <a:solidFill>
-                  <a:schemeClr val="dk1"/>
-                </a:solidFill>
-                <a:latin typeface="나눔스퀘어라운드 Regular" panose="020B0600000101010101" pitchFamily="50" charset="-127"/>
-                <a:ea typeface="나눔스퀘어라운드 Regular" panose="020B0600000101010101" pitchFamily="50" charset="-127"/>
-                <a:cs typeface="Ubuntu"/>
-                <a:sym typeface="Ubuntu"/>
-              </a:rPr>
-              <a:t>간단한 이사 준비를 마친 흰둥이는 도시를 떠났고</a:t>
-            </a:r>
-            <a:r>
-              <a:rPr lang="en-US" altLang="ko-KR" sz="1600" dirty="0">
-                <a:solidFill>
-                  <a:schemeClr val="dk1"/>
-                </a:solidFill>
-                <a:latin typeface="나눔스퀘어라운드 Regular" panose="020B0600000101010101" pitchFamily="50" charset="-127"/>
-                <a:ea typeface="나눔스퀘어라운드 Regular" panose="020B0600000101010101" pitchFamily="50" charset="-127"/>
-                <a:cs typeface="Ubuntu"/>
-                <a:sym typeface="Ubuntu"/>
-              </a:rPr>
-              <a:t>, </a:t>
-            </a:r>
-            <a:r>
-              <a:rPr lang="ko-KR" altLang="en-US" sz="1600" dirty="0">
-                <a:solidFill>
-                  <a:schemeClr val="dk1"/>
-                </a:solidFill>
-                <a:latin typeface="나눔스퀘어라운드 Regular" panose="020B0600000101010101" pitchFamily="50" charset="-127"/>
-                <a:ea typeface="나눔스퀘어라운드 Regular" panose="020B0600000101010101" pitchFamily="50" charset="-127"/>
-                <a:cs typeface="Ubuntu"/>
-                <a:sym typeface="Ubuntu"/>
-              </a:rPr>
-              <a:t>이렇게 흰둥이의 새로운 생활이 시작되었다</a:t>
-            </a:r>
-            <a:r>
-              <a:rPr lang="en-US" altLang="ko-KR" sz="1600" dirty="0">
+              <a:rPr lang="en-US" altLang="ko-KR" sz="1400" dirty="0">
                 <a:solidFill>
                   <a:schemeClr val="dk1"/>
                 </a:solidFill>
@@ -14598,7 +15906,543 @@
               </a:rPr>
               <a:t>.</a:t>
             </a:r>
-            <a:endParaRPr lang="en-US" altLang="ko-KR" sz="1600" dirty="0" smtClean="0">
+          </a:p>
+          <a:p>
+            <a:pPr algn="ctr">
+              <a:lnSpc>
+                <a:spcPct val="150000"/>
+              </a:lnSpc>
+            </a:pPr>
+            <a:r>
+              <a:rPr lang="ko-KR" altLang="en-US" sz="1400" dirty="0" err="1">
+                <a:solidFill>
+                  <a:schemeClr val="dk1"/>
+                </a:solidFill>
+                <a:latin typeface="나눔스퀘어라운드 Regular" panose="020B0600000101010101" pitchFamily="50" charset="-127"/>
+                <a:ea typeface="나눔스퀘어라운드 Regular" panose="020B0600000101010101" pitchFamily="50" charset="-127"/>
+                <a:cs typeface="Ubuntu"/>
+                <a:sym typeface="Ubuntu"/>
+              </a:rPr>
+              <a:t>유니티의</a:t>
+            </a:r>
+            <a:r>
+              <a:rPr lang="ko-KR" altLang="en-US" sz="1400" dirty="0">
+                <a:solidFill>
+                  <a:schemeClr val="dk1"/>
+                </a:solidFill>
+                <a:latin typeface="나눔스퀘어라운드 Regular" panose="020B0600000101010101" pitchFamily="50" charset="-127"/>
+                <a:ea typeface="나눔스퀘어라운드 Regular" panose="020B0600000101010101" pitchFamily="50" charset="-127"/>
+                <a:cs typeface="Ubuntu"/>
+                <a:sym typeface="Ubuntu"/>
+              </a:rPr>
+              <a:t> </a:t>
+            </a:r>
+            <a:r>
+              <a:rPr lang="ko-KR" altLang="en-US" sz="1400" dirty="0" err="1">
+                <a:solidFill>
+                  <a:schemeClr val="dk1"/>
+                </a:solidFill>
+                <a:latin typeface="나눔스퀘어라운드 Regular" panose="020B0600000101010101" pitchFamily="50" charset="-127"/>
+                <a:ea typeface="나눔스퀘어라운드 Regular" panose="020B0600000101010101" pitchFamily="50" charset="-127"/>
+                <a:cs typeface="Ubuntu"/>
+                <a:sym typeface="Ubuntu"/>
+              </a:rPr>
+              <a:t>커스텀</a:t>
+            </a:r>
+            <a:r>
+              <a:rPr lang="ko-KR" altLang="en-US" sz="1400" dirty="0">
+                <a:solidFill>
+                  <a:schemeClr val="dk1"/>
+                </a:solidFill>
+                <a:latin typeface="나눔스퀘어라운드 Regular" panose="020B0600000101010101" pitchFamily="50" charset="-127"/>
+                <a:ea typeface="나눔스퀘어라운드 Regular" panose="020B0600000101010101" pitchFamily="50" charset="-127"/>
+                <a:cs typeface="Ubuntu"/>
+                <a:sym typeface="Ubuntu"/>
+              </a:rPr>
+              <a:t> 에디터 기능을 활용하여 각종 데이터를 관리하기 쉽게 했다</a:t>
+            </a:r>
+            <a:r>
+              <a:rPr lang="en-US" altLang="ko-KR" sz="1400" dirty="0">
+                <a:solidFill>
+                  <a:schemeClr val="dk1"/>
+                </a:solidFill>
+                <a:latin typeface="나눔스퀘어라운드 Regular" panose="020B0600000101010101" pitchFamily="50" charset="-127"/>
+                <a:ea typeface="나눔스퀘어라운드 Regular" panose="020B0600000101010101" pitchFamily="50" charset="-127"/>
+                <a:cs typeface="Ubuntu"/>
+                <a:sym typeface="Ubuntu"/>
+              </a:rPr>
+              <a:t>.</a:t>
+            </a:r>
+          </a:p>
+        </p:txBody>
+      </p:sp>
+      <p:pic>
+        <p:nvPicPr>
+          <p:cNvPr id="3" name="그림 2">
+            <a:extLst>
+              <a:ext uri="{FF2B5EF4-FFF2-40B4-BE49-F238E27FC236}">
+                <a16:creationId xmlns:a16="http://schemas.microsoft.com/office/drawing/2014/main" id="{249971AF-A5A0-4E29-8109-7BCDACF43318}"/>
+              </a:ext>
+            </a:extLst>
+          </p:cNvPr>
+          <p:cNvPicPr>
+            <a:picLocks noChangeAspect="1"/>
+          </p:cNvPicPr>
+          <p:nvPr/>
+        </p:nvPicPr>
+        <p:blipFill>
+          <a:blip r:embed="rId3"/>
+          <a:stretch>
+            <a:fillRect/>
+          </a:stretch>
+        </p:blipFill>
+        <p:spPr>
+          <a:xfrm>
+            <a:off x="1707755" y="1479655"/>
+            <a:ext cx="1440763" cy="1711903"/>
+          </a:xfrm>
+          <a:prstGeom prst="rect">
+            <a:avLst/>
+          </a:prstGeom>
+        </p:spPr>
+      </p:pic>
+      <p:pic>
+        <p:nvPicPr>
+          <p:cNvPr id="5" name="그림 4">
+            <a:extLst>
+              <a:ext uri="{FF2B5EF4-FFF2-40B4-BE49-F238E27FC236}">
+                <a16:creationId xmlns:a16="http://schemas.microsoft.com/office/drawing/2014/main" id="{402E55BF-AA98-4CF8-8043-84E524985B7B}"/>
+              </a:ext>
+            </a:extLst>
+          </p:cNvPr>
+          <p:cNvPicPr>
+            <a:picLocks noChangeAspect="1"/>
+          </p:cNvPicPr>
+          <p:nvPr/>
+        </p:nvPicPr>
+        <p:blipFill>
+          <a:blip r:embed="rId4"/>
+          <a:stretch>
+            <a:fillRect/>
+          </a:stretch>
+        </p:blipFill>
+        <p:spPr>
+          <a:xfrm>
+            <a:off x="4006845" y="1479655"/>
+            <a:ext cx="1440763" cy="1818232"/>
+          </a:xfrm>
+          <a:prstGeom prst="rect">
+            <a:avLst/>
+          </a:prstGeom>
+        </p:spPr>
+      </p:pic>
+      <p:pic>
+        <p:nvPicPr>
+          <p:cNvPr id="6" name="그림 5">
+            <a:extLst>
+              <a:ext uri="{FF2B5EF4-FFF2-40B4-BE49-F238E27FC236}">
+                <a16:creationId xmlns:a16="http://schemas.microsoft.com/office/drawing/2014/main" id="{72617C48-1ACD-4139-8F26-94FE941256B3}"/>
+              </a:ext>
+            </a:extLst>
+          </p:cNvPr>
+          <p:cNvPicPr>
+            <a:picLocks noChangeAspect="1"/>
+          </p:cNvPicPr>
+          <p:nvPr/>
+        </p:nvPicPr>
+        <p:blipFill>
+          <a:blip r:embed="rId5"/>
+          <a:stretch>
+            <a:fillRect/>
+          </a:stretch>
+        </p:blipFill>
+        <p:spPr>
+          <a:xfrm>
+            <a:off x="5968583" y="1731410"/>
+            <a:ext cx="1662304" cy="1208391"/>
+          </a:xfrm>
+          <a:prstGeom prst="rect">
+            <a:avLst/>
+          </a:prstGeom>
+        </p:spPr>
+      </p:pic>
+      <p:sp>
+        <p:nvSpPr>
+          <p:cNvPr id="8" name="Google Shape;17;p3">
+            <a:extLst>
+              <a:ext uri="{FF2B5EF4-FFF2-40B4-BE49-F238E27FC236}">
+                <a16:creationId xmlns:a16="http://schemas.microsoft.com/office/drawing/2014/main" id="{9A7D22E1-CEDC-4278-B470-08D8E797C9C6}"/>
+              </a:ext>
+            </a:extLst>
+          </p:cNvPr>
+          <p:cNvSpPr txBox="1">
+            <a:spLocks/>
+          </p:cNvSpPr>
+          <p:nvPr/>
+        </p:nvSpPr>
+        <p:spPr>
+          <a:xfrm>
+            <a:off x="2260978" y="3297887"/>
+            <a:ext cx="6193127" cy="613654"/>
+          </a:xfrm>
+          <a:prstGeom prst="rect">
+            <a:avLst/>
+          </a:prstGeom>
+        </p:spPr>
+        <p:txBody>
+          <a:bodyPr spcFirstLastPara="1" wrap="square" lIns="91425" tIns="91425" rIns="91425" bIns="91425" anchor="ctr" anchorCtr="0">
+            <a:noAutofit/>
+          </a:bodyPr>
+          <a:lstStyle>
+            <a:defPPr marR="0" lvl="0" algn="l" rtl="0">
+              <a:lnSpc>
+                <a:spcPct val="100000"/>
+              </a:lnSpc>
+              <a:spcBef>
+                <a:spcPts val="0"/>
+              </a:spcBef>
+              <a:spcAft>
+                <a:spcPts val="0"/>
+              </a:spcAft>
+            </a:defPPr>
+            <a:lvl1pPr marR="0" lvl="0" algn="l" rtl="0">
+              <a:lnSpc>
+                <a:spcPct val="100000"/>
+              </a:lnSpc>
+              <a:spcBef>
+                <a:spcPts val="0"/>
+              </a:spcBef>
+              <a:spcAft>
+                <a:spcPts val="0"/>
+              </a:spcAft>
+              <a:buClr>
+                <a:srgbClr val="000000"/>
+              </a:buClr>
+              <a:buSzPts val="1800"/>
+              <a:buFont typeface="Arial"/>
+              <a:buNone/>
+              <a:defRPr sz="1800" b="0" i="0" u="none" strike="noStrike" cap="none">
+                <a:solidFill>
+                  <a:srgbClr val="000000"/>
+                </a:solidFill>
+                <a:latin typeface="나눔스퀘어라운드 Bold" panose="020B0600000101010101" pitchFamily="50" charset="-127"/>
+                <a:ea typeface="나눔스퀘어라운드 Bold" panose="020B0600000101010101" pitchFamily="50" charset="-127"/>
+                <a:cs typeface="Arial"/>
+                <a:sym typeface="Arial"/>
+              </a:defRPr>
+            </a:lvl1pPr>
+            <a:lvl2pPr marR="0" lvl="1" algn="l" rtl="0">
+              <a:lnSpc>
+                <a:spcPct val="100000"/>
+              </a:lnSpc>
+              <a:spcBef>
+                <a:spcPts val="0"/>
+              </a:spcBef>
+              <a:spcAft>
+                <a:spcPts val="0"/>
+              </a:spcAft>
+              <a:buClr>
+                <a:schemeClr val="lt1"/>
+              </a:buClr>
+              <a:buSzPts val="1800"/>
+              <a:buFont typeface="Arial"/>
+              <a:buNone/>
+              <a:defRPr sz="1800" b="0" i="0" u="none" strike="noStrike" cap="none">
+                <a:solidFill>
+                  <a:schemeClr val="lt1"/>
+                </a:solidFill>
+                <a:latin typeface="Arial"/>
+                <a:ea typeface="Arial"/>
+                <a:cs typeface="Arial"/>
+                <a:sym typeface="Arial"/>
+              </a:defRPr>
+            </a:lvl2pPr>
+            <a:lvl3pPr marR="0" lvl="2" algn="l" rtl="0">
+              <a:lnSpc>
+                <a:spcPct val="100000"/>
+              </a:lnSpc>
+              <a:spcBef>
+                <a:spcPts val="0"/>
+              </a:spcBef>
+              <a:spcAft>
+                <a:spcPts val="0"/>
+              </a:spcAft>
+              <a:buClr>
+                <a:schemeClr val="lt1"/>
+              </a:buClr>
+              <a:buSzPts val="1800"/>
+              <a:buFont typeface="Arial"/>
+              <a:buNone/>
+              <a:defRPr sz="1800" b="0" i="0" u="none" strike="noStrike" cap="none">
+                <a:solidFill>
+                  <a:schemeClr val="lt1"/>
+                </a:solidFill>
+                <a:latin typeface="Arial"/>
+                <a:ea typeface="Arial"/>
+                <a:cs typeface="Arial"/>
+                <a:sym typeface="Arial"/>
+              </a:defRPr>
+            </a:lvl3pPr>
+            <a:lvl4pPr marR="0" lvl="3" algn="l" rtl="0">
+              <a:lnSpc>
+                <a:spcPct val="100000"/>
+              </a:lnSpc>
+              <a:spcBef>
+                <a:spcPts val="0"/>
+              </a:spcBef>
+              <a:spcAft>
+                <a:spcPts val="0"/>
+              </a:spcAft>
+              <a:buClr>
+                <a:schemeClr val="lt1"/>
+              </a:buClr>
+              <a:buSzPts val="1800"/>
+              <a:buFont typeface="Arial"/>
+              <a:buNone/>
+              <a:defRPr sz="1800" b="0" i="0" u="none" strike="noStrike" cap="none">
+                <a:solidFill>
+                  <a:schemeClr val="lt1"/>
+                </a:solidFill>
+                <a:latin typeface="Arial"/>
+                <a:ea typeface="Arial"/>
+                <a:cs typeface="Arial"/>
+                <a:sym typeface="Arial"/>
+              </a:defRPr>
+            </a:lvl4pPr>
+            <a:lvl5pPr marR="0" lvl="4" algn="l" rtl="0">
+              <a:lnSpc>
+                <a:spcPct val="100000"/>
+              </a:lnSpc>
+              <a:spcBef>
+                <a:spcPts val="0"/>
+              </a:spcBef>
+              <a:spcAft>
+                <a:spcPts val="0"/>
+              </a:spcAft>
+              <a:buClr>
+                <a:schemeClr val="lt1"/>
+              </a:buClr>
+              <a:buSzPts val="1800"/>
+              <a:buFont typeface="Arial"/>
+              <a:buNone/>
+              <a:defRPr sz="1800" b="0" i="0" u="none" strike="noStrike" cap="none">
+                <a:solidFill>
+                  <a:schemeClr val="lt1"/>
+                </a:solidFill>
+                <a:latin typeface="Arial"/>
+                <a:ea typeface="Arial"/>
+                <a:cs typeface="Arial"/>
+                <a:sym typeface="Arial"/>
+              </a:defRPr>
+            </a:lvl5pPr>
+            <a:lvl6pPr marR="0" lvl="5" algn="l" rtl="0">
+              <a:lnSpc>
+                <a:spcPct val="100000"/>
+              </a:lnSpc>
+              <a:spcBef>
+                <a:spcPts val="0"/>
+              </a:spcBef>
+              <a:spcAft>
+                <a:spcPts val="0"/>
+              </a:spcAft>
+              <a:buClr>
+                <a:schemeClr val="lt1"/>
+              </a:buClr>
+              <a:buSzPts val="1800"/>
+              <a:buFont typeface="Arial"/>
+              <a:buNone/>
+              <a:defRPr sz="1800" b="0" i="0" u="none" strike="noStrike" cap="none">
+                <a:solidFill>
+                  <a:schemeClr val="lt1"/>
+                </a:solidFill>
+                <a:latin typeface="Arial"/>
+                <a:ea typeface="Arial"/>
+                <a:cs typeface="Arial"/>
+                <a:sym typeface="Arial"/>
+              </a:defRPr>
+            </a:lvl6pPr>
+            <a:lvl7pPr marR="0" lvl="6" algn="l" rtl="0">
+              <a:lnSpc>
+                <a:spcPct val="100000"/>
+              </a:lnSpc>
+              <a:spcBef>
+                <a:spcPts val="0"/>
+              </a:spcBef>
+              <a:spcAft>
+                <a:spcPts val="0"/>
+              </a:spcAft>
+              <a:buClr>
+                <a:schemeClr val="lt1"/>
+              </a:buClr>
+              <a:buSzPts val="1800"/>
+              <a:buFont typeface="Arial"/>
+              <a:buNone/>
+              <a:defRPr sz="1800" b="0" i="0" u="none" strike="noStrike" cap="none">
+                <a:solidFill>
+                  <a:schemeClr val="lt1"/>
+                </a:solidFill>
+                <a:latin typeface="Arial"/>
+                <a:ea typeface="Arial"/>
+                <a:cs typeface="Arial"/>
+                <a:sym typeface="Arial"/>
+              </a:defRPr>
+            </a:lvl7pPr>
+            <a:lvl8pPr marR="0" lvl="7" algn="l" rtl="0">
+              <a:lnSpc>
+                <a:spcPct val="100000"/>
+              </a:lnSpc>
+              <a:spcBef>
+                <a:spcPts val="0"/>
+              </a:spcBef>
+              <a:spcAft>
+                <a:spcPts val="0"/>
+              </a:spcAft>
+              <a:buClr>
+                <a:schemeClr val="lt1"/>
+              </a:buClr>
+              <a:buSzPts val="1800"/>
+              <a:buFont typeface="Arial"/>
+              <a:buNone/>
+              <a:defRPr sz="1800" b="0" i="0" u="none" strike="noStrike" cap="none">
+                <a:solidFill>
+                  <a:schemeClr val="lt1"/>
+                </a:solidFill>
+                <a:latin typeface="Arial"/>
+                <a:ea typeface="Arial"/>
+                <a:cs typeface="Arial"/>
+                <a:sym typeface="Arial"/>
+              </a:defRPr>
+            </a:lvl8pPr>
+            <a:lvl9pPr marR="0" lvl="8" algn="l" rtl="0">
+              <a:lnSpc>
+                <a:spcPct val="100000"/>
+              </a:lnSpc>
+              <a:spcBef>
+                <a:spcPts val="0"/>
+              </a:spcBef>
+              <a:spcAft>
+                <a:spcPts val="0"/>
+              </a:spcAft>
+              <a:buClr>
+                <a:schemeClr val="lt1"/>
+              </a:buClr>
+              <a:buSzPts val="1800"/>
+              <a:buFont typeface="Arial"/>
+              <a:buNone/>
+              <a:defRPr sz="1800" b="0" i="0" u="none" strike="noStrike" cap="none">
+                <a:solidFill>
+                  <a:schemeClr val="lt1"/>
+                </a:solidFill>
+                <a:latin typeface="Arial"/>
+                <a:ea typeface="Arial"/>
+                <a:cs typeface="Arial"/>
+                <a:sym typeface="Arial"/>
+              </a:defRPr>
+            </a:lvl9pPr>
+          </a:lstStyle>
+          <a:p>
+            <a:pPr>
+              <a:lnSpc>
+                <a:spcPct val="150000"/>
+              </a:lnSpc>
+            </a:pPr>
+            <a:r>
+              <a:rPr lang="ko-KR" altLang="en-US" sz="1000" dirty="0">
+                <a:solidFill>
+                  <a:schemeClr val="dk1"/>
+                </a:solidFill>
+                <a:latin typeface="나눔스퀘어라운드 Regular" panose="020B0600000101010101" pitchFamily="50" charset="-127"/>
+                <a:ea typeface="나눔스퀘어라운드 Regular" panose="020B0600000101010101" pitchFamily="50" charset="-127"/>
+                <a:cs typeface="Ubuntu"/>
+                <a:sym typeface="Ubuntu"/>
+              </a:rPr>
+              <a:t>↑ </a:t>
+            </a:r>
+            <a:r>
+              <a:rPr lang="en-US" altLang="ko-KR" sz="1000" dirty="0" err="1">
+                <a:solidFill>
+                  <a:schemeClr val="dk1"/>
+                </a:solidFill>
+                <a:latin typeface="나눔스퀘어라운드 Regular" panose="020B0600000101010101" pitchFamily="50" charset="-127"/>
+                <a:ea typeface="나눔스퀘어라운드 Regular" panose="020B0600000101010101" pitchFamily="50" charset="-127"/>
+                <a:cs typeface="Ubuntu"/>
+                <a:sym typeface="Ubuntu"/>
+              </a:rPr>
+              <a:t>MapObjData</a:t>
+            </a:r>
+            <a:r>
+              <a:rPr lang="en-US" altLang="ko-KR" sz="1000" dirty="0">
+                <a:solidFill>
+                  <a:schemeClr val="dk1"/>
+                </a:solidFill>
+                <a:latin typeface="나눔스퀘어라운드 Regular" panose="020B0600000101010101" pitchFamily="50" charset="-127"/>
+                <a:ea typeface="나눔스퀘어라운드 Regular" panose="020B0600000101010101" pitchFamily="50" charset="-127"/>
+                <a:cs typeface="Ubuntu"/>
+                <a:sym typeface="Ubuntu"/>
+              </a:rPr>
+              <a:t> 	           </a:t>
+            </a:r>
+            <a:r>
+              <a:rPr lang="ko-KR" altLang="en-US" sz="1000" dirty="0">
+                <a:solidFill>
+                  <a:schemeClr val="dk1"/>
+                </a:solidFill>
+                <a:latin typeface="나눔스퀘어라운드 Regular" panose="020B0600000101010101" pitchFamily="50" charset="-127"/>
+                <a:ea typeface="나눔스퀘어라운드 Regular" panose="020B0600000101010101" pitchFamily="50" charset="-127"/>
+                <a:cs typeface="Ubuntu"/>
+                <a:sym typeface="Ubuntu"/>
+              </a:rPr>
+              <a:t>                      ↑</a:t>
+            </a:r>
+            <a:r>
+              <a:rPr lang="en-US" altLang="ko-KR" sz="1000" dirty="0" err="1">
+                <a:solidFill>
+                  <a:schemeClr val="dk1"/>
+                </a:solidFill>
+                <a:latin typeface="나눔스퀘어라운드 Regular" panose="020B0600000101010101" pitchFamily="50" charset="-127"/>
+                <a:ea typeface="나눔스퀘어라운드 Regular" panose="020B0600000101010101" pitchFamily="50" charset="-127"/>
+                <a:cs typeface="Ubuntu"/>
+                <a:sym typeface="Ubuntu"/>
+              </a:rPr>
+              <a:t>NewCropData</a:t>
+            </a:r>
+            <a:r>
+              <a:rPr lang="en-US" altLang="ko-KR" sz="1000" dirty="0">
+                <a:solidFill>
+                  <a:schemeClr val="dk1"/>
+                </a:solidFill>
+                <a:latin typeface="나눔스퀘어라운드 Regular" panose="020B0600000101010101" pitchFamily="50" charset="-127"/>
+                <a:ea typeface="나눔스퀘어라운드 Regular" panose="020B0600000101010101" pitchFamily="50" charset="-127"/>
+                <a:cs typeface="Ubuntu"/>
+                <a:sym typeface="Ubuntu"/>
+              </a:rPr>
+              <a:t> 	             </a:t>
+            </a:r>
+            <a:r>
+              <a:rPr lang="ko-KR" altLang="en-US" sz="1000" dirty="0">
+                <a:solidFill>
+                  <a:schemeClr val="dk1"/>
+                </a:solidFill>
+                <a:latin typeface="나눔스퀘어라운드 Regular" panose="020B0600000101010101" pitchFamily="50" charset="-127"/>
+                <a:ea typeface="나눔스퀘어라운드 Regular" panose="020B0600000101010101" pitchFamily="50" charset="-127"/>
+                <a:cs typeface="Ubuntu"/>
+                <a:sym typeface="Ubuntu"/>
+              </a:rPr>
+              <a:t>↑</a:t>
+            </a:r>
+            <a:r>
+              <a:rPr lang="en-US" altLang="ko-KR" sz="1000" dirty="0" err="1">
+                <a:solidFill>
+                  <a:schemeClr val="dk1"/>
+                </a:solidFill>
+                <a:latin typeface="나눔스퀘어라운드 Regular" panose="020B0600000101010101" pitchFamily="50" charset="-127"/>
+                <a:ea typeface="나눔스퀘어라운드 Regular" panose="020B0600000101010101" pitchFamily="50" charset="-127"/>
+                <a:cs typeface="Ubuntu"/>
+                <a:sym typeface="Ubuntu"/>
+              </a:rPr>
+              <a:t>NewCraftRecipe</a:t>
+            </a:r>
+            <a:endParaRPr lang="en-US" altLang="ko-KR" sz="1000" dirty="0">
               <a:solidFill>
                 <a:schemeClr val="dk1"/>
               </a:solidFill>
@@ -14620,13 +16464,6 @@
   <p:clrMapOvr>
     <a:masterClrMapping/>
   </p:clrMapOvr>
-  <p:timing>
-    <p:tnLst>
-      <p:par>
-        <p:cTn id="1" dur="indefinite" restart="never" nodeType="tmRoot"/>
-      </p:par>
-    </p:tnLst>
-  </p:timing>
 </p:sld>
 </file>
 
